--- a/Presentation/Presentation2.pptx
+++ b/Presentation/Presentation2.pptx
@@ -289,7 +289,7 @@
           <a:p>
             <a:fld id="{5D447496-71A2-4A72-B081-F0E9D2648B3C}" type="datetimeFigureOut">
               <a:rPr lang="en-US" smtClean="0"/>
-              <a:t>4/14/2021</a:t>
+              <a:t>4/18/2021</a:t>
             </a:fld>
             <a:endParaRPr lang="en-US"/>
           </a:p>
@@ -459,7 +459,7 @@
           <a:p>
             <a:fld id="{5D447496-71A2-4A72-B081-F0E9D2648B3C}" type="datetimeFigureOut">
               <a:rPr lang="en-US" smtClean="0"/>
-              <a:t>4/14/2021</a:t>
+              <a:t>4/18/2021</a:t>
             </a:fld>
             <a:endParaRPr lang="en-US"/>
           </a:p>
@@ -639,7 +639,7 @@
           <a:p>
             <a:fld id="{5D447496-71A2-4A72-B081-F0E9D2648B3C}" type="datetimeFigureOut">
               <a:rPr lang="en-US" smtClean="0"/>
-              <a:t>4/14/2021</a:t>
+              <a:t>4/18/2021</a:t>
             </a:fld>
             <a:endParaRPr lang="en-US"/>
           </a:p>
@@ -809,7 +809,7 @@
           <a:p>
             <a:fld id="{5D447496-71A2-4A72-B081-F0E9D2648B3C}" type="datetimeFigureOut">
               <a:rPr lang="en-US" smtClean="0"/>
-              <a:t>4/14/2021</a:t>
+              <a:t>4/18/2021</a:t>
             </a:fld>
             <a:endParaRPr lang="en-US"/>
           </a:p>
@@ -1055,7 +1055,7 @@
           <a:p>
             <a:fld id="{5D447496-71A2-4A72-B081-F0E9D2648B3C}" type="datetimeFigureOut">
               <a:rPr lang="en-US" smtClean="0"/>
-              <a:t>4/14/2021</a:t>
+              <a:t>4/18/2021</a:t>
             </a:fld>
             <a:endParaRPr lang="en-US"/>
           </a:p>
@@ -1343,7 +1343,7 @@
           <a:p>
             <a:fld id="{5D447496-71A2-4A72-B081-F0E9D2648B3C}" type="datetimeFigureOut">
               <a:rPr lang="en-US" smtClean="0"/>
-              <a:t>4/14/2021</a:t>
+              <a:t>4/18/2021</a:t>
             </a:fld>
             <a:endParaRPr lang="en-US"/>
           </a:p>
@@ -1765,7 +1765,7 @@
           <a:p>
             <a:fld id="{5D447496-71A2-4A72-B081-F0E9D2648B3C}" type="datetimeFigureOut">
               <a:rPr lang="en-US" smtClean="0"/>
-              <a:t>4/14/2021</a:t>
+              <a:t>4/18/2021</a:t>
             </a:fld>
             <a:endParaRPr lang="en-US"/>
           </a:p>
@@ -1883,7 +1883,7 @@
           <a:p>
             <a:fld id="{5D447496-71A2-4A72-B081-F0E9D2648B3C}" type="datetimeFigureOut">
               <a:rPr lang="en-US" smtClean="0"/>
-              <a:t>4/14/2021</a:t>
+              <a:t>4/18/2021</a:t>
             </a:fld>
             <a:endParaRPr lang="en-US"/>
           </a:p>
@@ -1978,7 +1978,7 @@
           <a:p>
             <a:fld id="{5D447496-71A2-4A72-B081-F0E9D2648B3C}" type="datetimeFigureOut">
               <a:rPr lang="en-US" smtClean="0"/>
-              <a:t>4/14/2021</a:t>
+              <a:t>4/18/2021</a:t>
             </a:fld>
             <a:endParaRPr lang="en-US"/>
           </a:p>
@@ -2255,7 +2255,7 @@
           <a:p>
             <a:fld id="{5D447496-71A2-4A72-B081-F0E9D2648B3C}" type="datetimeFigureOut">
               <a:rPr lang="en-US" smtClean="0"/>
-              <a:t>4/14/2021</a:t>
+              <a:t>4/18/2021</a:t>
             </a:fld>
             <a:endParaRPr lang="en-US"/>
           </a:p>
@@ -2508,7 +2508,7 @@
           <a:p>
             <a:fld id="{5D447496-71A2-4A72-B081-F0E9D2648B3C}" type="datetimeFigureOut">
               <a:rPr lang="en-US" smtClean="0"/>
-              <a:t>4/14/2021</a:t>
+              <a:t>4/18/2021</a:t>
             </a:fld>
             <a:endParaRPr lang="en-US"/>
           </a:p>
@@ -2721,7 +2721,7 @@
           <a:p>
             <a:fld id="{5D447496-71A2-4A72-B081-F0E9D2648B3C}" type="datetimeFigureOut">
               <a:rPr lang="en-US" smtClean="0"/>
-              <a:t>4/14/2021</a:t>
+              <a:t>4/18/2021</a:t>
             </a:fld>
             <a:endParaRPr lang="en-US"/>
           </a:p>
@@ -3096,6 +3096,36 @@
           <a:chExt cx="0" cy="0"/>
         </a:xfrm>
       </p:grpSpPr>
+      <p:pic>
+        <p:nvPicPr>
+          <p:cNvPr id="2" name="Picture 1"/>
+          <p:cNvPicPr>
+            <a:picLocks noChangeAspect="1"/>
+          </p:cNvPicPr>
+          <p:nvPr/>
+        </p:nvPicPr>
+        <p:blipFill>
+          <a:blip r:embed="rId2">
+            <a:extLst>
+              <a:ext uri="{28A0092B-C50C-407E-A947-70E740481C1C}">
+                <a14:useLocalDpi xmlns:a14="http://schemas.microsoft.com/office/drawing/2010/main" val="0"/>
+              </a:ext>
+            </a:extLst>
+          </a:blip>
+          <a:stretch>
+            <a:fillRect/>
+          </a:stretch>
+        </p:blipFill>
+        <p:spPr>
+          <a:xfrm>
+            <a:off x="457200" y="1524000"/>
+            <a:ext cx="8429626" cy="4572000"/>
+          </a:xfrm>
+          <a:prstGeom prst="rect">
+            <a:avLst/>
+          </a:prstGeom>
+        </p:spPr>
+      </p:pic>
     </p:spTree>
     <p:extLst>
       <p:ext uri="{BB962C8B-B14F-4D97-AF65-F5344CB8AC3E}">
@@ -3135,124 +3165,6 @@
       </p:grpSpPr>
       <p:pic>
         <p:nvPicPr>
-          <p:cNvPr id="3" name="Picture 2"/>
-          <p:cNvPicPr>
-            <a:picLocks noChangeAspect="1"/>
-          </p:cNvPicPr>
-          <p:nvPr/>
-        </p:nvPicPr>
-        <p:blipFill>
-          <a:blip r:embed="rId2" cstate="print">
-            <a:extLst>
-              <a:ext uri="{28A0092B-C50C-407E-A947-70E740481C1C}">
-                <a14:useLocalDpi xmlns:a14="http://schemas.microsoft.com/office/drawing/2010/main" val="0"/>
-              </a:ext>
-            </a:extLst>
-          </a:blip>
-          <a:stretch>
-            <a:fillRect/>
-          </a:stretch>
-        </p:blipFill>
-        <p:spPr>
-          <a:xfrm>
-            <a:off x="3505200" y="457200"/>
-            <a:ext cx="1647600" cy="1255863"/>
-          </a:xfrm>
-          <a:prstGeom prst="rect">
-            <a:avLst/>
-          </a:prstGeom>
-        </p:spPr>
-      </p:pic>
-      <p:pic>
-        <p:nvPicPr>
-          <p:cNvPr id="4" name="Picture 3"/>
-          <p:cNvPicPr>
-            <a:picLocks noChangeAspect="1"/>
-          </p:cNvPicPr>
-          <p:nvPr/>
-        </p:nvPicPr>
-        <p:blipFill>
-          <a:blip r:embed="rId3" cstate="print">
-            <a:extLst>
-              <a:ext uri="{28A0092B-C50C-407E-A947-70E740481C1C}">
-                <a14:useLocalDpi xmlns:a14="http://schemas.microsoft.com/office/drawing/2010/main" val="0"/>
-              </a:ext>
-            </a:extLst>
-          </a:blip>
-          <a:stretch>
-            <a:fillRect/>
-          </a:stretch>
-        </p:blipFill>
-        <p:spPr>
-          <a:xfrm>
-            <a:off x="457201" y="457200"/>
-            <a:ext cx="1752599" cy="1335897"/>
-          </a:xfrm>
-          <a:prstGeom prst="rect">
-            <a:avLst/>
-          </a:prstGeom>
-        </p:spPr>
-      </p:pic>
-      <p:pic>
-        <p:nvPicPr>
-          <p:cNvPr id="6" name="Picture 5"/>
-          <p:cNvPicPr>
-            <a:picLocks noChangeAspect="1"/>
-          </p:cNvPicPr>
-          <p:nvPr/>
-        </p:nvPicPr>
-        <p:blipFill rotWithShape="1">
-          <a:blip r:embed="rId4" cstate="print">
-            <a:extLst>
-              <a:ext uri="{28A0092B-C50C-407E-A947-70E740481C1C}">
-                <a14:useLocalDpi xmlns:a14="http://schemas.microsoft.com/office/drawing/2010/main" val="0"/>
-              </a:ext>
-            </a:extLst>
-          </a:blip>
-          <a:srcRect l="5786" r="67075"/>
-          <a:stretch/>
-        </p:blipFill>
-        <p:spPr>
-          <a:xfrm>
-            <a:off x="3886200" y="1717074"/>
-            <a:ext cx="762000" cy="1976027"/>
-          </a:xfrm>
-          <a:prstGeom prst="rect">
-            <a:avLst/>
-          </a:prstGeom>
-        </p:spPr>
-      </p:pic>
-      <p:pic>
-        <p:nvPicPr>
-          <p:cNvPr id="7" name="Picture 6"/>
-          <p:cNvPicPr>
-            <a:picLocks noChangeAspect="1"/>
-          </p:cNvPicPr>
-          <p:nvPr/>
-        </p:nvPicPr>
-        <p:blipFill rotWithShape="1">
-          <a:blip r:embed="rId5">
-            <a:extLst>
-              <a:ext uri="{28A0092B-C50C-407E-A947-70E740481C1C}">
-                <a14:useLocalDpi xmlns:a14="http://schemas.microsoft.com/office/drawing/2010/main" val="0"/>
-              </a:ext>
-            </a:extLst>
-          </a:blip>
-          <a:srcRect l="10526" r="63263" b="50000"/>
-          <a:stretch/>
-        </p:blipFill>
-        <p:spPr>
-          <a:xfrm>
-            <a:off x="834189" y="1717074"/>
-            <a:ext cx="998621" cy="1905000"/>
-          </a:xfrm>
-          <a:prstGeom prst="rect">
-            <a:avLst/>
-          </a:prstGeom>
-        </p:spPr>
-      </p:pic>
-      <p:pic>
-        <p:nvPicPr>
           <p:cNvPr id="8" name="Picture 7"/>
           <p:cNvPicPr>
             <a:picLocks noChangeAspect="1"/>
@@ -3260,7 +3172,7 @@
           <p:nvPr/>
         </p:nvPicPr>
         <p:blipFill rotWithShape="1">
-          <a:blip r:embed="rId5">
+          <a:blip r:embed="rId2">
             <a:extLst>
               <a:ext uri="{28A0092B-C50C-407E-A947-70E740481C1C}">
                 <a14:useLocalDpi xmlns:a14="http://schemas.microsoft.com/office/drawing/2010/main" val="0"/>
@@ -3272,7 +3184,7 @@
         </p:blipFill>
         <p:spPr>
           <a:xfrm>
-            <a:off x="1676400" y="4191000"/>
+            <a:off x="2127504" y="4876800"/>
             <a:ext cx="1682496" cy="1905000"/>
           </a:xfrm>
           <a:prstGeom prst="rect">
@@ -3289,7 +3201,7 @@
           <p:nvPr/>
         </p:nvPicPr>
         <p:blipFill rotWithShape="1">
-          <a:blip r:embed="rId4" cstate="print">
+          <a:blip r:embed="rId3" cstate="print">
             <a:extLst>
               <a:ext uri="{28A0092B-C50C-407E-A947-70E740481C1C}">
                 <a14:useLocalDpi xmlns:a14="http://schemas.microsoft.com/office/drawing/2010/main" val="0"/>
@@ -3301,7 +3213,7 @@
         </p:blipFill>
         <p:spPr>
           <a:xfrm>
-            <a:off x="5943600" y="381000"/>
+            <a:off x="6772656" y="381000"/>
             <a:ext cx="618744" cy="1716024"/>
           </a:xfrm>
           <a:prstGeom prst="rect">
@@ -3318,20 +3230,20 @@
           <p:nvPr/>
         </p:nvPicPr>
         <p:blipFill rotWithShape="1">
-          <a:blip r:embed="rId6" cstate="print">
+          <a:blip r:embed="rId4" cstate="print">
             <a:extLst>
               <a:ext uri="{28A0092B-C50C-407E-A947-70E740481C1C}">
                 <a14:useLocalDpi xmlns:a14="http://schemas.microsoft.com/office/drawing/2010/main" val="0"/>
               </a:ext>
             </a:extLst>
           </a:blip>
-          <a:srcRect l="10064" t="4000" r="10448" b="7734"/>
+          <a:srcRect l="49808" t="4000" r="10448" b="7734"/>
           <a:stretch/>
         </p:blipFill>
         <p:spPr>
           <a:xfrm>
-            <a:off x="7467600" y="2438400"/>
-            <a:ext cx="990600" cy="1584003"/>
+            <a:off x="7868033" y="5197797"/>
+            <a:ext cx="495300" cy="1584003"/>
           </a:xfrm>
           <a:prstGeom prst="rect">
             <a:avLst/>
@@ -3347,7 +3259,7 @@
           <p:nvPr/>
         </p:nvPicPr>
         <p:blipFill rotWithShape="1">
-          <a:blip r:embed="rId5">
+          <a:blip r:embed="rId2">
             <a:extLst>
               <a:ext uri="{28A0092B-C50C-407E-A947-70E740481C1C}">
                 <a14:useLocalDpi xmlns:a14="http://schemas.microsoft.com/office/drawing/2010/main" val="0"/>
@@ -3359,7 +3271,7 @@
         </p:blipFill>
         <p:spPr>
           <a:xfrm>
-            <a:off x="6019800" y="2407204"/>
+            <a:off x="4724400" y="5179510"/>
             <a:ext cx="863057" cy="1646394"/>
           </a:xfrm>
           <a:prstGeom prst="rect">
@@ -3367,16 +3279,480 @@
           </a:prstGeom>
         </p:spPr>
       </p:pic>
-      <p:sp>
-        <p:nvSpPr>
-          <p:cNvPr id="2" name="TextBox 1"/>
+      <p:grpSp>
+        <p:nvGrpSpPr>
+          <p:cNvPr id="18" name="Group 17"/>
+          <p:cNvGrpSpPr/>
+          <p:nvPr/>
+        </p:nvGrpSpPr>
+        <p:grpSpPr>
+          <a:xfrm>
+            <a:off x="685801" y="76200"/>
+            <a:ext cx="1752599" cy="1412097"/>
+            <a:chOff x="457201" y="381000"/>
+            <a:chExt cx="1752599" cy="1412097"/>
+          </a:xfrm>
+        </p:grpSpPr>
+        <p:pic>
+          <p:nvPicPr>
+            <p:cNvPr id="4" name="Picture 3"/>
+            <p:cNvPicPr>
+              <a:picLocks noChangeAspect="1"/>
+            </p:cNvPicPr>
+            <p:nvPr/>
+          </p:nvPicPr>
+          <p:blipFill>
+            <a:blip r:embed="rId5" cstate="print">
+              <a:extLst>
+                <a:ext uri="{28A0092B-C50C-407E-A947-70E740481C1C}">
+                  <a14:useLocalDpi xmlns:a14="http://schemas.microsoft.com/office/drawing/2010/main" val="0"/>
+                </a:ext>
+              </a:extLst>
+            </a:blip>
+            <a:stretch>
+              <a:fillRect/>
+            </a:stretch>
+          </p:blipFill>
+          <p:spPr>
+            <a:xfrm>
+              <a:off x="457201" y="457200"/>
+              <a:ext cx="1752599" cy="1335897"/>
+            </a:xfrm>
+            <a:prstGeom prst="rect">
+              <a:avLst/>
+            </a:prstGeom>
+          </p:spPr>
+        </p:pic>
+        <p:sp>
+          <p:nvSpPr>
+            <p:cNvPr id="2" name="TextBox 1"/>
+            <p:cNvSpPr txBox="1"/>
+            <p:nvPr/>
+          </p:nvSpPr>
+          <p:spPr>
+            <a:xfrm>
+              <a:off x="762000" y="381000"/>
+              <a:ext cx="1070810" cy="276999"/>
+            </a:xfrm>
+            <a:prstGeom prst="rect">
+              <a:avLst/>
+            </a:prstGeom>
+            <a:noFill/>
+          </p:spPr>
+          <p:txBody>
+            <a:bodyPr wrap="square" rtlCol="0">
+              <a:spAutoFit/>
+            </a:bodyPr>
+            <a:lstStyle/>
+            <a:p>
+              <a:r>
+                <a:rPr lang="en-US" sz="1200" dirty="0" smtClean="0">
+                  <a:latin typeface="+mj-lt"/>
+                </a:rPr>
+                <a:t>ABC Company</a:t>
+              </a:r>
+              <a:endParaRPr lang="en-US" sz="1200" dirty="0">
+                <a:latin typeface="+mj-lt"/>
+              </a:endParaRPr>
+            </a:p>
+          </p:txBody>
+        </p:sp>
+      </p:grpSp>
+      <p:grpSp>
+        <p:nvGrpSpPr>
+          <p:cNvPr id="64" name="Group 63"/>
+          <p:cNvGrpSpPr/>
+          <p:nvPr/>
+        </p:nvGrpSpPr>
+        <p:grpSpPr>
+          <a:xfrm>
+            <a:off x="3762600" y="152400"/>
+            <a:ext cx="1724511" cy="1322919"/>
+            <a:chOff x="3762600" y="152400"/>
+            <a:chExt cx="1724511" cy="1322919"/>
+          </a:xfrm>
+        </p:grpSpPr>
+        <p:pic>
+          <p:nvPicPr>
+            <p:cNvPr id="3" name="Picture 2"/>
+            <p:cNvPicPr>
+              <a:picLocks noChangeAspect="1"/>
+            </p:cNvPicPr>
+            <p:nvPr/>
+          </p:nvPicPr>
+          <p:blipFill>
+            <a:blip r:embed="rId6" cstate="print">
+              <a:extLst>
+                <a:ext uri="{28A0092B-C50C-407E-A947-70E740481C1C}">
+                  <a14:useLocalDpi xmlns:a14="http://schemas.microsoft.com/office/drawing/2010/main" val="0"/>
+                </a:ext>
+              </a:extLst>
+            </a:blip>
+            <a:stretch>
+              <a:fillRect/>
+            </a:stretch>
+          </p:blipFill>
+          <p:spPr>
+            <a:xfrm>
+              <a:off x="3762600" y="219456"/>
+              <a:ext cx="1647600" cy="1255863"/>
+            </a:xfrm>
+            <a:prstGeom prst="rect">
+              <a:avLst/>
+            </a:prstGeom>
+          </p:spPr>
+        </p:pic>
+        <p:sp>
+          <p:nvSpPr>
+            <p:cNvPr id="12" name="Rectangle 11"/>
+            <p:cNvSpPr/>
+            <p:nvPr/>
+          </p:nvSpPr>
+          <p:spPr>
+            <a:xfrm>
+              <a:off x="4114800" y="152400"/>
+              <a:ext cx="1372311" cy="276999"/>
+            </a:xfrm>
+            <a:prstGeom prst="rect">
+              <a:avLst/>
+            </a:prstGeom>
+          </p:spPr>
+          <p:txBody>
+            <a:bodyPr wrap="square">
+              <a:spAutoFit/>
+            </a:bodyPr>
+            <a:lstStyle/>
+            <a:p>
+              <a:r>
+                <a:rPr lang="en-US" sz="1200" dirty="0" smtClean="0"/>
+                <a:t>XYZ </a:t>
+              </a:r>
+              <a:r>
+                <a:rPr lang="en-US" sz="1200" dirty="0"/>
+                <a:t>Company</a:t>
+              </a:r>
+            </a:p>
+          </p:txBody>
+        </p:sp>
+      </p:grpSp>
+      <p:grpSp>
+        <p:nvGrpSpPr>
+          <p:cNvPr id="15" name="Group 14"/>
+          <p:cNvGrpSpPr/>
+          <p:nvPr/>
+        </p:nvGrpSpPr>
+        <p:grpSpPr>
+          <a:xfrm>
+            <a:off x="1066800" y="2057400"/>
+            <a:ext cx="914400" cy="1905000"/>
+            <a:chOff x="838200" y="1752600"/>
+            <a:chExt cx="914400" cy="2057400"/>
+          </a:xfrm>
+        </p:grpSpPr>
+        <p:pic>
+          <p:nvPicPr>
+            <p:cNvPr id="6" name="Picture 5"/>
+            <p:cNvPicPr>
+              <a:picLocks noChangeAspect="1"/>
+            </p:cNvPicPr>
+            <p:nvPr/>
+          </p:nvPicPr>
+          <p:blipFill rotWithShape="1">
+            <a:blip r:embed="rId3" cstate="print">
+              <a:extLst>
+                <a:ext uri="{28A0092B-C50C-407E-A947-70E740481C1C}">
+                  <a14:useLocalDpi xmlns:a14="http://schemas.microsoft.com/office/drawing/2010/main" val="0"/>
+                </a:ext>
+              </a:extLst>
+            </a:blip>
+            <a:srcRect l="5786" r="69789"/>
+            <a:stretch/>
+          </p:blipFill>
+          <p:spPr>
+            <a:xfrm>
+              <a:off x="838200" y="1752600"/>
+              <a:ext cx="685800" cy="1976027"/>
+            </a:xfrm>
+            <a:prstGeom prst="rect">
+              <a:avLst/>
+            </a:prstGeom>
+          </p:spPr>
+        </p:pic>
+        <p:sp>
+          <p:nvSpPr>
+            <p:cNvPr id="13" name="TextBox 12"/>
+            <p:cNvSpPr txBox="1"/>
+            <p:nvPr/>
+          </p:nvSpPr>
+          <p:spPr>
+            <a:xfrm>
+              <a:off x="838200" y="3533001"/>
+              <a:ext cx="914400" cy="276999"/>
+            </a:xfrm>
+            <a:prstGeom prst="rect">
+              <a:avLst/>
+            </a:prstGeom>
+            <a:noFill/>
+          </p:spPr>
+          <p:txBody>
+            <a:bodyPr wrap="square" rtlCol="0">
+              <a:spAutoFit/>
+            </a:bodyPr>
+            <a:lstStyle/>
+            <a:p>
+              <a:r>
+                <a:rPr lang="en-US" sz="1200" dirty="0" smtClean="0"/>
+                <a:t>Customer</a:t>
+              </a:r>
+              <a:endParaRPr lang="en-US" sz="1200" dirty="0"/>
+            </a:p>
+          </p:txBody>
+        </p:sp>
+      </p:grpSp>
+      <p:grpSp>
+        <p:nvGrpSpPr>
+          <p:cNvPr id="16" name="Group 15"/>
+          <p:cNvGrpSpPr/>
+          <p:nvPr/>
+        </p:nvGrpSpPr>
+        <p:grpSpPr>
+          <a:xfrm>
+            <a:off x="4114800" y="2057400"/>
+            <a:ext cx="1156311" cy="1828800"/>
+            <a:chOff x="3996489" y="1788101"/>
+            <a:chExt cx="1108911" cy="2021899"/>
+          </a:xfrm>
+        </p:grpSpPr>
+        <p:pic>
+          <p:nvPicPr>
+            <p:cNvPr id="7" name="Picture 6"/>
+            <p:cNvPicPr>
+              <a:picLocks noChangeAspect="1"/>
+            </p:cNvPicPr>
+            <p:nvPr/>
+          </p:nvPicPr>
+          <p:blipFill rotWithShape="1">
+            <a:blip r:embed="rId2">
+              <a:extLst>
+                <a:ext uri="{28A0092B-C50C-407E-A947-70E740481C1C}">
+                  <a14:useLocalDpi xmlns:a14="http://schemas.microsoft.com/office/drawing/2010/main" val="0"/>
+                </a:ext>
+              </a:extLst>
+            </a:blip>
+            <a:srcRect l="10526" r="63263" b="50000"/>
+            <a:stretch/>
+          </p:blipFill>
+          <p:spPr>
+            <a:xfrm>
+              <a:off x="3996489" y="1788101"/>
+              <a:ext cx="998621" cy="1905000"/>
+            </a:xfrm>
+            <a:prstGeom prst="rect">
+              <a:avLst/>
+            </a:prstGeom>
+          </p:spPr>
+        </p:pic>
+        <p:sp>
+          <p:nvSpPr>
+            <p:cNvPr id="14" name="TextBox 13"/>
+            <p:cNvSpPr txBox="1"/>
+            <p:nvPr/>
+          </p:nvSpPr>
+          <p:spPr>
+            <a:xfrm>
+              <a:off x="4067400" y="3533001"/>
+              <a:ext cx="1038000" cy="276999"/>
+            </a:xfrm>
+            <a:prstGeom prst="rect">
+              <a:avLst/>
+            </a:prstGeom>
+            <a:noFill/>
+          </p:spPr>
+          <p:txBody>
+            <a:bodyPr wrap="square" rtlCol="0">
+              <a:spAutoFit/>
+            </a:bodyPr>
+            <a:lstStyle/>
+            <a:p>
+              <a:r>
+                <a:rPr lang="en-US" sz="1200" dirty="0" smtClean="0"/>
+                <a:t>Salesman</a:t>
+              </a:r>
+              <a:endParaRPr lang="en-US" sz="1200" dirty="0"/>
+            </a:p>
+          </p:txBody>
+        </p:sp>
+      </p:grpSp>
+      <p:sp>
+        <p:nvSpPr>
+          <p:cNvPr id="19" name="Down Arrow 18"/>
+          <p:cNvSpPr/>
+          <p:nvPr/>
+        </p:nvSpPr>
+        <p:spPr>
+          <a:xfrm>
+            <a:off x="1293395" y="1527222"/>
+            <a:ext cx="306805" cy="533400"/>
+          </a:xfrm>
+          <a:prstGeom prst="downArrow">
+            <a:avLst/>
+          </a:prstGeom>
+        </p:spPr>
+        <p:style>
+          <a:lnRef idx="2">
+            <a:schemeClr val="accent1">
+              <a:shade val="50000"/>
+            </a:schemeClr>
+          </a:lnRef>
+          <a:fillRef idx="1">
+            <a:schemeClr val="accent1"/>
+          </a:fillRef>
+          <a:effectRef idx="0">
+            <a:schemeClr val="accent1"/>
+          </a:effectRef>
+          <a:fontRef idx="minor">
+            <a:schemeClr val="lt1"/>
+          </a:fontRef>
+        </p:style>
+        <p:txBody>
+          <a:bodyPr rtlCol="0" anchor="ctr"/>
+          <a:lstStyle/>
+          <a:p>
+            <a:pPr algn="ctr"/>
+            <a:endParaRPr lang="en-US"/>
+          </a:p>
+        </p:txBody>
+      </p:sp>
+      <p:sp>
+        <p:nvSpPr>
+          <p:cNvPr id="20" name="Down Arrow 19"/>
+          <p:cNvSpPr/>
+          <p:nvPr/>
+        </p:nvSpPr>
+        <p:spPr>
+          <a:xfrm>
+            <a:off x="4417595" y="1511895"/>
+            <a:ext cx="306805" cy="533400"/>
+          </a:xfrm>
+          <a:prstGeom prst="downArrow">
+            <a:avLst/>
+          </a:prstGeom>
+        </p:spPr>
+        <p:style>
+          <a:lnRef idx="2">
+            <a:schemeClr val="accent1">
+              <a:shade val="50000"/>
+            </a:schemeClr>
+          </a:lnRef>
+          <a:fillRef idx="1">
+            <a:schemeClr val="accent1"/>
+          </a:fillRef>
+          <a:effectRef idx="0">
+            <a:schemeClr val="accent1"/>
+          </a:effectRef>
+          <a:fontRef idx="minor">
+            <a:schemeClr val="lt1"/>
+          </a:fontRef>
+        </p:style>
+        <p:txBody>
+          <a:bodyPr rtlCol="0" anchor="ctr"/>
+          <a:lstStyle/>
+          <a:p>
+            <a:pPr algn="ctr"/>
+            <a:endParaRPr lang="en-US"/>
+          </a:p>
+        </p:txBody>
+      </p:sp>
+      <p:sp>
+        <p:nvSpPr>
+          <p:cNvPr id="21" name="Down Arrow 20"/>
+          <p:cNvSpPr/>
+          <p:nvPr/>
+        </p:nvSpPr>
+        <p:spPr>
+          <a:xfrm>
+            <a:off x="2623847" y="4002764"/>
+            <a:ext cx="344905" cy="645435"/>
+          </a:xfrm>
+          <a:prstGeom prst="downArrow">
+            <a:avLst/>
+          </a:prstGeom>
+        </p:spPr>
+        <p:style>
+          <a:lnRef idx="2">
+            <a:schemeClr val="accent1">
+              <a:shade val="50000"/>
+            </a:schemeClr>
+          </a:lnRef>
+          <a:fillRef idx="1">
+            <a:schemeClr val="accent1"/>
+          </a:fillRef>
+          <a:effectRef idx="0">
+            <a:schemeClr val="accent1"/>
+          </a:effectRef>
+          <a:fontRef idx="minor">
+            <a:schemeClr val="lt1"/>
+          </a:fontRef>
+        </p:style>
+        <p:txBody>
+          <a:bodyPr rtlCol="0" anchor="ctr"/>
+          <a:lstStyle/>
+          <a:p>
+            <a:pPr algn="ctr"/>
+            <a:endParaRPr lang="en-US"/>
+          </a:p>
+        </p:txBody>
+      </p:sp>
+      <p:sp>
+        <p:nvSpPr>
+          <p:cNvPr id="22" name="Down Arrow 21"/>
+          <p:cNvSpPr/>
+          <p:nvPr/>
+        </p:nvSpPr>
+        <p:spPr>
+          <a:xfrm rot="16200000">
+            <a:off x="5828297" y="861583"/>
+            <a:ext cx="306805" cy="533400"/>
+          </a:xfrm>
+          <a:prstGeom prst="downArrow">
+            <a:avLst/>
+          </a:prstGeom>
+        </p:spPr>
+        <p:style>
+          <a:lnRef idx="2">
+            <a:schemeClr val="accent1">
+              <a:shade val="50000"/>
+            </a:schemeClr>
+          </a:lnRef>
+          <a:fillRef idx="1">
+            <a:schemeClr val="accent1"/>
+          </a:fillRef>
+          <a:effectRef idx="0">
+            <a:schemeClr val="accent1"/>
+          </a:effectRef>
+          <a:fontRef idx="minor">
+            <a:schemeClr val="lt1"/>
+          </a:fontRef>
+        </p:style>
+        <p:txBody>
+          <a:bodyPr rtlCol="0" anchor="ctr"/>
+          <a:lstStyle/>
+          <a:p>
+            <a:pPr algn="ctr"/>
+            <a:endParaRPr lang="en-US"/>
+          </a:p>
+        </p:txBody>
+      </p:sp>
+      <p:sp>
+        <p:nvSpPr>
+          <p:cNvPr id="23" name="TextBox 22"/>
           <p:cNvSpPr txBox="1"/>
           <p:nvPr/>
         </p:nvSpPr>
         <p:spPr>
           <a:xfrm>
-            <a:off x="762000" y="381000"/>
-            <a:ext cx="1070810" cy="276999"/>
+            <a:off x="1143000" y="4267200"/>
+            <a:ext cx="1066800" cy="380999"/>
           </a:xfrm>
           <a:prstGeom prst="rect">
             <a:avLst/>
@@ -3389,18 +3765,883 @@
           </a:bodyPr>
           <a:lstStyle/>
           <a:p>
-            <a:r>
-              <a:rPr lang="en-US" sz="1200" dirty="0" smtClean="0">
-                <a:latin typeface="+mj-lt"/>
-              </a:rPr>
-              <a:t>ABC Company</a:t>
-            </a:r>
-            <a:endParaRPr lang="en-US" sz="1200" dirty="0">
-              <a:latin typeface="+mj-lt"/>
-            </a:endParaRPr>
-          </a:p>
-        </p:txBody>
-      </p:sp>
+            <a:endParaRPr lang="en-US" dirty="0"/>
+          </a:p>
+        </p:txBody>
+      </p:sp>
+      <p:grpSp>
+        <p:nvGrpSpPr>
+          <p:cNvPr id="28" name="Group 27"/>
+          <p:cNvGrpSpPr/>
+          <p:nvPr/>
+        </p:nvGrpSpPr>
+        <p:grpSpPr>
+          <a:xfrm>
+            <a:off x="2026921" y="2057400"/>
+            <a:ext cx="1935479" cy="684748"/>
+            <a:chOff x="1721639" y="2209800"/>
+            <a:chExt cx="1935479" cy="684748"/>
+          </a:xfrm>
+        </p:grpSpPr>
+        <p:sp>
+          <p:nvSpPr>
+            <p:cNvPr id="24" name="Notched Right Arrow 23"/>
+            <p:cNvSpPr/>
+            <p:nvPr/>
+          </p:nvSpPr>
+          <p:spPr>
+            <a:xfrm rot="10800000">
+              <a:off x="1721639" y="2550123"/>
+              <a:ext cx="1905000" cy="344425"/>
+            </a:xfrm>
+            <a:prstGeom prst="notchedRightArrow">
+              <a:avLst/>
+            </a:prstGeom>
+          </p:spPr>
+          <p:style>
+            <a:lnRef idx="2">
+              <a:schemeClr val="accent1">
+                <a:shade val="50000"/>
+              </a:schemeClr>
+            </a:lnRef>
+            <a:fillRef idx="1">
+              <a:schemeClr val="accent1"/>
+            </a:fillRef>
+            <a:effectRef idx="0">
+              <a:schemeClr val="accent1"/>
+            </a:effectRef>
+            <a:fontRef idx="minor">
+              <a:schemeClr val="lt1"/>
+            </a:fontRef>
+          </p:style>
+          <p:txBody>
+            <a:bodyPr rtlCol="0" anchor="ctr"/>
+            <a:lstStyle/>
+            <a:p>
+              <a:pPr algn="ctr"/>
+              <a:endParaRPr lang="en-US"/>
+            </a:p>
+          </p:txBody>
+        </p:sp>
+        <p:sp>
+          <p:nvSpPr>
+            <p:cNvPr id="25" name="TextBox 24"/>
+            <p:cNvSpPr txBox="1"/>
+            <p:nvPr/>
+          </p:nvSpPr>
+          <p:spPr>
+            <a:xfrm>
+              <a:off x="1935479" y="2209800"/>
+              <a:ext cx="1721639" cy="430887"/>
+            </a:xfrm>
+            <a:prstGeom prst="rect">
+              <a:avLst/>
+            </a:prstGeom>
+            <a:noFill/>
+          </p:spPr>
+          <p:txBody>
+            <a:bodyPr wrap="square" rtlCol="0">
+              <a:spAutoFit/>
+            </a:bodyPr>
+            <a:lstStyle/>
+            <a:p>
+              <a:r>
+                <a:rPr lang="en-US" sz="1100" dirty="0" smtClean="0"/>
+                <a:t>Introduce the company and gathers the query</a:t>
+              </a:r>
+              <a:endParaRPr lang="en-US" sz="1100" dirty="0"/>
+            </a:p>
+          </p:txBody>
+        </p:sp>
+      </p:grpSp>
+      <p:grpSp>
+        <p:nvGrpSpPr>
+          <p:cNvPr id="29" name="Group 28"/>
+          <p:cNvGrpSpPr/>
+          <p:nvPr/>
+        </p:nvGrpSpPr>
+        <p:grpSpPr>
+          <a:xfrm>
+            <a:off x="1935480" y="2918932"/>
+            <a:ext cx="2179320" cy="716723"/>
+            <a:chOff x="1658112" y="2918932"/>
+            <a:chExt cx="2179320" cy="716723"/>
+          </a:xfrm>
+        </p:grpSpPr>
+        <p:sp>
+          <p:nvSpPr>
+            <p:cNvPr id="26" name="Notched Right Arrow 25"/>
+            <p:cNvSpPr/>
+            <p:nvPr/>
+          </p:nvSpPr>
+          <p:spPr>
+            <a:xfrm>
+              <a:off x="1832810" y="3291230"/>
+              <a:ext cx="1905000" cy="344425"/>
+            </a:xfrm>
+            <a:prstGeom prst="notchedRightArrow">
+              <a:avLst/>
+            </a:prstGeom>
+          </p:spPr>
+          <p:style>
+            <a:lnRef idx="2">
+              <a:schemeClr val="accent1">
+                <a:shade val="50000"/>
+              </a:schemeClr>
+            </a:lnRef>
+            <a:fillRef idx="1">
+              <a:schemeClr val="accent1"/>
+            </a:fillRef>
+            <a:effectRef idx="0">
+              <a:schemeClr val="accent1"/>
+            </a:effectRef>
+            <a:fontRef idx="minor">
+              <a:schemeClr val="lt1"/>
+            </a:fontRef>
+          </p:style>
+          <p:txBody>
+            <a:bodyPr rtlCol="0" anchor="ctr"/>
+            <a:lstStyle/>
+            <a:p>
+              <a:pPr algn="ctr"/>
+              <a:endParaRPr lang="en-US"/>
+            </a:p>
+          </p:txBody>
+        </p:sp>
+        <p:sp>
+          <p:nvSpPr>
+            <p:cNvPr id="27" name="TextBox 26"/>
+            <p:cNvSpPr txBox="1"/>
+            <p:nvPr/>
+          </p:nvSpPr>
+          <p:spPr>
+            <a:xfrm>
+              <a:off x="1658112" y="2918932"/>
+              <a:ext cx="2179320" cy="430887"/>
+            </a:xfrm>
+            <a:prstGeom prst="rect">
+              <a:avLst/>
+            </a:prstGeom>
+            <a:noFill/>
+          </p:spPr>
+          <p:txBody>
+            <a:bodyPr wrap="square" rtlCol="0">
+              <a:spAutoFit/>
+            </a:bodyPr>
+            <a:lstStyle/>
+            <a:p>
+              <a:r>
+                <a:rPr lang="en-US" sz="1100" dirty="0" smtClean="0"/>
+                <a:t>Finalize the product price and accepts the quotation and give PO</a:t>
+              </a:r>
+              <a:endParaRPr lang="en-US" sz="1100" dirty="0"/>
+            </a:p>
+          </p:txBody>
+        </p:sp>
+      </p:grpSp>
+      <p:grpSp>
+        <p:nvGrpSpPr>
+          <p:cNvPr id="52" name="Group 51"/>
+          <p:cNvGrpSpPr/>
+          <p:nvPr/>
+        </p:nvGrpSpPr>
+        <p:grpSpPr>
+          <a:xfrm>
+            <a:off x="342901" y="1981199"/>
+            <a:ext cx="800099" cy="1724719"/>
+            <a:chOff x="342901" y="1981199"/>
+            <a:chExt cx="800099" cy="1724719"/>
+          </a:xfrm>
+        </p:grpSpPr>
+        <p:sp>
+          <p:nvSpPr>
+            <p:cNvPr id="32" name="Left Brace 31"/>
+            <p:cNvSpPr/>
+            <p:nvPr/>
+          </p:nvSpPr>
+          <p:spPr>
+            <a:xfrm>
+              <a:off x="762000" y="1981199"/>
+              <a:ext cx="381000" cy="1724719"/>
+            </a:xfrm>
+            <a:prstGeom prst="leftBrace">
+              <a:avLst/>
+            </a:prstGeom>
+          </p:spPr>
+          <p:style>
+            <a:lnRef idx="1">
+              <a:schemeClr val="accent1"/>
+            </a:lnRef>
+            <a:fillRef idx="0">
+              <a:schemeClr val="accent1"/>
+            </a:fillRef>
+            <a:effectRef idx="0">
+              <a:schemeClr val="accent1"/>
+            </a:effectRef>
+            <a:fontRef idx="minor">
+              <a:schemeClr val="tx1"/>
+            </a:fontRef>
+          </p:style>
+          <p:txBody>
+            <a:bodyPr rtlCol="0" anchor="ctr"/>
+            <a:lstStyle/>
+            <a:p>
+              <a:pPr algn="ctr"/>
+              <a:endParaRPr lang="en-US"/>
+            </a:p>
+          </p:txBody>
+        </p:sp>
+        <p:sp>
+          <p:nvSpPr>
+            <p:cNvPr id="34" name="TextBox 33"/>
+            <p:cNvSpPr txBox="1"/>
+            <p:nvPr/>
+          </p:nvSpPr>
+          <p:spPr>
+            <a:xfrm>
+              <a:off x="342901" y="2694801"/>
+              <a:ext cx="495299" cy="276999"/>
+            </a:xfrm>
+            <a:prstGeom prst="rect">
+              <a:avLst/>
+            </a:prstGeom>
+            <a:noFill/>
+          </p:spPr>
+          <p:txBody>
+            <a:bodyPr wrap="square" rtlCol="0">
+              <a:spAutoFit/>
+            </a:bodyPr>
+            <a:lstStyle/>
+            <a:p>
+              <a:r>
+                <a:rPr lang="en-US" sz="1200" b="1" dirty="0"/>
+                <a:t>L</a:t>
+              </a:r>
+              <a:r>
+                <a:rPr lang="en-US" sz="1200" b="1" dirty="0" smtClean="0"/>
+                <a:t>ead</a:t>
+              </a:r>
+              <a:endParaRPr lang="en-US" sz="1200" b="1" dirty="0"/>
+            </a:p>
+          </p:txBody>
+        </p:sp>
+      </p:grpSp>
+      <p:grpSp>
+        <p:nvGrpSpPr>
+          <p:cNvPr id="51" name="Group 50"/>
+          <p:cNvGrpSpPr/>
+          <p:nvPr/>
+        </p:nvGrpSpPr>
+        <p:grpSpPr>
+          <a:xfrm>
+            <a:off x="5156107" y="2097025"/>
+            <a:ext cx="1526635" cy="1103376"/>
+            <a:chOff x="5156107" y="2097025"/>
+            <a:chExt cx="1526635" cy="1103376"/>
+          </a:xfrm>
+        </p:grpSpPr>
+        <p:sp>
+          <p:nvSpPr>
+            <p:cNvPr id="33" name="TextBox 32"/>
+            <p:cNvSpPr txBox="1"/>
+            <p:nvPr/>
+          </p:nvSpPr>
+          <p:spPr>
+            <a:xfrm>
+              <a:off x="5562600" y="2514600"/>
+              <a:ext cx="1120142" cy="276999"/>
+            </a:xfrm>
+            <a:prstGeom prst="rect">
+              <a:avLst/>
+            </a:prstGeom>
+            <a:noFill/>
+          </p:spPr>
+          <p:txBody>
+            <a:bodyPr wrap="square" rtlCol="0">
+              <a:spAutoFit/>
+            </a:bodyPr>
+            <a:lstStyle/>
+            <a:p>
+              <a:r>
+                <a:rPr lang="en-US" sz="1200" b="1" dirty="0"/>
+                <a:t>O</a:t>
+              </a:r>
+              <a:r>
+                <a:rPr lang="en-US" sz="1200" b="1" dirty="0" smtClean="0"/>
+                <a:t>pportunity</a:t>
+              </a:r>
+              <a:endParaRPr lang="en-US" sz="1200" b="1" dirty="0"/>
+            </a:p>
+          </p:txBody>
+        </p:sp>
+        <p:sp>
+          <p:nvSpPr>
+            <p:cNvPr id="35" name="Right Brace 34"/>
+            <p:cNvSpPr/>
+            <p:nvPr/>
+          </p:nvSpPr>
+          <p:spPr>
+            <a:xfrm>
+              <a:off x="5156107" y="2097025"/>
+              <a:ext cx="458724" cy="1103376"/>
+            </a:xfrm>
+            <a:prstGeom prst="rightBrace">
+              <a:avLst/>
+            </a:prstGeom>
+          </p:spPr>
+          <p:style>
+            <a:lnRef idx="1">
+              <a:schemeClr val="accent1"/>
+            </a:lnRef>
+            <a:fillRef idx="0">
+              <a:schemeClr val="accent1"/>
+            </a:fillRef>
+            <a:effectRef idx="0">
+              <a:schemeClr val="accent1"/>
+            </a:effectRef>
+            <a:fontRef idx="minor">
+              <a:schemeClr val="tx1"/>
+            </a:fontRef>
+          </p:style>
+          <p:txBody>
+            <a:bodyPr rtlCol="0" anchor="ctr"/>
+            <a:lstStyle/>
+            <a:p>
+              <a:pPr algn="ctr"/>
+              <a:endParaRPr lang="en-US"/>
+            </a:p>
+          </p:txBody>
+        </p:sp>
+      </p:grpSp>
+      <p:grpSp>
+        <p:nvGrpSpPr>
+          <p:cNvPr id="53" name="Group 52"/>
+          <p:cNvGrpSpPr/>
+          <p:nvPr/>
+        </p:nvGrpSpPr>
+        <p:grpSpPr>
+          <a:xfrm>
+            <a:off x="1485900" y="4800600"/>
+            <a:ext cx="876300" cy="1905000"/>
+            <a:chOff x="1485900" y="4800600"/>
+            <a:chExt cx="876300" cy="1905000"/>
+          </a:xfrm>
+        </p:grpSpPr>
+        <p:sp>
+          <p:nvSpPr>
+            <p:cNvPr id="36" name="Left Brace 35"/>
+            <p:cNvSpPr/>
+            <p:nvPr/>
+          </p:nvSpPr>
+          <p:spPr>
+            <a:xfrm>
+              <a:off x="1905000" y="4800600"/>
+              <a:ext cx="457200" cy="1905000"/>
+            </a:xfrm>
+            <a:prstGeom prst="leftBrace">
+              <a:avLst/>
+            </a:prstGeom>
+          </p:spPr>
+          <p:style>
+            <a:lnRef idx="1">
+              <a:schemeClr val="accent1"/>
+            </a:lnRef>
+            <a:fillRef idx="0">
+              <a:schemeClr val="accent1"/>
+            </a:fillRef>
+            <a:effectRef idx="0">
+              <a:schemeClr val="accent1"/>
+            </a:effectRef>
+            <a:fontRef idx="minor">
+              <a:schemeClr val="tx1"/>
+            </a:fontRef>
+          </p:style>
+          <p:txBody>
+            <a:bodyPr rtlCol="0" anchor="ctr"/>
+            <a:lstStyle/>
+            <a:p>
+              <a:pPr algn="ctr"/>
+              <a:endParaRPr lang="en-US"/>
+            </a:p>
+          </p:txBody>
+        </p:sp>
+        <p:sp>
+          <p:nvSpPr>
+            <p:cNvPr id="37" name="TextBox 36"/>
+            <p:cNvSpPr txBox="1"/>
+            <p:nvPr/>
+          </p:nvSpPr>
+          <p:spPr>
+            <a:xfrm>
+              <a:off x="1485900" y="5617833"/>
+              <a:ext cx="800100" cy="276999"/>
+            </a:xfrm>
+            <a:prstGeom prst="rect">
+              <a:avLst/>
+            </a:prstGeom>
+            <a:noFill/>
+          </p:spPr>
+          <p:txBody>
+            <a:bodyPr wrap="square" rtlCol="0">
+              <a:spAutoFit/>
+            </a:bodyPr>
+            <a:lstStyle/>
+            <a:p>
+              <a:r>
+                <a:rPr lang="en-US" sz="1200" b="1" dirty="0" smtClean="0"/>
+                <a:t>Dea</a:t>
+              </a:r>
+              <a:r>
+                <a:rPr lang="en-US" sz="1200" b="1" dirty="0"/>
+                <a:t>l</a:t>
+              </a:r>
+            </a:p>
+          </p:txBody>
+        </p:sp>
+      </p:grpSp>
+      <p:grpSp>
+        <p:nvGrpSpPr>
+          <p:cNvPr id="54" name="Group 53"/>
+          <p:cNvGrpSpPr/>
+          <p:nvPr/>
+        </p:nvGrpSpPr>
+        <p:grpSpPr>
+          <a:xfrm>
+            <a:off x="7315200" y="429399"/>
+            <a:ext cx="1028700" cy="1475601"/>
+            <a:chOff x="7315200" y="429399"/>
+            <a:chExt cx="1028700" cy="1475601"/>
+          </a:xfrm>
+        </p:grpSpPr>
+        <p:sp>
+          <p:nvSpPr>
+            <p:cNvPr id="38" name="Right Brace 37"/>
+            <p:cNvSpPr/>
+            <p:nvPr/>
+          </p:nvSpPr>
+          <p:spPr>
+            <a:xfrm>
+              <a:off x="7315200" y="429399"/>
+              <a:ext cx="342900" cy="1475601"/>
+            </a:xfrm>
+            <a:prstGeom prst="rightBrace">
+              <a:avLst/>
+            </a:prstGeom>
+          </p:spPr>
+          <p:style>
+            <a:lnRef idx="1">
+              <a:schemeClr val="accent1"/>
+            </a:lnRef>
+            <a:fillRef idx="0">
+              <a:schemeClr val="accent1"/>
+            </a:fillRef>
+            <a:effectRef idx="0">
+              <a:schemeClr val="accent1"/>
+            </a:effectRef>
+            <a:fontRef idx="minor">
+              <a:schemeClr val="tx1"/>
+            </a:fontRef>
+          </p:style>
+          <p:txBody>
+            <a:bodyPr rtlCol="0" anchor="ctr"/>
+            <a:lstStyle/>
+            <a:p>
+              <a:pPr algn="ctr"/>
+              <a:endParaRPr lang="en-US"/>
+            </a:p>
+          </p:txBody>
+        </p:sp>
+        <p:sp>
+          <p:nvSpPr>
+            <p:cNvPr id="39" name="TextBox 38"/>
+            <p:cNvSpPr txBox="1"/>
+            <p:nvPr/>
+          </p:nvSpPr>
+          <p:spPr>
+            <a:xfrm>
+              <a:off x="7620000" y="1018401"/>
+              <a:ext cx="723900" cy="276999"/>
+            </a:xfrm>
+            <a:prstGeom prst="rect">
+              <a:avLst/>
+            </a:prstGeom>
+            <a:noFill/>
+          </p:spPr>
+          <p:txBody>
+            <a:bodyPr wrap="square" rtlCol="0">
+              <a:spAutoFit/>
+            </a:bodyPr>
+            <a:lstStyle/>
+            <a:p>
+              <a:r>
+                <a:rPr lang="en-US" sz="1200" b="1" dirty="0" smtClean="0"/>
+                <a:t>Account</a:t>
+              </a:r>
+              <a:endParaRPr lang="en-US" sz="1200" b="1" dirty="0"/>
+            </a:p>
+          </p:txBody>
+        </p:sp>
+      </p:grpSp>
+      <p:grpSp>
+        <p:nvGrpSpPr>
+          <p:cNvPr id="63" name="Group 62"/>
+          <p:cNvGrpSpPr/>
+          <p:nvPr/>
+        </p:nvGrpSpPr>
+        <p:grpSpPr>
+          <a:xfrm>
+            <a:off x="8313041" y="5197797"/>
+            <a:ext cx="886968" cy="1501139"/>
+            <a:chOff x="8313041" y="5197797"/>
+            <a:chExt cx="886968" cy="1501139"/>
+          </a:xfrm>
+        </p:grpSpPr>
+        <p:sp>
+          <p:nvSpPr>
+            <p:cNvPr id="42" name="Right Brace 41"/>
+            <p:cNvSpPr/>
+            <p:nvPr/>
+          </p:nvSpPr>
+          <p:spPr>
+            <a:xfrm>
+              <a:off x="8313041" y="5197797"/>
+              <a:ext cx="229362" cy="1501139"/>
+            </a:xfrm>
+            <a:prstGeom prst="rightBrace">
+              <a:avLst>
+                <a:gd name="adj1" fmla="val 8333"/>
+                <a:gd name="adj2" fmla="val 49171"/>
+              </a:avLst>
+            </a:prstGeom>
+          </p:spPr>
+          <p:style>
+            <a:lnRef idx="1">
+              <a:schemeClr val="accent1"/>
+            </a:lnRef>
+            <a:fillRef idx="0">
+              <a:schemeClr val="accent1"/>
+            </a:fillRef>
+            <a:effectRef idx="0">
+              <a:schemeClr val="accent1"/>
+            </a:effectRef>
+            <a:fontRef idx="minor">
+              <a:schemeClr val="tx1"/>
+            </a:fontRef>
+          </p:style>
+          <p:txBody>
+            <a:bodyPr rtlCol="0" anchor="ctr"/>
+            <a:lstStyle/>
+            <a:p>
+              <a:pPr algn="ctr"/>
+              <a:endParaRPr lang="en-US"/>
+            </a:p>
+          </p:txBody>
+        </p:sp>
+        <p:sp>
+          <p:nvSpPr>
+            <p:cNvPr id="43" name="TextBox 42"/>
+            <p:cNvSpPr txBox="1"/>
+            <p:nvPr/>
+          </p:nvSpPr>
+          <p:spPr>
+            <a:xfrm>
+              <a:off x="8494776" y="5782056"/>
+              <a:ext cx="705233" cy="276999"/>
+            </a:xfrm>
+            <a:prstGeom prst="rect">
+              <a:avLst/>
+            </a:prstGeom>
+            <a:noFill/>
+          </p:spPr>
+          <p:txBody>
+            <a:bodyPr wrap="square" rtlCol="0">
+              <a:spAutoFit/>
+            </a:bodyPr>
+            <a:lstStyle/>
+            <a:p>
+              <a:r>
+                <a:rPr lang="en-US" sz="1200" b="1" dirty="0" smtClean="0"/>
+                <a:t>Contact</a:t>
+              </a:r>
+              <a:endParaRPr lang="en-US" sz="1200" b="1" dirty="0"/>
+            </a:p>
+          </p:txBody>
+        </p:sp>
+      </p:grpSp>
+      <p:grpSp>
+        <p:nvGrpSpPr>
+          <p:cNvPr id="55" name="Group 54"/>
+          <p:cNvGrpSpPr/>
+          <p:nvPr/>
+        </p:nvGrpSpPr>
+        <p:grpSpPr>
+          <a:xfrm>
+            <a:off x="6537961" y="5486400"/>
+            <a:ext cx="1330072" cy="276999"/>
+            <a:chOff x="6537961" y="5486400"/>
+            <a:chExt cx="1330072" cy="276999"/>
+          </a:xfrm>
+        </p:grpSpPr>
+        <p:cxnSp>
+          <p:nvCxnSpPr>
+            <p:cNvPr id="17" name="Straight Arrow Connector 16"/>
+            <p:cNvCxnSpPr/>
+            <p:nvPr/>
+          </p:nvCxnSpPr>
+          <p:spPr>
+            <a:xfrm flipH="1">
+              <a:off x="6537961" y="5695950"/>
+              <a:ext cx="1330072" cy="19050"/>
+            </a:xfrm>
+            <a:prstGeom prst="straightConnector1">
+              <a:avLst/>
+            </a:prstGeom>
+            <a:ln>
+              <a:tailEnd type="arrow"/>
+            </a:ln>
+          </p:spPr>
+          <p:style>
+            <a:lnRef idx="1">
+              <a:schemeClr val="accent1"/>
+            </a:lnRef>
+            <a:fillRef idx="0">
+              <a:schemeClr val="accent1"/>
+            </a:fillRef>
+            <a:effectRef idx="0">
+              <a:schemeClr val="accent1"/>
+            </a:effectRef>
+            <a:fontRef idx="minor">
+              <a:schemeClr val="tx1"/>
+            </a:fontRef>
+          </p:style>
+        </p:cxnSp>
+        <p:sp>
+          <p:nvSpPr>
+            <p:cNvPr id="44" name="TextBox 43"/>
+            <p:cNvSpPr txBox="1"/>
+            <p:nvPr/>
+          </p:nvSpPr>
+          <p:spPr>
+            <a:xfrm>
+              <a:off x="6907529" y="5486400"/>
+              <a:ext cx="560071" cy="276999"/>
+            </a:xfrm>
+            <a:prstGeom prst="rect">
+              <a:avLst/>
+            </a:prstGeom>
+            <a:noFill/>
+          </p:spPr>
+          <p:txBody>
+            <a:bodyPr wrap="square" rtlCol="0">
+              <a:spAutoFit/>
+            </a:bodyPr>
+            <a:lstStyle/>
+            <a:p>
+              <a:r>
+                <a:rPr lang="en-US" sz="1200" dirty="0" smtClean="0"/>
+                <a:t>query</a:t>
+              </a:r>
+              <a:endParaRPr lang="en-US" sz="1200" dirty="0"/>
+            </a:p>
+          </p:txBody>
+        </p:sp>
+      </p:grpSp>
+      <p:grpSp>
+        <p:nvGrpSpPr>
+          <p:cNvPr id="56" name="Group 55"/>
+          <p:cNvGrpSpPr/>
+          <p:nvPr/>
+        </p:nvGrpSpPr>
+        <p:grpSpPr>
+          <a:xfrm>
+            <a:off x="6477000" y="6172200"/>
+            <a:ext cx="1594104" cy="276999"/>
+            <a:chOff x="6477000" y="6172200"/>
+            <a:chExt cx="1594104" cy="276999"/>
+          </a:xfrm>
+        </p:grpSpPr>
+        <p:cxnSp>
+          <p:nvCxnSpPr>
+            <p:cNvPr id="31" name="Straight Arrow Connector 30"/>
+            <p:cNvCxnSpPr/>
+            <p:nvPr/>
+          </p:nvCxnSpPr>
+          <p:spPr>
+            <a:xfrm>
+              <a:off x="6537960" y="6428233"/>
+              <a:ext cx="1443990" cy="8806"/>
+            </a:xfrm>
+            <a:prstGeom prst="straightConnector1">
+              <a:avLst/>
+            </a:prstGeom>
+            <a:ln>
+              <a:tailEnd type="arrow"/>
+            </a:ln>
+          </p:spPr>
+          <p:style>
+            <a:lnRef idx="1">
+              <a:schemeClr val="accent1"/>
+            </a:lnRef>
+            <a:fillRef idx="0">
+              <a:schemeClr val="accent1"/>
+            </a:fillRef>
+            <a:effectRef idx="0">
+              <a:schemeClr val="accent1"/>
+            </a:effectRef>
+            <a:fontRef idx="minor">
+              <a:schemeClr val="tx1"/>
+            </a:fontRef>
+          </p:style>
+        </p:cxnSp>
+        <p:sp>
+          <p:nvSpPr>
+            <p:cNvPr id="45" name="TextBox 44"/>
+            <p:cNvSpPr txBox="1"/>
+            <p:nvPr/>
+          </p:nvSpPr>
+          <p:spPr>
+            <a:xfrm flipH="1">
+              <a:off x="6477000" y="6172200"/>
+              <a:ext cx="1594104" cy="276999"/>
+            </a:xfrm>
+            <a:prstGeom prst="rect">
+              <a:avLst/>
+            </a:prstGeom>
+            <a:noFill/>
+          </p:spPr>
+          <p:txBody>
+            <a:bodyPr wrap="square" rtlCol="0">
+              <a:spAutoFit/>
+            </a:bodyPr>
+            <a:lstStyle/>
+            <a:p>
+              <a:r>
+                <a:rPr lang="en-US" sz="1200" dirty="0" smtClean="0"/>
+                <a:t>Refers(XYZ Company)</a:t>
+              </a:r>
+              <a:endParaRPr lang="en-US" sz="1200" dirty="0"/>
+            </a:p>
+          </p:txBody>
+        </p:sp>
+      </p:grpSp>
+      <p:pic>
+        <p:nvPicPr>
+          <p:cNvPr id="46" name="Picture 45"/>
+          <p:cNvPicPr>
+            <a:picLocks noChangeAspect="1"/>
+          </p:cNvPicPr>
+          <p:nvPr/>
+        </p:nvPicPr>
+        <p:blipFill rotWithShape="1">
+          <a:blip r:embed="rId3" cstate="print">
+            <a:extLst>
+              <a:ext uri="{28A0092B-C50C-407E-A947-70E740481C1C}">
+                <a14:useLocalDpi xmlns:a14="http://schemas.microsoft.com/office/drawing/2010/main" val="0"/>
+              </a:ext>
+            </a:extLst>
+          </a:blip>
+          <a:srcRect l="6250" r="68375"/>
+          <a:stretch/>
+        </p:blipFill>
+        <p:spPr>
+          <a:xfrm>
+            <a:off x="5939028" y="5179510"/>
+            <a:ext cx="618744" cy="1716024"/>
+          </a:xfrm>
+          <a:prstGeom prst="rect">
+            <a:avLst/>
+          </a:prstGeom>
+        </p:spPr>
+      </p:pic>
+      <p:grpSp>
+        <p:nvGrpSpPr>
+          <p:cNvPr id="62" name="Group 61"/>
+          <p:cNvGrpSpPr/>
+          <p:nvPr/>
+        </p:nvGrpSpPr>
+        <p:grpSpPr>
+          <a:xfrm>
+            <a:off x="5006113" y="4585761"/>
+            <a:ext cx="3283841" cy="612036"/>
+            <a:chOff x="5142738" y="4457699"/>
+            <a:chExt cx="3170303" cy="763873"/>
+          </a:xfrm>
+        </p:grpSpPr>
+        <p:sp>
+          <p:nvSpPr>
+            <p:cNvPr id="60" name="U-Turn Arrow 59"/>
+            <p:cNvSpPr/>
+            <p:nvPr/>
+          </p:nvSpPr>
+          <p:spPr>
+            <a:xfrm>
+              <a:off x="5142738" y="4457699"/>
+              <a:ext cx="3170303" cy="763873"/>
+            </a:xfrm>
+            <a:prstGeom prst="uturnArrow">
+              <a:avLst/>
+            </a:prstGeom>
+          </p:spPr>
+          <p:style>
+            <a:lnRef idx="2">
+              <a:schemeClr val="accent1">
+                <a:shade val="50000"/>
+              </a:schemeClr>
+            </a:lnRef>
+            <a:fillRef idx="1">
+              <a:schemeClr val="accent1"/>
+            </a:fillRef>
+            <a:effectRef idx="0">
+              <a:schemeClr val="accent1"/>
+            </a:effectRef>
+            <a:fontRef idx="minor">
+              <a:schemeClr val="lt1"/>
+            </a:fontRef>
+          </p:style>
+          <p:txBody>
+            <a:bodyPr rtlCol="0" anchor="ctr"/>
+            <a:lstStyle/>
+            <a:p>
+              <a:pPr algn="ctr"/>
+              <a:endParaRPr lang="en-US">
+                <a:solidFill>
+                  <a:schemeClr val="tx1"/>
+                </a:solidFill>
+              </a:endParaRPr>
+            </a:p>
+          </p:txBody>
+        </p:sp>
+        <p:sp>
+          <p:nvSpPr>
+            <p:cNvPr id="61" name="TextBox 60"/>
+            <p:cNvSpPr txBox="1"/>
+            <p:nvPr/>
+          </p:nvSpPr>
+          <p:spPr>
+            <a:xfrm>
+              <a:off x="5410201" y="4643735"/>
+              <a:ext cx="2590800" cy="461665"/>
+            </a:xfrm>
+            <a:prstGeom prst="rect">
+              <a:avLst/>
+            </a:prstGeom>
+            <a:noFill/>
+          </p:spPr>
+          <p:txBody>
+            <a:bodyPr wrap="square" rtlCol="0">
+              <a:spAutoFit/>
+            </a:bodyPr>
+            <a:lstStyle/>
+            <a:p>
+              <a:r>
+                <a:rPr lang="en-US" sz="1200" dirty="0"/>
+                <a:t>Introduce the company and gathers the query</a:t>
+              </a:r>
+              <a:endParaRPr lang="en-US" sz="1200" dirty="0"/>
+            </a:p>
+          </p:txBody>
+        </p:sp>
+      </p:grpSp>
     </p:spTree>
     <p:extLst>
       <p:ext uri="{BB962C8B-B14F-4D97-AF65-F5344CB8AC3E}">
@@ -3414,9 +4655,1387 @@
   <p:timing>
     <p:tnLst>
       <p:par>
-        <p:cTn id="1" dur="indefinite" restart="never" nodeType="tmRoot"/>
+        <p:cTn id="1" dur="indefinite" restart="never" nodeType="tmRoot">
+          <p:childTnLst>
+            <p:seq concurrent="1" nextAc="seek">
+              <p:cTn id="2" dur="indefinite" nodeType="mainSeq">
+                <p:childTnLst>
+                  <p:par>
+                    <p:cTn id="3" fill="hold">
+                      <p:stCondLst>
+                        <p:cond delay="indefinite"/>
+                      </p:stCondLst>
+                      <p:childTnLst>
+                        <p:par>
+                          <p:cTn id="4" fill="hold">
+                            <p:stCondLst>
+                              <p:cond delay="0"/>
+                            </p:stCondLst>
+                            <p:childTnLst>
+                              <p:par>
+                                <p:cTn id="5" presetID="6" presetClass="entr" presetSubtype="16" fill="hold" nodeType="clickEffect">
+                                  <p:stCondLst>
+                                    <p:cond delay="750"/>
+                                  </p:stCondLst>
+                                  <p:childTnLst>
+                                    <p:set>
+                                      <p:cBhvr>
+                                        <p:cTn id="6" dur="1" fill="hold">
+                                          <p:stCondLst>
+                                            <p:cond delay="0"/>
+                                          </p:stCondLst>
+                                        </p:cTn>
+                                        <p:tgtEl>
+                                          <p:spTgt spid="18"/>
+                                        </p:tgtEl>
+                                        <p:attrNameLst>
+                                          <p:attrName>style.visibility</p:attrName>
+                                        </p:attrNameLst>
+                                      </p:cBhvr>
+                                      <p:to>
+                                        <p:strVal val="visible"/>
+                                      </p:to>
+                                    </p:set>
+                                    <p:animEffect transition="in" filter="circle(in)">
+                                      <p:cBhvr>
+                                        <p:cTn id="7" dur="2000"/>
+                                        <p:tgtEl>
+                                          <p:spTgt spid="18"/>
+                                        </p:tgtEl>
+                                      </p:cBhvr>
+                                    </p:animEffect>
+                                  </p:childTnLst>
+                                </p:cTn>
+                              </p:par>
+                            </p:childTnLst>
+                          </p:cTn>
+                        </p:par>
+                      </p:childTnLst>
+                    </p:cTn>
+                  </p:par>
+                  <p:par>
+                    <p:cTn id="8" fill="hold">
+                      <p:stCondLst>
+                        <p:cond delay="indefinite"/>
+                      </p:stCondLst>
+                      <p:childTnLst>
+                        <p:par>
+                          <p:cTn id="9" fill="hold">
+                            <p:stCondLst>
+                              <p:cond delay="0"/>
+                            </p:stCondLst>
+                            <p:childTnLst>
+                              <p:par>
+                                <p:cTn id="10" presetID="6" presetClass="entr" presetSubtype="16" fill="hold" nodeType="clickEffect">
+                                  <p:stCondLst>
+                                    <p:cond delay="750"/>
+                                  </p:stCondLst>
+                                  <p:childTnLst>
+                                    <p:set>
+                                      <p:cBhvr>
+                                        <p:cTn id="11" dur="1" fill="hold">
+                                          <p:stCondLst>
+                                            <p:cond delay="0"/>
+                                          </p:stCondLst>
+                                        </p:cTn>
+                                        <p:tgtEl>
+                                          <p:spTgt spid="64"/>
+                                        </p:tgtEl>
+                                        <p:attrNameLst>
+                                          <p:attrName>style.visibility</p:attrName>
+                                        </p:attrNameLst>
+                                      </p:cBhvr>
+                                      <p:to>
+                                        <p:strVal val="visible"/>
+                                      </p:to>
+                                    </p:set>
+                                    <p:animEffect transition="in" filter="circle(in)">
+                                      <p:cBhvr>
+                                        <p:cTn id="12" dur="2000"/>
+                                        <p:tgtEl>
+                                          <p:spTgt spid="64"/>
+                                        </p:tgtEl>
+                                      </p:cBhvr>
+                                    </p:animEffect>
+                                  </p:childTnLst>
+                                </p:cTn>
+                              </p:par>
+                            </p:childTnLst>
+                          </p:cTn>
+                        </p:par>
+                      </p:childTnLst>
+                    </p:cTn>
+                  </p:par>
+                  <p:par>
+                    <p:cTn id="13" fill="hold">
+                      <p:stCondLst>
+                        <p:cond delay="indefinite"/>
+                      </p:stCondLst>
+                      <p:childTnLst>
+                        <p:par>
+                          <p:cTn id="14" fill="hold">
+                            <p:stCondLst>
+                              <p:cond delay="0"/>
+                            </p:stCondLst>
+                            <p:childTnLst>
+                              <p:par>
+                                <p:cTn id="15" presetID="42" presetClass="entr" presetSubtype="0" fill="hold" grpId="0" nodeType="clickEffect">
+                                  <p:stCondLst>
+                                    <p:cond delay="750"/>
+                                  </p:stCondLst>
+                                  <p:childTnLst>
+                                    <p:set>
+                                      <p:cBhvr>
+                                        <p:cTn id="16" dur="1" fill="hold">
+                                          <p:stCondLst>
+                                            <p:cond delay="0"/>
+                                          </p:stCondLst>
+                                        </p:cTn>
+                                        <p:tgtEl>
+                                          <p:spTgt spid="20"/>
+                                        </p:tgtEl>
+                                        <p:attrNameLst>
+                                          <p:attrName>style.visibility</p:attrName>
+                                        </p:attrNameLst>
+                                      </p:cBhvr>
+                                      <p:to>
+                                        <p:strVal val="visible"/>
+                                      </p:to>
+                                    </p:set>
+                                    <p:animEffect transition="in" filter="fade">
+                                      <p:cBhvr>
+                                        <p:cTn id="17" dur="2000"/>
+                                        <p:tgtEl>
+                                          <p:spTgt spid="20"/>
+                                        </p:tgtEl>
+                                      </p:cBhvr>
+                                    </p:animEffect>
+                                    <p:anim calcmode="lin" valueType="num">
+                                      <p:cBhvr>
+                                        <p:cTn id="18" dur="2000" fill="hold"/>
+                                        <p:tgtEl>
+                                          <p:spTgt spid="20"/>
+                                        </p:tgtEl>
+                                        <p:attrNameLst>
+                                          <p:attrName>ppt_x</p:attrName>
+                                        </p:attrNameLst>
+                                      </p:cBhvr>
+                                      <p:tavLst>
+                                        <p:tav tm="0">
+                                          <p:val>
+                                            <p:strVal val="#ppt_x"/>
+                                          </p:val>
+                                        </p:tav>
+                                        <p:tav tm="100000">
+                                          <p:val>
+                                            <p:strVal val="#ppt_x"/>
+                                          </p:val>
+                                        </p:tav>
+                                      </p:tavLst>
+                                    </p:anim>
+                                    <p:anim calcmode="lin" valueType="num">
+                                      <p:cBhvr>
+                                        <p:cTn id="19" dur="2000" fill="hold"/>
+                                        <p:tgtEl>
+                                          <p:spTgt spid="20"/>
+                                        </p:tgtEl>
+                                        <p:attrNameLst>
+                                          <p:attrName>ppt_y</p:attrName>
+                                        </p:attrNameLst>
+                                      </p:cBhvr>
+                                      <p:tavLst>
+                                        <p:tav tm="0">
+                                          <p:val>
+                                            <p:strVal val="#ppt_y+.1"/>
+                                          </p:val>
+                                        </p:tav>
+                                        <p:tav tm="100000">
+                                          <p:val>
+                                            <p:strVal val="#ppt_y"/>
+                                          </p:val>
+                                        </p:tav>
+                                      </p:tavLst>
+                                    </p:anim>
+                                  </p:childTnLst>
+                                </p:cTn>
+                              </p:par>
+                            </p:childTnLst>
+                          </p:cTn>
+                        </p:par>
+                      </p:childTnLst>
+                    </p:cTn>
+                  </p:par>
+                  <p:par>
+                    <p:cTn id="20" fill="hold">
+                      <p:stCondLst>
+                        <p:cond delay="indefinite"/>
+                      </p:stCondLst>
+                      <p:childTnLst>
+                        <p:par>
+                          <p:cTn id="21" fill="hold">
+                            <p:stCondLst>
+                              <p:cond delay="0"/>
+                            </p:stCondLst>
+                            <p:childTnLst>
+                              <p:par>
+                                <p:cTn id="22" presetID="42" presetClass="entr" presetSubtype="0" fill="hold" grpId="0" nodeType="clickEffect">
+                                  <p:stCondLst>
+                                    <p:cond delay="750"/>
+                                  </p:stCondLst>
+                                  <p:childTnLst>
+                                    <p:set>
+                                      <p:cBhvr>
+                                        <p:cTn id="23" dur="1" fill="hold">
+                                          <p:stCondLst>
+                                            <p:cond delay="0"/>
+                                          </p:stCondLst>
+                                        </p:cTn>
+                                        <p:tgtEl>
+                                          <p:spTgt spid="19"/>
+                                        </p:tgtEl>
+                                        <p:attrNameLst>
+                                          <p:attrName>style.visibility</p:attrName>
+                                        </p:attrNameLst>
+                                      </p:cBhvr>
+                                      <p:to>
+                                        <p:strVal val="visible"/>
+                                      </p:to>
+                                    </p:set>
+                                    <p:animEffect transition="in" filter="fade">
+                                      <p:cBhvr>
+                                        <p:cTn id="24" dur="2000"/>
+                                        <p:tgtEl>
+                                          <p:spTgt spid="19"/>
+                                        </p:tgtEl>
+                                      </p:cBhvr>
+                                    </p:animEffect>
+                                    <p:anim calcmode="lin" valueType="num">
+                                      <p:cBhvr>
+                                        <p:cTn id="25" dur="2000" fill="hold"/>
+                                        <p:tgtEl>
+                                          <p:spTgt spid="19"/>
+                                        </p:tgtEl>
+                                        <p:attrNameLst>
+                                          <p:attrName>ppt_x</p:attrName>
+                                        </p:attrNameLst>
+                                      </p:cBhvr>
+                                      <p:tavLst>
+                                        <p:tav tm="0">
+                                          <p:val>
+                                            <p:strVal val="#ppt_x"/>
+                                          </p:val>
+                                        </p:tav>
+                                        <p:tav tm="100000">
+                                          <p:val>
+                                            <p:strVal val="#ppt_x"/>
+                                          </p:val>
+                                        </p:tav>
+                                      </p:tavLst>
+                                    </p:anim>
+                                    <p:anim calcmode="lin" valueType="num">
+                                      <p:cBhvr>
+                                        <p:cTn id="26" dur="2000" fill="hold"/>
+                                        <p:tgtEl>
+                                          <p:spTgt spid="19"/>
+                                        </p:tgtEl>
+                                        <p:attrNameLst>
+                                          <p:attrName>ppt_y</p:attrName>
+                                        </p:attrNameLst>
+                                      </p:cBhvr>
+                                      <p:tavLst>
+                                        <p:tav tm="0">
+                                          <p:val>
+                                            <p:strVal val="#ppt_y+.1"/>
+                                          </p:val>
+                                        </p:tav>
+                                        <p:tav tm="100000">
+                                          <p:val>
+                                            <p:strVal val="#ppt_y"/>
+                                          </p:val>
+                                        </p:tav>
+                                      </p:tavLst>
+                                    </p:anim>
+                                  </p:childTnLst>
+                                </p:cTn>
+                              </p:par>
+                            </p:childTnLst>
+                          </p:cTn>
+                        </p:par>
+                      </p:childTnLst>
+                    </p:cTn>
+                  </p:par>
+                  <p:par>
+                    <p:cTn id="27" fill="hold">
+                      <p:stCondLst>
+                        <p:cond delay="indefinite"/>
+                      </p:stCondLst>
+                      <p:childTnLst>
+                        <p:par>
+                          <p:cTn id="28" fill="hold">
+                            <p:stCondLst>
+                              <p:cond delay="0"/>
+                            </p:stCondLst>
+                            <p:childTnLst>
+                              <p:par>
+                                <p:cTn id="29" presetID="14" presetClass="entr" presetSubtype="10" fill="hold" nodeType="clickEffect">
+                                  <p:stCondLst>
+                                    <p:cond delay="500"/>
+                                  </p:stCondLst>
+                                  <p:childTnLst>
+                                    <p:set>
+                                      <p:cBhvr>
+                                        <p:cTn id="30" dur="1" fill="hold">
+                                          <p:stCondLst>
+                                            <p:cond delay="0"/>
+                                          </p:stCondLst>
+                                        </p:cTn>
+                                        <p:tgtEl>
+                                          <p:spTgt spid="15"/>
+                                        </p:tgtEl>
+                                        <p:attrNameLst>
+                                          <p:attrName>style.visibility</p:attrName>
+                                        </p:attrNameLst>
+                                      </p:cBhvr>
+                                      <p:to>
+                                        <p:strVal val="visible"/>
+                                      </p:to>
+                                    </p:set>
+                                    <p:animEffect transition="in" filter="randombar(horizontal)">
+                                      <p:cBhvr>
+                                        <p:cTn id="31" dur="2000"/>
+                                        <p:tgtEl>
+                                          <p:spTgt spid="15"/>
+                                        </p:tgtEl>
+                                      </p:cBhvr>
+                                    </p:animEffect>
+                                  </p:childTnLst>
+                                </p:cTn>
+                              </p:par>
+                            </p:childTnLst>
+                          </p:cTn>
+                        </p:par>
+                      </p:childTnLst>
+                    </p:cTn>
+                  </p:par>
+                  <p:par>
+                    <p:cTn id="32" fill="hold">
+                      <p:stCondLst>
+                        <p:cond delay="indefinite"/>
+                      </p:stCondLst>
+                      <p:childTnLst>
+                        <p:par>
+                          <p:cTn id="33" fill="hold">
+                            <p:stCondLst>
+                              <p:cond delay="0"/>
+                            </p:stCondLst>
+                            <p:childTnLst>
+                              <p:par>
+                                <p:cTn id="34" presetID="14" presetClass="entr" presetSubtype="10" fill="hold" nodeType="clickEffect">
+                                  <p:stCondLst>
+                                    <p:cond delay="750"/>
+                                  </p:stCondLst>
+                                  <p:childTnLst>
+                                    <p:set>
+                                      <p:cBhvr>
+                                        <p:cTn id="35" dur="1" fill="hold">
+                                          <p:stCondLst>
+                                            <p:cond delay="0"/>
+                                          </p:stCondLst>
+                                        </p:cTn>
+                                        <p:tgtEl>
+                                          <p:spTgt spid="16"/>
+                                        </p:tgtEl>
+                                        <p:attrNameLst>
+                                          <p:attrName>style.visibility</p:attrName>
+                                        </p:attrNameLst>
+                                      </p:cBhvr>
+                                      <p:to>
+                                        <p:strVal val="visible"/>
+                                      </p:to>
+                                    </p:set>
+                                    <p:animEffect transition="in" filter="randombar(horizontal)">
+                                      <p:cBhvr>
+                                        <p:cTn id="36" dur="2000"/>
+                                        <p:tgtEl>
+                                          <p:spTgt spid="16"/>
+                                        </p:tgtEl>
+                                      </p:cBhvr>
+                                    </p:animEffect>
+                                  </p:childTnLst>
+                                </p:cTn>
+                              </p:par>
+                            </p:childTnLst>
+                          </p:cTn>
+                        </p:par>
+                      </p:childTnLst>
+                    </p:cTn>
+                  </p:par>
+                  <p:par>
+                    <p:cTn id="37" fill="hold">
+                      <p:stCondLst>
+                        <p:cond delay="indefinite"/>
+                      </p:stCondLst>
+                      <p:childTnLst>
+                        <p:par>
+                          <p:cTn id="38" fill="hold">
+                            <p:stCondLst>
+                              <p:cond delay="0"/>
+                            </p:stCondLst>
+                            <p:childTnLst>
+                              <p:par>
+                                <p:cTn id="39" presetID="16" presetClass="entr" presetSubtype="21" fill="hold" nodeType="clickEffect">
+                                  <p:stCondLst>
+                                    <p:cond delay="750"/>
+                                  </p:stCondLst>
+                                  <p:childTnLst>
+                                    <p:set>
+                                      <p:cBhvr>
+                                        <p:cTn id="40" dur="1" fill="hold">
+                                          <p:stCondLst>
+                                            <p:cond delay="0"/>
+                                          </p:stCondLst>
+                                        </p:cTn>
+                                        <p:tgtEl>
+                                          <p:spTgt spid="28"/>
+                                        </p:tgtEl>
+                                        <p:attrNameLst>
+                                          <p:attrName>style.visibility</p:attrName>
+                                        </p:attrNameLst>
+                                      </p:cBhvr>
+                                      <p:to>
+                                        <p:strVal val="visible"/>
+                                      </p:to>
+                                    </p:set>
+                                    <p:animEffect transition="in" filter="barn(inVertical)">
+                                      <p:cBhvr>
+                                        <p:cTn id="41" dur="1750"/>
+                                        <p:tgtEl>
+                                          <p:spTgt spid="28"/>
+                                        </p:tgtEl>
+                                      </p:cBhvr>
+                                    </p:animEffect>
+                                  </p:childTnLst>
+                                </p:cTn>
+                              </p:par>
+                            </p:childTnLst>
+                          </p:cTn>
+                        </p:par>
+                      </p:childTnLst>
+                    </p:cTn>
+                  </p:par>
+                  <p:par>
+                    <p:cTn id="42" fill="hold">
+                      <p:stCondLst>
+                        <p:cond delay="indefinite"/>
+                      </p:stCondLst>
+                      <p:childTnLst>
+                        <p:par>
+                          <p:cTn id="43" fill="hold">
+                            <p:stCondLst>
+                              <p:cond delay="0"/>
+                            </p:stCondLst>
+                            <p:childTnLst>
+                              <p:par>
+                                <p:cTn id="44" presetID="2" presetClass="entr" presetSubtype="4" fill="hold" nodeType="clickEffect">
+                                  <p:stCondLst>
+                                    <p:cond delay="750"/>
+                                  </p:stCondLst>
+                                  <p:childTnLst>
+                                    <p:set>
+                                      <p:cBhvr>
+                                        <p:cTn id="45" dur="1" fill="hold">
+                                          <p:stCondLst>
+                                            <p:cond delay="0"/>
+                                          </p:stCondLst>
+                                        </p:cTn>
+                                        <p:tgtEl>
+                                          <p:spTgt spid="51"/>
+                                        </p:tgtEl>
+                                        <p:attrNameLst>
+                                          <p:attrName>style.visibility</p:attrName>
+                                        </p:attrNameLst>
+                                      </p:cBhvr>
+                                      <p:to>
+                                        <p:strVal val="visible"/>
+                                      </p:to>
+                                    </p:set>
+                                    <p:anim calcmode="lin" valueType="num">
+                                      <p:cBhvr additive="base">
+                                        <p:cTn id="46" dur="2000" fill="hold"/>
+                                        <p:tgtEl>
+                                          <p:spTgt spid="51"/>
+                                        </p:tgtEl>
+                                        <p:attrNameLst>
+                                          <p:attrName>ppt_x</p:attrName>
+                                        </p:attrNameLst>
+                                      </p:cBhvr>
+                                      <p:tavLst>
+                                        <p:tav tm="0">
+                                          <p:val>
+                                            <p:strVal val="#ppt_x"/>
+                                          </p:val>
+                                        </p:tav>
+                                        <p:tav tm="100000">
+                                          <p:val>
+                                            <p:strVal val="#ppt_x"/>
+                                          </p:val>
+                                        </p:tav>
+                                      </p:tavLst>
+                                    </p:anim>
+                                    <p:anim calcmode="lin" valueType="num">
+                                      <p:cBhvr additive="base">
+                                        <p:cTn id="47" dur="2000" fill="hold"/>
+                                        <p:tgtEl>
+                                          <p:spTgt spid="51"/>
+                                        </p:tgtEl>
+                                        <p:attrNameLst>
+                                          <p:attrName>ppt_y</p:attrName>
+                                        </p:attrNameLst>
+                                      </p:cBhvr>
+                                      <p:tavLst>
+                                        <p:tav tm="0">
+                                          <p:val>
+                                            <p:strVal val="1+#ppt_h/2"/>
+                                          </p:val>
+                                        </p:tav>
+                                        <p:tav tm="100000">
+                                          <p:val>
+                                            <p:strVal val="#ppt_y"/>
+                                          </p:val>
+                                        </p:tav>
+                                      </p:tavLst>
+                                    </p:anim>
+                                  </p:childTnLst>
+                                </p:cTn>
+                              </p:par>
+                            </p:childTnLst>
+                          </p:cTn>
+                        </p:par>
+                      </p:childTnLst>
+                    </p:cTn>
+                  </p:par>
+                  <p:par>
+                    <p:cTn id="48" fill="hold">
+                      <p:stCondLst>
+                        <p:cond delay="indefinite"/>
+                      </p:stCondLst>
+                      <p:childTnLst>
+                        <p:par>
+                          <p:cTn id="49" fill="hold">
+                            <p:stCondLst>
+                              <p:cond delay="0"/>
+                            </p:stCondLst>
+                            <p:childTnLst>
+                              <p:par>
+                                <p:cTn id="50" presetID="22" presetClass="entr" presetSubtype="4" fill="hold" nodeType="clickEffect">
+                                  <p:stCondLst>
+                                    <p:cond delay="750"/>
+                                  </p:stCondLst>
+                                  <p:childTnLst>
+                                    <p:set>
+                                      <p:cBhvr>
+                                        <p:cTn id="51" dur="1" fill="hold">
+                                          <p:stCondLst>
+                                            <p:cond delay="0"/>
+                                          </p:stCondLst>
+                                        </p:cTn>
+                                        <p:tgtEl>
+                                          <p:spTgt spid="29"/>
+                                        </p:tgtEl>
+                                        <p:attrNameLst>
+                                          <p:attrName>style.visibility</p:attrName>
+                                        </p:attrNameLst>
+                                      </p:cBhvr>
+                                      <p:to>
+                                        <p:strVal val="visible"/>
+                                      </p:to>
+                                    </p:set>
+                                    <p:animEffect transition="in" filter="wipe(down)">
+                                      <p:cBhvr>
+                                        <p:cTn id="52" dur="2000"/>
+                                        <p:tgtEl>
+                                          <p:spTgt spid="29"/>
+                                        </p:tgtEl>
+                                      </p:cBhvr>
+                                    </p:animEffect>
+                                  </p:childTnLst>
+                                </p:cTn>
+                              </p:par>
+                            </p:childTnLst>
+                          </p:cTn>
+                        </p:par>
+                      </p:childTnLst>
+                    </p:cTn>
+                  </p:par>
+                  <p:par>
+                    <p:cTn id="53" fill="hold">
+                      <p:stCondLst>
+                        <p:cond delay="indefinite"/>
+                      </p:stCondLst>
+                      <p:childTnLst>
+                        <p:par>
+                          <p:cTn id="54" fill="hold">
+                            <p:stCondLst>
+                              <p:cond delay="0"/>
+                            </p:stCondLst>
+                            <p:childTnLst>
+                              <p:par>
+                                <p:cTn id="55" presetID="22" presetClass="entr" presetSubtype="4" fill="hold" nodeType="clickEffect">
+                                  <p:stCondLst>
+                                    <p:cond delay="500"/>
+                                  </p:stCondLst>
+                                  <p:childTnLst>
+                                    <p:set>
+                                      <p:cBhvr>
+                                        <p:cTn id="56" dur="1" fill="hold">
+                                          <p:stCondLst>
+                                            <p:cond delay="0"/>
+                                          </p:stCondLst>
+                                        </p:cTn>
+                                        <p:tgtEl>
+                                          <p:spTgt spid="52"/>
+                                        </p:tgtEl>
+                                        <p:attrNameLst>
+                                          <p:attrName>style.visibility</p:attrName>
+                                        </p:attrNameLst>
+                                      </p:cBhvr>
+                                      <p:to>
+                                        <p:strVal val="visible"/>
+                                      </p:to>
+                                    </p:set>
+                                    <p:animEffect transition="in" filter="wipe(down)">
+                                      <p:cBhvr>
+                                        <p:cTn id="57" dur="2000"/>
+                                        <p:tgtEl>
+                                          <p:spTgt spid="52"/>
+                                        </p:tgtEl>
+                                      </p:cBhvr>
+                                    </p:animEffect>
+                                  </p:childTnLst>
+                                </p:cTn>
+                              </p:par>
+                            </p:childTnLst>
+                          </p:cTn>
+                        </p:par>
+                      </p:childTnLst>
+                    </p:cTn>
+                  </p:par>
+                  <p:par>
+                    <p:cTn id="58" fill="hold">
+                      <p:stCondLst>
+                        <p:cond delay="indefinite"/>
+                      </p:stCondLst>
+                      <p:childTnLst>
+                        <p:par>
+                          <p:cTn id="59" fill="hold">
+                            <p:stCondLst>
+                              <p:cond delay="0"/>
+                            </p:stCondLst>
+                            <p:childTnLst>
+                              <p:par>
+                                <p:cTn id="60" presetID="16" presetClass="entr" presetSubtype="21" fill="hold" grpId="0" nodeType="clickEffect">
+                                  <p:stCondLst>
+                                    <p:cond delay="750"/>
+                                  </p:stCondLst>
+                                  <p:childTnLst>
+                                    <p:set>
+                                      <p:cBhvr>
+                                        <p:cTn id="61" dur="1" fill="hold">
+                                          <p:stCondLst>
+                                            <p:cond delay="0"/>
+                                          </p:stCondLst>
+                                        </p:cTn>
+                                        <p:tgtEl>
+                                          <p:spTgt spid="21"/>
+                                        </p:tgtEl>
+                                        <p:attrNameLst>
+                                          <p:attrName>style.visibility</p:attrName>
+                                        </p:attrNameLst>
+                                      </p:cBhvr>
+                                      <p:to>
+                                        <p:strVal val="visible"/>
+                                      </p:to>
+                                    </p:set>
+                                    <p:animEffect transition="in" filter="barn(inVertical)">
+                                      <p:cBhvr>
+                                        <p:cTn id="62" dur="2000"/>
+                                        <p:tgtEl>
+                                          <p:spTgt spid="21"/>
+                                        </p:tgtEl>
+                                      </p:cBhvr>
+                                    </p:animEffect>
+                                  </p:childTnLst>
+                                </p:cTn>
+                              </p:par>
+                            </p:childTnLst>
+                          </p:cTn>
+                        </p:par>
+                      </p:childTnLst>
+                    </p:cTn>
+                  </p:par>
+                  <p:par>
+                    <p:cTn id="63" fill="hold">
+                      <p:stCondLst>
+                        <p:cond delay="indefinite"/>
+                      </p:stCondLst>
+                      <p:childTnLst>
+                        <p:par>
+                          <p:cTn id="64" fill="hold">
+                            <p:stCondLst>
+                              <p:cond delay="0"/>
+                            </p:stCondLst>
+                            <p:childTnLst>
+                              <p:par>
+                                <p:cTn id="65" presetID="14" presetClass="entr" presetSubtype="10" fill="hold" nodeType="clickEffect">
+                                  <p:stCondLst>
+                                    <p:cond delay="750"/>
+                                  </p:stCondLst>
+                                  <p:childTnLst>
+                                    <p:set>
+                                      <p:cBhvr>
+                                        <p:cTn id="66" dur="1" fill="hold">
+                                          <p:stCondLst>
+                                            <p:cond delay="0"/>
+                                          </p:stCondLst>
+                                        </p:cTn>
+                                        <p:tgtEl>
+                                          <p:spTgt spid="8"/>
+                                        </p:tgtEl>
+                                        <p:attrNameLst>
+                                          <p:attrName>style.visibility</p:attrName>
+                                        </p:attrNameLst>
+                                      </p:cBhvr>
+                                      <p:to>
+                                        <p:strVal val="visible"/>
+                                      </p:to>
+                                    </p:set>
+                                    <p:animEffect transition="in" filter="randombar(horizontal)">
+                                      <p:cBhvr>
+                                        <p:cTn id="67" dur="2000"/>
+                                        <p:tgtEl>
+                                          <p:spTgt spid="8"/>
+                                        </p:tgtEl>
+                                      </p:cBhvr>
+                                    </p:animEffect>
+                                  </p:childTnLst>
+                                </p:cTn>
+                              </p:par>
+                            </p:childTnLst>
+                          </p:cTn>
+                        </p:par>
+                      </p:childTnLst>
+                    </p:cTn>
+                  </p:par>
+                  <p:par>
+                    <p:cTn id="68" fill="hold">
+                      <p:stCondLst>
+                        <p:cond delay="indefinite"/>
+                      </p:stCondLst>
+                      <p:childTnLst>
+                        <p:par>
+                          <p:cTn id="69" fill="hold">
+                            <p:stCondLst>
+                              <p:cond delay="0"/>
+                            </p:stCondLst>
+                            <p:childTnLst>
+                              <p:par>
+                                <p:cTn id="70" presetID="22" presetClass="entr" presetSubtype="4" fill="hold" nodeType="clickEffect">
+                                  <p:stCondLst>
+                                    <p:cond delay="750"/>
+                                  </p:stCondLst>
+                                  <p:childTnLst>
+                                    <p:set>
+                                      <p:cBhvr>
+                                        <p:cTn id="71" dur="1" fill="hold">
+                                          <p:stCondLst>
+                                            <p:cond delay="0"/>
+                                          </p:stCondLst>
+                                        </p:cTn>
+                                        <p:tgtEl>
+                                          <p:spTgt spid="53"/>
+                                        </p:tgtEl>
+                                        <p:attrNameLst>
+                                          <p:attrName>style.visibility</p:attrName>
+                                        </p:attrNameLst>
+                                      </p:cBhvr>
+                                      <p:to>
+                                        <p:strVal val="visible"/>
+                                      </p:to>
+                                    </p:set>
+                                    <p:animEffect transition="in" filter="wipe(down)">
+                                      <p:cBhvr>
+                                        <p:cTn id="72" dur="2000"/>
+                                        <p:tgtEl>
+                                          <p:spTgt spid="53"/>
+                                        </p:tgtEl>
+                                      </p:cBhvr>
+                                    </p:animEffect>
+                                  </p:childTnLst>
+                                </p:cTn>
+                              </p:par>
+                            </p:childTnLst>
+                          </p:cTn>
+                        </p:par>
+                      </p:childTnLst>
+                    </p:cTn>
+                  </p:par>
+                  <p:par>
+                    <p:cTn id="73" fill="hold">
+                      <p:stCondLst>
+                        <p:cond delay="indefinite"/>
+                      </p:stCondLst>
+                      <p:childTnLst>
+                        <p:par>
+                          <p:cTn id="74" fill="hold">
+                            <p:stCondLst>
+                              <p:cond delay="0"/>
+                            </p:stCondLst>
+                            <p:childTnLst>
+                              <p:par>
+                                <p:cTn id="75" presetID="16" presetClass="entr" presetSubtype="21" fill="hold" grpId="0" nodeType="clickEffect">
+                                  <p:stCondLst>
+                                    <p:cond delay="750"/>
+                                  </p:stCondLst>
+                                  <p:childTnLst>
+                                    <p:set>
+                                      <p:cBhvr>
+                                        <p:cTn id="76" dur="1" fill="hold">
+                                          <p:stCondLst>
+                                            <p:cond delay="0"/>
+                                          </p:stCondLst>
+                                        </p:cTn>
+                                        <p:tgtEl>
+                                          <p:spTgt spid="22"/>
+                                        </p:tgtEl>
+                                        <p:attrNameLst>
+                                          <p:attrName>style.visibility</p:attrName>
+                                        </p:attrNameLst>
+                                      </p:cBhvr>
+                                      <p:to>
+                                        <p:strVal val="visible"/>
+                                      </p:to>
+                                    </p:set>
+                                    <p:animEffect transition="in" filter="barn(inVertical)">
+                                      <p:cBhvr>
+                                        <p:cTn id="77" dur="2000"/>
+                                        <p:tgtEl>
+                                          <p:spTgt spid="22"/>
+                                        </p:tgtEl>
+                                      </p:cBhvr>
+                                    </p:animEffect>
+                                  </p:childTnLst>
+                                </p:cTn>
+                              </p:par>
+                            </p:childTnLst>
+                          </p:cTn>
+                        </p:par>
+                      </p:childTnLst>
+                    </p:cTn>
+                  </p:par>
+                  <p:par>
+                    <p:cTn id="78" fill="hold">
+                      <p:stCondLst>
+                        <p:cond delay="indefinite"/>
+                      </p:stCondLst>
+                      <p:childTnLst>
+                        <p:par>
+                          <p:cTn id="79" fill="hold">
+                            <p:stCondLst>
+                              <p:cond delay="0"/>
+                            </p:stCondLst>
+                            <p:childTnLst>
+                              <p:par>
+                                <p:cTn id="80" presetID="14" presetClass="entr" presetSubtype="10" fill="hold" nodeType="clickEffect">
+                                  <p:stCondLst>
+                                    <p:cond delay="750"/>
+                                  </p:stCondLst>
+                                  <p:childTnLst>
+                                    <p:set>
+                                      <p:cBhvr>
+                                        <p:cTn id="81" dur="1" fill="hold">
+                                          <p:stCondLst>
+                                            <p:cond delay="0"/>
+                                          </p:stCondLst>
+                                        </p:cTn>
+                                        <p:tgtEl>
+                                          <p:spTgt spid="9"/>
+                                        </p:tgtEl>
+                                        <p:attrNameLst>
+                                          <p:attrName>style.visibility</p:attrName>
+                                        </p:attrNameLst>
+                                      </p:cBhvr>
+                                      <p:to>
+                                        <p:strVal val="visible"/>
+                                      </p:to>
+                                    </p:set>
+                                    <p:animEffect transition="in" filter="randombar(horizontal)">
+                                      <p:cBhvr>
+                                        <p:cTn id="82" dur="2000"/>
+                                        <p:tgtEl>
+                                          <p:spTgt spid="9"/>
+                                        </p:tgtEl>
+                                      </p:cBhvr>
+                                    </p:animEffect>
+                                  </p:childTnLst>
+                                </p:cTn>
+                              </p:par>
+                            </p:childTnLst>
+                          </p:cTn>
+                        </p:par>
+                      </p:childTnLst>
+                    </p:cTn>
+                  </p:par>
+                  <p:par>
+                    <p:cTn id="83" fill="hold">
+                      <p:stCondLst>
+                        <p:cond delay="indefinite"/>
+                      </p:stCondLst>
+                      <p:childTnLst>
+                        <p:par>
+                          <p:cTn id="84" fill="hold">
+                            <p:stCondLst>
+                              <p:cond delay="0"/>
+                            </p:stCondLst>
+                            <p:childTnLst>
+                              <p:par>
+                                <p:cTn id="85" presetID="22" presetClass="entr" presetSubtype="4" fill="hold" nodeType="clickEffect">
+                                  <p:stCondLst>
+                                    <p:cond delay="750"/>
+                                  </p:stCondLst>
+                                  <p:childTnLst>
+                                    <p:set>
+                                      <p:cBhvr>
+                                        <p:cTn id="86" dur="1" fill="hold">
+                                          <p:stCondLst>
+                                            <p:cond delay="0"/>
+                                          </p:stCondLst>
+                                        </p:cTn>
+                                        <p:tgtEl>
+                                          <p:spTgt spid="54"/>
+                                        </p:tgtEl>
+                                        <p:attrNameLst>
+                                          <p:attrName>style.visibility</p:attrName>
+                                        </p:attrNameLst>
+                                      </p:cBhvr>
+                                      <p:to>
+                                        <p:strVal val="visible"/>
+                                      </p:to>
+                                    </p:set>
+                                    <p:animEffect transition="in" filter="wipe(down)">
+                                      <p:cBhvr>
+                                        <p:cTn id="87" dur="2000"/>
+                                        <p:tgtEl>
+                                          <p:spTgt spid="54"/>
+                                        </p:tgtEl>
+                                      </p:cBhvr>
+                                    </p:animEffect>
+                                  </p:childTnLst>
+                                </p:cTn>
+                              </p:par>
+                            </p:childTnLst>
+                          </p:cTn>
+                        </p:par>
+                      </p:childTnLst>
+                    </p:cTn>
+                  </p:par>
+                  <p:par>
+                    <p:cTn id="88" fill="hold">
+                      <p:stCondLst>
+                        <p:cond delay="indefinite"/>
+                      </p:stCondLst>
+                      <p:childTnLst>
+                        <p:par>
+                          <p:cTn id="89" fill="hold">
+                            <p:stCondLst>
+                              <p:cond delay="0"/>
+                            </p:stCondLst>
+                            <p:childTnLst>
+                              <p:par>
+                                <p:cTn id="90" presetID="14" presetClass="entr" presetSubtype="10" fill="hold" nodeType="clickEffect">
+                                  <p:stCondLst>
+                                    <p:cond delay="750"/>
+                                  </p:stCondLst>
+                                  <p:childTnLst>
+                                    <p:set>
+                                      <p:cBhvr>
+                                        <p:cTn id="91" dur="1" fill="hold">
+                                          <p:stCondLst>
+                                            <p:cond delay="0"/>
+                                          </p:stCondLst>
+                                        </p:cTn>
+                                        <p:tgtEl>
+                                          <p:spTgt spid="10"/>
+                                        </p:tgtEl>
+                                        <p:attrNameLst>
+                                          <p:attrName>style.visibility</p:attrName>
+                                        </p:attrNameLst>
+                                      </p:cBhvr>
+                                      <p:to>
+                                        <p:strVal val="visible"/>
+                                      </p:to>
+                                    </p:set>
+                                    <p:animEffect transition="in" filter="randombar(horizontal)">
+                                      <p:cBhvr>
+                                        <p:cTn id="92" dur="2000"/>
+                                        <p:tgtEl>
+                                          <p:spTgt spid="10"/>
+                                        </p:tgtEl>
+                                      </p:cBhvr>
+                                    </p:animEffect>
+                                  </p:childTnLst>
+                                </p:cTn>
+                              </p:par>
+                            </p:childTnLst>
+                          </p:cTn>
+                        </p:par>
+                      </p:childTnLst>
+                    </p:cTn>
+                  </p:par>
+                  <p:par>
+                    <p:cTn id="93" fill="hold">
+                      <p:stCondLst>
+                        <p:cond delay="indefinite"/>
+                      </p:stCondLst>
+                      <p:childTnLst>
+                        <p:par>
+                          <p:cTn id="94" fill="hold">
+                            <p:stCondLst>
+                              <p:cond delay="0"/>
+                            </p:stCondLst>
+                            <p:childTnLst>
+                              <p:par>
+                                <p:cTn id="95" presetID="14" presetClass="entr" presetSubtype="10" fill="hold" nodeType="clickEffect">
+                                  <p:stCondLst>
+                                    <p:cond delay="750"/>
+                                  </p:stCondLst>
+                                  <p:childTnLst>
+                                    <p:set>
+                                      <p:cBhvr>
+                                        <p:cTn id="96" dur="1" fill="hold">
+                                          <p:stCondLst>
+                                            <p:cond delay="0"/>
+                                          </p:stCondLst>
+                                        </p:cTn>
+                                        <p:tgtEl>
+                                          <p:spTgt spid="46"/>
+                                        </p:tgtEl>
+                                        <p:attrNameLst>
+                                          <p:attrName>style.visibility</p:attrName>
+                                        </p:attrNameLst>
+                                      </p:cBhvr>
+                                      <p:to>
+                                        <p:strVal val="visible"/>
+                                      </p:to>
+                                    </p:set>
+                                    <p:animEffect transition="in" filter="randombar(horizontal)">
+                                      <p:cBhvr>
+                                        <p:cTn id="97" dur="2000"/>
+                                        <p:tgtEl>
+                                          <p:spTgt spid="46"/>
+                                        </p:tgtEl>
+                                      </p:cBhvr>
+                                    </p:animEffect>
+                                  </p:childTnLst>
+                                </p:cTn>
+                              </p:par>
+                            </p:childTnLst>
+                          </p:cTn>
+                        </p:par>
+                      </p:childTnLst>
+                    </p:cTn>
+                  </p:par>
+                  <p:par>
+                    <p:cTn id="98" fill="hold">
+                      <p:stCondLst>
+                        <p:cond delay="indefinite"/>
+                      </p:stCondLst>
+                      <p:childTnLst>
+                        <p:par>
+                          <p:cTn id="99" fill="hold">
+                            <p:stCondLst>
+                              <p:cond delay="0"/>
+                            </p:stCondLst>
+                            <p:childTnLst>
+                              <p:par>
+                                <p:cTn id="100" presetID="22" presetClass="entr" presetSubtype="4" fill="hold" nodeType="clickEffect">
+                                  <p:stCondLst>
+                                    <p:cond delay="750"/>
+                                  </p:stCondLst>
+                                  <p:childTnLst>
+                                    <p:set>
+                                      <p:cBhvr>
+                                        <p:cTn id="101" dur="1" fill="hold">
+                                          <p:stCondLst>
+                                            <p:cond delay="0"/>
+                                          </p:stCondLst>
+                                        </p:cTn>
+                                        <p:tgtEl>
+                                          <p:spTgt spid="55"/>
+                                        </p:tgtEl>
+                                        <p:attrNameLst>
+                                          <p:attrName>style.visibility</p:attrName>
+                                        </p:attrNameLst>
+                                      </p:cBhvr>
+                                      <p:to>
+                                        <p:strVal val="visible"/>
+                                      </p:to>
+                                    </p:set>
+                                    <p:animEffect transition="in" filter="wipe(down)">
+                                      <p:cBhvr>
+                                        <p:cTn id="102" dur="2000"/>
+                                        <p:tgtEl>
+                                          <p:spTgt spid="55"/>
+                                        </p:tgtEl>
+                                      </p:cBhvr>
+                                    </p:animEffect>
+                                  </p:childTnLst>
+                                </p:cTn>
+                              </p:par>
+                            </p:childTnLst>
+                          </p:cTn>
+                        </p:par>
+                      </p:childTnLst>
+                    </p:cTn>
+                  </p:par>
+                  <p:par>
+                    <p:cTn id="103" fill="hold">
+                      <p:stCondLst>
+                        <p:cond delay="indefinite"/>
+                      </p:stCondLst>
+                      <p:childTnLst>
+                        <p:par>
+                          <p:cTn id="104" fill="hold">
+                            <p:stCondLst>
+                              <p:cond delay="0"/>
+                            </p:stCondLst>
+                            <p:childTnLst>
+                              <p:par>
+                                <p:cTn id="105" presetID="22" presetClass="entr" presetSubtype="4" fill="hold" nodeType="clickEffect">
+                                  <p:stCondLst>
+                                    <p:cond delay="750"/>
+                                  </p:stCondLst>
+                                  <p:childTnLst>
+                                    <p:set>
+                                      <p:cBhvr>
+                                        <p:cTn id="106" dur="1" fill="hold">
+                                          <p:stCondLst>
+                                            <p:cond delay="0"/>
+                                          </p:stCondLst>
+                                        </p:cTn>
+                                        <p:tgtEl>
+                                          <p:spTgt spid="56"/>
+                                        </p:tgtEl>
+                                        <p:attrNameLst>
+                                          <p:attrName>style.visibility</p:attrName>
+                                        </p:attrNameLst>
+                                      </p:cBhvr>
+                                      <p:to>
+                                        <p:strVal val="visible"/>
+                                      </p:to>
+                                    </p:set>
+                                    <p:animEffect transition="in" filter="wipe(down)">
+                                      <p:cBhvr>
+                                        <p:cTn id="107" dur="2000"/>
+                                        <p:tgtEl>
+                                          <p:spTgt spid="56"/>
+                                        </p:tgtEl>
+                                      </p:cBhvr>
+                                    </p:animEffect>
+                                  </p:childTnLst>
+                                </p:cTn>
+                              </p:par>
+                            </p:childTnLst>
+                          </p:cTn>
+                        </p:par>
+                      </p:childTnLst>
+                    </p:cTn>
+                  </p:par>
+                  <p:par>
+                    <p:cTn id="108" fill="hold">
+                      <p:stCondLst>
+                        <p:cond delay="indefinite"/>
+                      </p:stCondLst>
+                      <p:childTnLst>
+                        <p:par>
+                          <p:cTn id="109" fill="hold">
+                            <p:stCondLst>
+                              <p:cond delay="0"/>
+                            </p:stCondLst>
+                            <p:childTnLst>
+                              <p:par>
+                                <p:cTn id="110" presetID="14" presetClass="entr" presetSubtype="10" fill="hold" nodeType="clickEffect">
+                                  <p:stCondLst>
+                                    <p:cond delay="750"/>
+                                  </p:stCondLst>
+                                  <p:childTnLst>
+                                    <p:set>
+                                      <p:cBhvr>
+                                        <p:cTn id="111" dur="1" fill="hold">
+                                          <p:stCondLst>
+                                            <p:cond delay="0"/>
+                                          </p:stCondLst>
+                                        </p:cTn>
+                                        <p:tgtEl>
+                                          <p:spTgt spid="11"/>
+                                        </p:tgtEl>
+                                        <p:attrNameLst>
+                                          <p:attrName>style.visibility</p:attrName>
+                                        </p:attrNameLst>
+                                      </p:cBhvr>
+                                      <p:to>
+                                        <p:strVal val="visible"/>
+                                      </p:to>
+                                    </p:set>
+                                    <p:animEffect transition="in" filter="randombar(horizontal)">
+                                      <p:cBhvr>
+                                        <p:cTn id="112" dur="2000"/>
+                                        <p:tgtEl>
+                                          <p:spTgt spid="11"/>
+                                        </p:tgtEl>
+                                      </p:cBhvr>
+                                    </p:animEffect>
+                                  </p:childTnLst>
+                                </p:cTn>
+                              </p:par>
+                            </p:childTnLst>
+                          </p:cTn>
+                        </p:par>
+                      </p:childTnLst>
+                    </p:cTn>
+                  </p:par>
+                  <p:par>
+                    <p:cTn id="113" fill="hold">
+                      <p:stCondLst>
+                        <p:cond delay="indefinite"/>
+                      </p:stCondLst>
+                      <p:childTnLst>
+                        <p:par>
+                          <p:cTn id="114" fill="hold">
+                            <p:stCondLst>
+                              <p:cond delay="0"/>
+                            </p:stCondLst>
+                            <p:childTnLst>
+                              <p:par>
+                                <p:cTn id="115" presetID="10" presetClass="entr" presetSubtype="0" fill="hold" nodeType="clickEffect">
+                                  <p:stCondLst>
+                                    <p:cond delay="750"/>
+                                  </p:stCondLst>
+                                  <p:childTnLst>
+                                    <p:set>
+                                      <p:cBhvr>
+                                        <p:cTn id="116" dur="1" fill="hold">
+                                          <p:stCondLst>
+                                            <p:cond delay="0"/>
+                                          </p:stCondLst>
+                                        </p:cTn>
+                                        <p:tgtEl>
+                                          <p:spTgt spid="62"/>
+                                        </p:tgtEl>
+                                        <p:attrNameLst>
+                                          <p:attrName>style.visibility</p:attrName>
+                                        </p:attrNameLst>
+                                      </p:cBhvr>
+                                      <p:to>
+                                        <p:strVal val="visible"/>
+                                      </p:to>
+                                    </p:set>
+                                    <p:animEffect transition="in" filter="fade">
+                                      <p:cBhvr>
+                                        <p:cTn id="117" dur="2000"/>
+                                        <p:tgtEl>
+                                          <p:spTgt spid="62"/>
+                                        </p:tgtEl>
+                                      </p:cBhvr>
+                                    </p:animEffect>
+                                  </p:childTnLst>
+                                </p:cTn>
+                              </p:par>
+                            </p:childTnLst>
+                          </p:cTn>
+                        </p:par>
+                      </p:childTnLst>
+                    </p:cTn>
+                  </p:par>
+                  <p:par>
+                    <p:cTn id="118" fill="hold">
+                      <p:stCondLst>
+                        <p:cond delay="indefinite"/>
+                      </p:stCondLst>
+                      <p:childTnLst>
+                        <p:par>
+                          <p:cTn id="119" fill="hold">
+                            <p:stCondLst>
+                              <p:cond delay="0"/>
+                            </p:stCondLst>
+                            <p:childTnLst>
+                              <p:par>
+                                <p:cTn id="120" presetID="22" presetClass="entr" presetSubtype="4" fill="hold" nodeType="clickEffect">
+                                  <p:stCondLst>
+                                    <p:cond delay="750"/>
+                                  </p:stCondLst>
+                                  <p:childTnLst>
+                                    <p:set>
+                                      <p:cBhvr>
+                                        <p:cTn id="121" dur="1" fill="hold">
+                                          <p:stCondLst>
+                                            <p:cond delay="0"/>
+                                          </p:stCondLst>
+                                        </p:cTn>
+                                        <p:tgtEl>
+                                          <p:spTgt spid="63"/>
+                                        </p:tgtEl>
+                                        <p:attrNameLst>
+                                          <p:attrName>style.visibility</p:attrName>
+                                        </p:attrNameLst>
+                                      </p:cBhvr>
+                                      <p:to>
+                                        <p:strVal val="visible"/>
+                                      </p:to>
+                                    </p:set>
+                                    <p:animEffect transition="in" filter="wipe(down)">
+                                      <p:cBhvr>
+                                        <p:cTn id="122" dur="2000"/>
+                                        <p:tgtEl>
+                                          <p:spTgt spid="63"/>
+                                        </p:tgtEl>
+                                      </p:cBhvr>
+                                    </p:animEffect>
+                                  </p:childTnLst>
+                                </p:cTn>
+                              </p:par>
+                            </p:childTnLst>
+                          </p:cTn>
+                        </p:par>
+                      </p:childTnLst>
+                    </p:cTn>
+                  </p:par>
+                </p:childTnLst>
+              </p:cTn>
+              <p:prevCondLst>
+                <p:cond evt="onPrev" delay="0">
+                  <p:tgtEl>
+                    <p:sldTgt/>
+                  </p:tgtEl>
+                </p:cond>
+              </p:prevCondLst>
+              <p:nextCondLst>
+                <p:cond evt="onNext" delay="0">
+                  <p:tgtEl>
+                    <p:sldTgt/>
+                  </p:tgtEl>
+                </p:cond>
+              </p:nextCondLst>
+            </p:seq>
+          </p:childTnLst>
+        </p:cTn>
       </p:par>
     </p:tnLst>
+    <p:bldLst>
+      <p:bldP spid="19" grpId="0" animBg="1"/>
+      <p:bldP spid="20" grpId="0" animBg="1"/>
+      <p:bldP spid="21" grpId="0" animBg="1"/>
+      <p:bldP spid="22" grpId="0" animBg="1"/>
+    </p:bldLst>
   </p:timing>
 </p:sld>
 </file>

--- a/Presentation/Presentation2.pptx
+++ b/Presentation/Presentation2.pptx
@@ -289,7 +289,7 @@
           <a:p>
             <a:fld id="{5D447496-71A2-4A72-B081-F0E9D2648B3C}" type="datetimeFigureOut">
               <a:rPr lang="en-US" smtClean="0"/>
-              <a:t>4/18/2021</a:t>
+              <a:t>4/23/2021</a:t>
             </a:fld>
             <a:endParaRPr lang="en-US"/>
           </a:p>
@@ -459,7 +459,7 @@
           <a:p>
             <a:fld id="{5D447496-71A2-4A72-B081-F0E9D2648B3C}" type="datetimeFigureOut">
               <a:rPr lang="en-US" smtClean="0"/>
-              <a:t>4/18/2021</a:t>
+              <a:t>4/23/2021</a:t>
             </a:fld>
             <a:endParaRPr lang="en-US"/>
           </a:p>
@@ -639,7 +639,7 @@
           <a:p>
             <a:fld id="{5D447496-71A2-4A72-B081-F0E9D2648B3C}" type="datetimeFigureOut">
               <a:rPr lang="en-US" smtClean="0"/>
-              <a:t>4/18/2021</a:t>
+              <a:t>4/23/2021</a:t>
             </a:fld>
             <a:endParaRPr lang="en-US"/>
           </a:p>
@@ -809,7 +809,7 @@
           <a:p>
             <a:fld id="{5D447496-71A2-4A72-B081-F0E9D2648B3C}" type="datetimeFigureOut">
               <a:rPr lang="en-US" smtClean="0"/>
-              <a:t>4/18/2021</a:t>
+              <a:t>4/23/2021</a:t>
             </a:fld>
             <a:endParaRPr lang="en-US"/>
           </a:p>
@@ -1055,7 +1055,7 @@
           <a:p>
             <a:fld id="{5D447496-71A2-4A72-B081-F0E9D2648B3C}" type="datetimeFigureOut">
               <a:rPr lang="en-US" smtClean="0"/>
-              <a:t>4/18/2021</a:t>
+              <a:t>4/23/2021</a:t>
             </a:fld>
             <a:endParaRPr lang="en-US"/>
           </a:p>
@@ -1343,7 +1343,7 @@
           <a:p>
             <a:fld id="{5D447496-71A2-4A72-B081-F0E9D2648B3C}" type="datetimeFigureOut">
               <a:rPr lang="en-US" smtClean="0"/>
-              <a:t>4/18/2021</a:t>
+              <a:t>4/23/2021</a:t>
             </a:fld>
             <a:endParaRPr lang="en-US"/>
           </a:p>
@@ -1765,7 +1765,7 @@
           <a:p>
             <a:fld id="{5D447496-71A2-4A72-B081-F0E9D2648B3C}" type="datetimeFigureOut">
               <a:rPr lang="en-US" smtClean="0"/>
-              <a:t>4/18/2021</a:t>
+              <a:t>4/23/2021</a:t>
             </a:fld>
             <a:endParaRPr lang="en-US"/>
           </a:p>
@@ -1883,7 +1883,7 @@
           <a:p>
             <a:fld id="{5D447496-71A2-4A72-B081-F0E9D2648B3C}" type="datetimeFigureOut">
               <a:rPr lang="en-US" smtClean="0"/>
-              <a:t>4/18/2021</a:t>
+              <a:t>4/23/2021</a:t>
             </a:fld>
             <a:endParaRPr lang="en-US"/>
           </a:p>
@@ -1978,7 +1978,7 @@
           <a:p>
             <a:fld id="{5D447496-71A2-4A72-B081-F0E9D2648B3C}" type="datetimeFigureOut">
               <a:rPr lang="en-US" smtClean="0"/>
-              <a:t>4/18/2021</a:t>
+              <a:t>4/23/2021</a:t>
             </a:fld>
             <a:endParaRPr lang="en-US"/>
           </a:p>
@@ -2255,7 +2255,7 @@
           <a:p>
             <a:fld id="{5D447496-71A2-4A72-B081-F0E9D2648B3C}" type="datetimeFigureOut">
               <a:rPr lang="en-US" smtClean="0"/>
-              <a:t>4/18/2021</a:t>
+              <a:t>4/23/2021</a:t>
             </a:fld>
             <a:endParaRPr lang="en-US"/>
           </a:p>
@@ -2508,7 +2508,7 @@
           <a:p>
             <a:fld id="{5D447496-71A2-4A72-B081-F0E9D2648B3C}" type="datetimeFigureOut">
               <a:rPr lang="en-US" smtClean="0"/>
-              <a:t>4/18/2021</a:t>
+              <a:t>4/23/2021</a:t>
             </a:fld>
             <a:endParaRPr lang="en-US"/>
           </a:p>
@@ -2721,7 +2721,7 @@
           <a:p>
             <a:fld id="{5D447496-71A2-4A72-B081-F0E9D2648B3C}" type="datetimeFigureOut">
               <a:rPr lang="en-US" smtClean="0"/>
-              <a:t>4/18/2021</a:t>
+              <a:t>4/23/2021</a:t>
             </a:fld>
             <a:endParaRPr lang="en-US"/>
           </a:p>
@@ -3126,6 +3126,36 @@
           </a:prstGeom>
         </p:spPr>
       </p:pic>
+      <p:sp>
+        <p:nvSpPr>
+          <p:cNvPr id="3" name="TextBox 2"/>
+          <p:cNvSpPr txBox="1"/>
+          <p:nvPr/>
+        </p:nvSpPr>
+        <p:spPr>
+          <a:xfrm>
+            <a:off x="457200" y="609600"/>
+            <a:ext cx="4572000" cy="461665"/>
+          </a:xfrm>
+          <a:prstGeom prst="rect">
+            <a:avLst/>
+          </a:prstGeom>
+          <a:noFill/>
+        </p:spPr>
+        <p:txBody>
+          <a:bodyPr wrap="square" rtlCol="0">
+            <a:spAutoFit/>
+          </a:bodyPr>
+          <a:lstStyle/>
+          <a:p>
+            <a:r>
+              <a:rPr lang="en-US" sz="2400" dirty="0" smtClean="0"/>
+              <a:t>What Sales Process includes??</a:t>
+            </a:r>
+            <a:endParaRPr lang="en-US" sz="2400" dirty="0"/>
+          </a:p>
+        </p:txBody>
+      </p:sp>
     </p:spTree>
     <p:extLst>
       <p:ext uri="{BB962C8B-B14F-4D97-AF65-F5344CB8AC3E}">
@@ -3184,95 +3214,8 @@
         </p:blipFill>
         <p:spPr>
           <a:xfrm>
-            <a:off x="2127504" y="4876800"/>
+            <a:off x="770251" y="4648200"/>
             <a:ext cx="1682496" cy="1905000"/>
-          </a:xfrm>
-          <a:prstGeom prst="rect">
-            <a:avLst/>
-          </a:prstGeom>
-        </p:spPr>
-      </p:pic>
-      <p:pic>
-        <p:nvPicPr>
-          <p:cNvPr id="9" name="Picture 8"/>
-          <p:cNvPicPr>
-            <a:picLocks noChangeAspect="1"/>
-          </p:cNvPicPr>
-          <p:nvPr/>
-        </p:nvPicPr>
-        <p:blipFill rotWithShape="1">
-          <a:blip r:embed="rId3" cstate="print">
-            <a:extLst>
-              <a:ext uri="{28A0092B-C50C-407E-A947-70E740481C1C}">
-                <a14:useLocalDpi xmlns:a14="http://schemas.microsoft.com/office/drawing/2010/main" val="0"/>
-              </a:ext>
-            </a:extLst>
-          </a:blip>
-          <a:srcRect l="6250" r="68375"/>
-          <a:stretch/>
-        </p:blipFill>
-        <p:spPr>
-          <a:xfrm>
-            <a:off x="6772656" y="381000"/>
-            <a:ext cx="618744" cy="1716024"/>
-          </a:xfrm>
-          <a:prstGeom prst="rect">
-            <a:avLst/>
-          </a:prstGeom>
-        </p:spPr>
-      </p:pic>
-      <p:pic>
-        <p:nvPicPr>
-          <p:cNvPr id="10" name="Picture 9"/>
-          <p:cNvPicPr>
-            <a:picLocks noChangeAspect="1"/>
-          </p:cNvPicPr>
-          <p:nvPr/>
-        </p:nvPicPr>
-        <p:blipFill rotWithShape="1">
-          <a:blip r:embed="rId4" cstate="print">
-            <a:extLst>
-              <a:ext uri="{28A0092B-C50C-407E-A947-70E740481C1C}">
-                <a14:useLocalDpi xmlns:a14="http://schemas.microsoft.com/office/drawing/2010/main" val="0"/>
-              </a:ext>
-            </a:extLst>
-          </a:blip>
-          <a:srcRect l="49808" t="4000" r="10448" b="7734"/>
-          <a:stretch/>
-        </p:blipFill>
-        <p:spPr>
-          <a:xfrm>
-            <a:off x="7868033" y="5197797"/>
-            <a:ext cx="495300" cy="1584003"/>
-          </a:xfrm>
-          <a:prstGeom prst="rect">
-            <a:avLst/>
-          </a:prstGeom>
-        </p:spPr>
-      </p:pic>
-      <p:pic>
-        <p:nvPicPr>
-          <p:cNvPr id="11" name="Picture 10"/>
-          <p:cNvPicPr>
-            <a:picLocks noChangeAspect="1"/>
-          </p:cNvPicPr>
-          <p:nvPr/>
-        </p:nvPicPr>
-        <p:blipFill rotWithShape="1">
-          <a:blip r:embed="rId2">
-            <a:extLst>
-              <a:ext uri="{28A0092B-C50C-407E-A947-70E740481C1C}">
-                <a14:useLocalDpi xmlns:a14="http://schemas.microsoft.com/office/drawing/2010/main" val="0"/>
-              </a:ext>
-            </a:extLst>
-          </a:blip>
-          <a:srcRect l="10526" r="63263" b="50000"/>
-          <a:stretch/>
-        </p:blipFill>
-        <p:spPr>
-          <a:xfrm>
-            <a:off x="4724400" y="5179510"/>
-            <a:ext cx="863057" cy="1646394"/>
           </a:xfrm>
           <a:prstGeom prst="rect">
             <a:avLst/>
@@ -3281,92 +3224,13 @@
       </p:pic>
       <p:grpSp>
         <p:nvGrpSpPr>
-          <p:cNvPr id="18" name="Group 17"/>
-          <p:cNvGrpSpPr/>
-          <p:nvPr/>
-        </p:nvGrpSpPr>
-        <p:grpSpPr>
-          <a:xfrm>
-            <a:off x="685801" y="76200"/>
-            <a:ext cx="1752599" cy="1412097"/>
-            <a:chOff x="457201" y="381000"/>
-            <a:chExt cx="1752599" cy="1412097"/>
-          </a:xfrm>
-        </p:grpSpPr>
-        <p:pic>
-          <p:nvPicPr>
-            <p:cNvPr id="4" name="Picture 3"/>
-            <p:cNvPicPr>
-              <a:picLocks noChangeAspect="1"/>
-            </p:cNvPicPr>
-            <p:nvPr/>
-          </p:nvPicPr>
-          <p:blipFill>
-            <a:blip r:embed="rId5" cstate="print">
-              <a:extLst>
-                <a:ext uri="{28A0092B-C50C-407E-A947-70E740481C1C}">
-                  <a14:useLocalDpi xmlns:a14="http://schemas.microsoft.com/office/drawing/2010/main" val="0"/>
-                </a:ext>
-              </a:extLst>
-            </a:blip>
-            <a:stretch>
-              <a:fillRect/>
-            </a:stretch>
-          </p:blipFill>
-          <p:spPr>
-            <a:xfrm>
-              <a:off x="457201" y="457200"/>
-              <a:ext cx="1752599" cy="1335897"/>
-            </a:xfrm>
-            <a:prstGeom prst="rect">
-              <a:avLst/>
-            </a:prstGeom>
-          </p:spPr>
-        </p:pic>
-        <p:sp>
-          <p:nvSpPr>
-            <p:cNvPr id="2" name="TextBox 1"/>
-            <p:cNvSpPr txBox="1"/>
-            <p:nvPr/>
-          </p:nvSpPr>
-          <p:spPr>
-            <a:xfrm>
-              <a:off x="762000" y="381000"/>
-              <a:ext cx="1070810" cy="276999"/>
-            </a:xfrm>
-            <a:prstGeom prst="rect">
-              <a:avLst/>
-            </a:prstGeom>
-            <a:noFill/>
-          </p:spPr>
-          <p:txBody>
-            <a:bodyPr wrap="square" rtlCol="0">
-              <a:spAutoFit/>
-            </a:bodyPr>
-            <a:lstStyle/>
-            <a:p>
-              <a:r>
-                <a:rPr lang="en-US" sz="1200" dirty="0" smtClean="0">
-                  <a:latin typeface="+mj-lt"/>
-                </a:rPr>
-                <a:t>ABC Company</a:t>
-              </a:r>
-              <a:endParaRPr lang="en-US" sz="1200" dirty="0">
-                <a:latin typeface="+mj-lt"/>
-              </a:endParaRPr>
-            </a:p>
-          </p:txBody>
-        </p:sp>
-      </p:grpSp>
-      <p:grpSp>
-        <p:nvGrpSpPr>
           <p:cNvPr id="64" name="Group 63"/>
           <p:cNvGrpSpPr/>
           <p:nvPr/>
         </p:nvGrpSpPr>
         <p:grpSpPr>
           <a:xfrm>
-            <a:off x="3762600" y="152400"/>
+            <a:off x="4371489" y="152400"/>
             <a:ext cx="1724511" cy="1322919"/>
             <a:chOff x="3762600" y="152400"/>
             <a:chExt cx="1724511" cy="1322919"/>
@@ -3381,7 +3245,7 @@
             <p:nvPr/>
           </p:nvPicPr>
           <p:blipFill>
-            <a:blip r:embed="rId6" cstate="print">
+            <a:blip r:embed="rId3" cstate="print">
               <a:extLst>
                 <a:ext uri="{28A0092B-C50C-407E-A947-70E740481C1C}">
                   <a14:useLocalDpi xmlns:a14="http://schemas.microsoft.com/office/drawing/2010/main" val="0"/>
@@ -3425,7 +3289,7 @@
             <a:p>
               <a:r>
                 <a:rPr lang="en-US" sz="1200" dirty="0" smtClean="0"/>
-                <a:t>XYZ </a:t>
+                <a:t>ABC </a:t>
               </a:r>
               <a:r>
                 <a:rPr lang="en-US" sz="1200" dirty="0"/>
@@ -3435,163 +3299,44 @@
           </p:txBody>
         </p:sp>
       </p:grpSp>
-      <p:grpSp>
-        <p:nvGrpSpPr>
-          <p:cNvPr id="15" name="Group 14"/>
-          <p:cNvGrpSpPr/>
+      <p:pic>
+        <p:nvPicPr>
+          <p:cNvPr id="6" name="Picture 5"/>
+          <p:cNvPicPr>
+            <a:picLocks noChangeAspect="1"/>
+          </p:cNvPicPr>
           <p:nvPr/>
-        </p:nvGrpSpPr>
-        <p:grpSpPr>
+        </p:nvPicPr>
+        <p:blipFill rotWithShape="1">
+          <a:blip r:embed="rId4" cstate="print">
+            <a:extLst>
+              <a:ext uri="{28A0092B-C50C-407E-A947-70E740481C1C}">
+                <a14:useLocalDpi xmlns:a14="http://schemas.microsoft.com/office/drawing/2010/main" val="0"/>
+              </a:ext>
+            </a:extLst>
+          </a:blip>
+          <a:srcRect l="5786" r="69789"/>
+          <a:stretch/>
+        </p:blipFill>
+        <p:spPr>
           <a:xfrm>
-            <a:off x="1066800" y="2057400"/>
-            <a:ext cx="914400" cy="1905000"/>
-            <a:chOff x="838200" y="1752600"/>
-            <a:chExt cx="914400" cy="2057400"/>
+            <a:off x="5114681" y="2054710"/>
+            <a:ext cx="752719" cy="1984382"/>
           </a:xfrm>
-        </p:grpSpPr>
-        <p:pic>
-          <p:nvPicPr>
-            <p:cNvPr id="6" name="Picture 5"/>
-            <p:cNvPicPr>
-              <a:picLocks noChangeAspect="1"/>
-            </p:cNvPicPr>
-            <p:nvPr/>
-          </p:nvPicPr>
-          <p:blipFill rotWithShape="1">
-            <a:blip r:embed="rId3" cstate="print">
-              <a:extLst>
-                <a:ext uri="{28A0092B-C50C-407E-A947-70E740481C1C}">
-                  <a14:useLocalDpi xmlns:a14="http://schemas.microsoft.com/office/drawing/2010/main" val="0"/>
-                </a:ext>
-              </a:extLst>
-            </a:blip>
-            <a:srcRect l="5786" r="69789"/>
-            <a:stretch/>
-          </p:blipFill>
-          <p:spPr>
-            <a:xfrm>
-              <a:off x="838200" y="1752600"/>
-              <a:ext cx="685800" cy="1976027"/>
-            </a:xfrm>
-            <a:prstGeom prst="rect">
-              <a:avLst/>
-            </a:prstGeom>
-          </p:spPr>
-        </p:pic>
-        <p:sp>
-          <p:nvSpPr>
-            <p:cNvPr id="13" name="TextBox 12"/>
-            <p:cNvSpPr txBox="1"/>
-            <p:nvPr/>
-          </p:nvSpPr>
-          <p:spPr>
-            <a:xfrm>
-              <a:off x="838200" y="3533001"/>
-              <a:ext cx="914400" cy="276999"/>
-            </a:xfrm>
-            <a:prstGeom prst="rect">
-              <a:avLst/>
-            </a:prstGeom>
-            <a:noFill/>
-          </p:spPr>
-          <p:txBody>
-            <a:bodyPr wrap="square" rtlCol="0">
-              <a:spAutoFit/>
-            </a:bodyPr>
-            <a:lstStyle/>
-            <a:p>
-              <a:r>
-                <a:rPr lang="en-US" sz="1200" dirty="0" smtClean="0"/>
-                <a:t>Customer</a:t>
-              </a:r>
-              <a:endParaRPr lang="en-US" sz="1200" dirty="0"/>
-            </a:p>
-          </p:txBody>
-        </p:sp>
-      </p:grpSp>
-      <p:grpSp>
-        <p:nvGrpSpPr>
-          <p:cNvPr id="16" name="Group 15"/>
-          <p:cNvGrpSpPr/>
-          <p:nvPr/>
-        </p:nvGrpSpPr>
-        <p:grpSpPr>
-          <a:xfrm>
-            <a:off x="4114800" y="2057400"/>
-            <a:ext cx="1156311" cy="1828800"/>
-            <a:chOff x="3996489" y="1788101"/>
-            <a:chExt cx="1108911" cy="2021899"/>
-          </a:xfrm>
-        </p:grpSpPr>
-        <p:pic>
-          <p:nvPicPr>
-            <p:cNvPr id="7" name="Picture 6"/>
-            <p:cNvPicPr>
-              <a:picLocks noChangeAspect="1"/>
-            </p:cNvPicPr>
-            <p:nvPr/>
-          </p:nvPicPr>
-          <p:blipFill rotWithShape="1">
-            <a:blip r:embed="rId2">
-              <a:extLst>
-                <a:ext uri="{28A0092B-C50C-407E-A947-70E740481C1C}">
-                  <a14:useLocalDpi xmlns:a14="http://schemas.microsoft.com/office/drawing/2010/main" val="0"/>
-                </a:ext>
-              </a:extLst>
-            </a:blip>
-            <a:srcRect l="10526" r="63263" b="50000"/>
-            <a:stretch/>
-          </p:blipFill>
-          <p:spPr>
-            <a:xfrm>
-              <a:off x="3996489" y="1788101"/>
-              <a:ext cx="998621" cy="1905000"/>
-            </a:xfrm>
-            <a:prstGeom prst="rect">
-              <a:avLst/>
-            </a:prstGeom>
-          </p:spPr>
-        </p:pic>
-        <p:sp>
-          <p:nvSpPr>
-            <p:cNvPr id="14" name="TextBox 13"/>
-            <p:cNvSpPr txBox="1"/>
-            <p:nvPr/>
-          </p:nvSpPr>
-          <p:spPr>
-            <a:xfrm>
-              <a:off x="4067400" y="3533001"/>
-              <a:ext cx="1038000" cy="276999"/>
-            </a:xfrm>
-            <a:prstGeom prst="rect">
-              <a:avLst/>
-            </a:prstGeom>
-            <a:noFill/>
-          </p:spPr>
-          <p:txBody>
-            <a:bodyPr wrap="square" rtlCol="0">
-              <a:spAutoFit/>
-            </a:bodyPr>
-            <a:lstStyle/>
-            <a:p>
-              <a:r>
-                <a:rPr lang="en-US" sz="1200" dirty="0" smtClean="0"/>
-                <a:t>Salesman</a:t>
-              </a:r>
-              <a:endParaRPr lang="en-US" sz="1200" dirty="0"/>
-            </a:p>
-          </p:txBody>
-        </p:sp>
-      </p:grpSp>
+          <a:prstGeom prst="rect">
+            <a:avLst/>
+          </a:prstGeom>
+        </p:spPr>
+      </p:pic>
       <p:sp>
         <p:nvSpPr>
-          <p:cNvPr id="19" name="Down Arrow 18"/>
+          <p:cNvPr id="20" name="Down Arrow 19"/>
           <p:cNvSpPr/>
           <p:nvPr/>
         </p:nvSpPr>
         <p:spPr>
           <a:xfrm>
-            <a:off x="1293395" y="1527222"/>
+            <a:off x="5027195" y="1511895"/>
             <a:ext cx="306805" cy="533400"/>
           </a:xfrm>
           <a:prstGeom prst="downArrow">
@@ -3625,14 +3370,14 @@
       </p:sp>
       <p:sp>
         <p:nvSpPr>
-          <p:cNvPr id="20" name="Down Arrow 19"/>
+          <p:cNvPr id="21" name="Down Arrow 20"/>
           <p:cNvSpPr/>
           <p:nvPr/>
         </p:nvSpPr>
         <p:spPr>
           <a:xfrm>
-            <a:off x="4417595" y="1511895"/>
-            <a:ext cx="306805" cy="533400"/>
+            <a:off x="1692032" y="4114800"/>
+            <a:ext cx="314612" cy="457200"/>
           </a:xfrm>
           <a:prstGeom prst="downArrow">
             <a:avLst/>
@@ -3663,112 +3408,6 @@
           </a:p>
         </p:txBody>
       </p:sp>
-      <p:sp>
-        <p:nvSpPr>
-          <p:cNvPr id="21" name="Down Arrow 20"/>
-          <p:cNvSpPr/>
-          <p:nvPr/>
-        </p:nvSpPr>
-        <p:spPr>
-          <a:xfrm>
-            <a:off x="2623847" y="4002764"/>
-            <a:ext cx="344905" cy="645435"/>
-          </a:xfrm>
-          <a:prstGeom prst="downArrow">
-            <a:avLst/>
-          </a:prstGeom>
-        </p:spPr>
-        <p:style>
-          <a:lnRef idx="2">
-            <a:schemeClr val="accent1">
-              <a:shade val="50000"/>
-            </a:schemeClr>
-          </a:lnRef>
-          <a:fillRef idx="1">
-            <a:schemeClr val="accent1"/>
-          </a:fillRef>
-          <a:effectRef idx="0">
-            <a:schemeClr val="accent1"/>
-          </a:effectRef>
-          <a:fontRef idx="minor">
-            <a:schemeClr val="lt1"/>
-          </a:fontRef>
-        </p:style>
-        <p:txBody>
-          <a:bodyPr rtlCol="0" anchor="ctr"/>
-          <a:lstStyle/>
-          <a:p>
-            <a:pPr algn="ctr"/>
-            <a:endParaRPr lang="en-US"/>
-          </a:p>
-        </p:txBody>
-      </p:sp>
-      <p:sp>
-        <p:nvSpPr>
-          <p:cNvPr id="22" name="Down Arrow 21"/>
-          <p:cNvSpPr/>
-          <p:nvPr/>
-        </p:nvSpPr>
-        <p:spPr>
-          <a:xfrm rot="16200000">
-            <a:off x="5828297" y="861583"/>
-            <a:ext cx="306805" cy="533400"/>
-          </a:xfrm>
-          <a:prstGeom prst="downArrow">
-            <a:avLst/>
-          </a:prstGeom>
-        </p:spPr>
-        <p:style>
-          <a:lnRef idx="2">
-            <a:schemeClr val="accent1">
-              <a:shade val="50000"/>
-            </a:schemeClr>
-          </a:lnRef>
-          <a:fillRef idx="1">
-            <a:schemeClr val="accent1"/>
-          </a:fillRef>
-          <a:effectRef idx="0">
-            <a:schemeClr val="accent1"/>
-          </a:effectRef>
-          <a:fontRef idx="minor">
-            <a:schemeClr val="lt1"/>
-          </a:fontRef>
-        </p:style>
-        <p:txBody>
-          <a:bodyPr rtlCol="0" anchor="ctr"/>
-          <a:lstStyle/>
-          <a:p>
-            <a:pPr algn="ctr"/>
-            <a:endParaRPr lang="en-US"/>
-          </a:p>
-        </p:txBody>
-      </p:sp>
-      <p:sp>
-        <p:nvSpPr>
-          <p:cNvPr id="23" name="TextBox 22"/>
-          <p:cNvSpPr txBox="1"/>
-          <p:nvPr/>
-        </p:nvSpPr>
-        <p:spPr>
-          <a:xfrm>
-            <a:off x="1143000" y="4267200"/>
-            <a:ext cx="1066800" cy="380999"/>
-          </a:xfrm>
-          <a:prstGeom prst="rect">
-            <a:avLst/>
-          </a:prstGeom>
-          <a:noFill/>
-        </p:spPr>
-        <p:txBody>
-          <a:bodyPr wrap="square" rtlCol="0">
-            <a:spAutoFit/>
-          </a:bodyPr>
-          <a:lstStyle/>
-          <a:p>
-            <a:endParaRPr lang="en-US" dirty="0"/>
-          </a:p>
-        </p:txBody>
-      </p:sp>
       <p:grpSp>
         <p:nvGrpSpPr>
           <p:cNvPr id="28" name="Group 27"/>
@@ -3777,10 +3416,10 @@
         </p:nvGrpSpPr>
         <p:grpSpPr>
           <a:xfrm>
-            <a:off x="2026921" y="2057400"/>
-            <a:ext cx="1935479" cy="684748"/>
-            <a:chOff x="1721639" y="2209800"/>
-            <a:chExt cx="1935479" cy="684748"/>
+            <a:off x="2712720" y="2134652"/>
+            <a:ext cx="2069137" cy="684748"/>
+            <a:chOff x="1721638" y="2209800"/>
+            <a:chExt cx="2069137" cy="684748"/>
           </a:xfrm>
         </p:grpSpPr>
         <p:sp>
@@ -3790,9 +3429,9 @@
             <p:nvPr/>
           </p:nvSpPr>
           <p:spPr>
-            <a:xfrm rot="10800000">
-              <a:off x="1721639" y="2550123"/>
-              <a:ext cx="1905000" cy="344425"/>
+            <a:xfrm>
+              <a:off x="1721638" y="2550123"/>
+              <a:ext cx="2069137" cy="344425"/>
             </a:xfrm>
             <a:prstGeom prst="notchedRightArrow">
               <a:avLst/>
@@ -3800,15 +3439,15 @@
           </p:spPr>
           <p:style>
             <a:lnRef idx="2">
-              <a:schemeClr val="accent1">
+              <a:schemeClr val="accent2">
                 <a:shade val="50000"/>
               </a:schemeClr>
             </a:lnRef>
             <a:fillRef idx="1">
-              <a:schemeClr val="accent1"/>
+              <a:schemeClr val="accent2"/>
             </a:fillRef>
             <a:effectRef idx="0">
-              <a:schemeClr val="accent1"/>
+              <a:schemeClr val="accent2"/>
             </a:effectRef>
             <a:fontRef idx="minor">
               <a:schemeClr val="lt1"/>
@@ -3819,7 +3458,13 @@
             <a:lstStyle/>
             <a:p>
               <a:pPr algn="ctr"/>
-              <a:endParaRPr lang="en-US"/>
+              <a:endParaRPr lang="en-US">
+                <a:solidFill>
+                  <a:schemeClr val="accent2">
+                    <a:lumMod val="75000"/>
+                  </a:schemeClr>
+                </a:solidFill>
+              </a:endParaRPr>
             </a:p>
           </p:txBody>
         </p:sp>
@@ -3862,10 +3507,10 @@
         </p:nvGrpSpPr>
         <p:grpSpPr>
           <a:xfrm>
-            <a:off x="1935480" y="2918932"/>
-            <a:ext cx="2179320" cy="716723"/>
-            <a:chOff x="1658112" y="2918932"/>
-            <a:chExt cx="2179320" cy="716723"/>
+            <a:off x="2697479" y="3020058"/>
+            <a:ext cx="2179321" cy="713741"/>
+            <a:chOff x="1810511" y="2921913"/>
+            <a:chExt cx="2179321" cy="713741"/>
           </a:xfrm>
         </p:grpSpPr>
         <p:sp>
@@ -3875,11 +3520,1246 @@
             <p:nvPr/>
           </p:nvSpPr>
           <p:spPr>
-            <a:xfrm>
-              <a:off x="1832810" y="3291230"/>
-              <a:ext cx="1905000" cy="344425"/>
+            <a:xfrm rot="10800000">
+              <a:off x="1832810" y="3291229"/>
+              <a:ext cx="2062080" cy="344425"/>
             </a:xfrm>
             <a:prstGeom prst="notchedRightArrow">
+              <a:avLst/>
+            </a:prstGeom>
+          </p:spPr>
+          <p:style>
+            <a:lnRef idx="2">
+              <a:schemeClr val="accent4">
+                <a:shade val="50000"/>
+              </a:schemeClr>
+            </a:lnRef>
+            <a:fillRef idx="1">
+              <a:schemeClr val="accent4"/>
+            </a:fillRef>
+            <a:effectRef idx="0">
+              <a:schemeClr val="accent4"/>
+            </a:effectRef>
+            <a:fontRef idx="minor">
+              <a:schemeClr val="lt1"/>
+            </a:fontRef>
+          </p:style>
+          <p:txBody>
+            <a:bodyPr rtlCol="0" anchor="ctr"/>
+            <a:lstStyle/>
+            <a:p>
+              <a:pPr algn="ctr"/>
+              <a:endParaRPr lang="en-US"/>
+            </a:p>
+          </p:txBody>
+        </p:sp>
+        <p:sp>
+          <p:nvSpPr>
+            <p:cNvPr id="27" name="TextBox 26"/>
+            <p:cNvSpPr txBox="1"/>
+            <p:nvPr/>
+          </p:nvSpPr>
+          <p:spPr>
+            <a:xfrm>
+              <a:off x="1810511" y="2921913"/>
+              <a:ext cx="2179321" cy="430887"/>
+            </a:xfrm>
+            <a:prstGeom prst="rect">
+              <a:avLst/>
+            </a:prstGeom>
+            <a:noFill/>
+          </p:spPr>
+          <p:txBody>
+            <a:bodyPr wrap="square" rtlCol="0">
+              <a:spAutoFit/>
+            </a:bodyPr>
+            <a:lstStyle/>
+            <a:p>
+              <a:r>
+                <a:rPr lang="en-US" sz="1100" dirty="0" smtClean="0"/>
+                <a:t>Finalize the product price and accepts the quotation and give PO</a:t>
+              </a:r>
+              <a:endParaRPr lang="en-US" sz="1100" dirty="0"/>
+            </a:p>
+          </p:txBody>
+        </p:sp>
+      </p:grpSp>
+      <p:grpSp>
+        <p:nvGrpSpPr>
+          <p:cNvPr id="52" name="Group 51"/>
+          <p:cNvGrpSpPr/>
+          <p:nvPr/>
+        </p:nvGrpSpPr>
+        <p:grpSpPr>
+          <a:xfrm>
+            <a:off x="-38099" y="2237681"/>
+            <a:ext cx="876299" cy="1724719"/>
+            <a:chOff x="266701" y="1981199"/>
+            <a:chExt cx="876299" cy="1724719"/>
+          </a:xfrm>
+        </p:grpSpPr>
+        <p:sp>
+          <p:nvSpPr>
+            <p:cNvPr id="32" name="Left Brace 31"/>
+            <p:cNvSpPr/>
+            <p:nvPr/>
+          </p:nvSpPr>
+          <p:spPr>
+            <a:xfrm>
+              <a:off x="762000" y="1981199"/>
+              <a:ext cx="381000" cy="1724719"/>
+            </a:xfrm>
+            <a:prstGeom prst="leftBrace">
+              <a:avLst/>
+            </a:prstGeom>
+          </p:spPr>
+          <p:style>
+            <a:lnRef idx="2">
+              <a:schemeClr val="accent1"/>
+            </a:lnRef>
+            <a:fillRef idx="0">
+              <a:schemeClr val="accent1"/>
+            </a:fillRef>
+            <a:effectRef idx="1">
+              <a:schemeClr val="accent1"/>
+            </a:effectRef>
+            <a:fontRef idx="minor">
+              <a:schemeClr val="tx1"/>
+            </a:fontRef>
+          </p:style>
+          <p:txBody>
+            <a:bodyPr rtlCol="0" anchor="ctr"/>
+            <a:lstStyle/>
+            <a:p>
+              <a:pPr algn="ctr"/>
+              <a:endParaRPr lang="en-US"/>
+            </a:p>
+          </p:txBody>
+        </p:sp>
+        <p:sp>
+          <p:nvSpPr>
+            <p:cNvPr id="34" name="TextBox 33"/>
+            <p:cNvSpPr txBox="1"/>
+            <p:nvPr/>
+          </p:nvSpPr>
+          <p:spPr>
+            <a:xfrm>
+              <a:off x="266701" y="2687181"/>
+              <a:ext cx="876299" cy="461665"/>
+            </a:xfrm>
+            <a:prstGeom prst="rect">
+              <a:avLst/>
+            </a:prstGeom>
+            <a:noFill/>
+          </p:spPr>
+          <p:txBody>
+            <a:bodyPr wrap="square" rtlCol="0">
+              <a:spAutoFit/>
+            </a:bodyPr>
+            <a:lstStyle/>
+            <a:p>
+              <a:r>
+                <a:rPr lang="en-US" sz="1200" b="1" dirty="0" smtClean="0"/>
+                <a:t>Lead/</a:t>
+              </a:r>
+            </a:p>
+            <a:p>
+              <a:r>
+                <a:rPr lang="en-US" sz="1200" b="1" dirty="0" smtClean="0"/>
+                <a:t>Contact</a:t>
+              </a:r>
+              <a:endParaRPr lang="en-US" sz="1200" b="1" dirty="0"/>
+            </a:p>
+          </p:txBody>
+        </p:sp>
+      </p:grpSp>
+      <p:grpSp>
+        <p:nvGrpSpPr>
+          <p:cNvPr id="79" name="Group 78"/>
+          <p:cNvGrpSpPr/>
+          <p:nvPr/>
+        </p:nvGrpSpPr>
+        <p:grpSpPr>
+          <a:xfrm>
+            <a:off x="1663089" y="1685158"/>
+            <a:ext cx="1156311" cy="2353442"/>
+            <a:chOff x="1067116" y="1527221"/>
+            <a:chExt cx="1156311" cy="2353442"/>
+          </a:xfrm>
+        </p:grpSpPr>
+        <p:sp>
+          <p:nvSpPr>
+            <p:cNvPr id="19" name="Down Arrow 18"/>
+            <p:cNvSpPr/>
+            <p:nvPr/>
+          </p:nvSpPr>
+          <p:spPr>
+            <a:xfrm>
+              <a:off x="1293395" y="1527221"/>
+              <a:ext cx="306805" cy="530179"/>
+            </a:xfrm>
+            <a:prstGeom prst="downArrow">
+              <a:avLst/>
+            </a:prstGeom>
+          </p:spPr>
+          <p:style>
+            <a:lnRef idx="2">
+              <a:schemeClr val="accent1">
+                <a:shade val="50000"/>
+              </a:schemeClr>
+            </a:lnRef>
+            <a:fillRef idx="1">
+              <a:schemeClr val="accent1"/>
+            </a:fillRef>
+            <a:effectRef idx="0">
+              <a:schemeClr val="accent1"/>
+            </a:effectRef>
+            <a:fontRef idx="minor">
+              <a:schemeClr val="lt1"/>
+            </a:fontRef>
+          </p:style>
+          <p:txBody>
+            <a:bodyPr rtlCol="0" anchor="ctr"/>
+            <a:lstStyle/>
+            <a:p>
+              <a:pPr algn="ctr"/>
+              <a:endParaRPr lang="en-US"/>
+            </a:p>
+          </p:txBody>
+        </p:sp>
+        <p:grpSp>
+          <p:nvGrpSpPr>
+            <p:cNvPr id="57" name="Group 56"/>
+            <p:cNvGrpSpPr/>
+            <p:nvPr/>
+          </p:nvGrpSpPr>
+          <p:grpSpPr>
+            <a:xfrm>
+              <a:off x="1067116" y="2097023"/>
+              <a:ext cx="1156311" cy="1783640"/>
+              <a:chOff x="3996489" y="1838029"/>
+              <a:chExt cx="1108911" cy="1971971"/>
+            </a:xfrm>
+          </p:grpSpPr>
+          <p:pic>
+            <p:nvPicPr>
+              <p:cNvPr id="58" name="Picture 57"/>
+              <p:cNvPicPr>
+                <a:picLocks noChangeAspect="1"/>
+              </p:cNvPicPr>
+              <p:nvPr/>
+            </p:nvPicPr>
+            <p:blipFill rotWithShape="1">
+              <a:blip r:embed="rId2">
+                <a:extLst>
+                  <a:ext uri="{28A0092B-C50C-407E-A947-70E740481C1C}">
+                    <a14:useLocalDpi xmlns:a14="http://schemas.microsoft.com/office/drawing/2010/main" val="0"/>
+                  </a:ext>
+                </a:extLst>
+              </a:blip>
+              <a:srcRect l="10526" t="1310" r="65314" b="50000"/>
+              <a:stretch/>
+            </p:blipFill>
+            <p:spPr>
+              <a:xfrm>
+                <a:off x="3996489" y="1838029"/>
+                <a:ext cx="920460" cy="1855071"/>
+              </a:xfrm>
+              <a:prstGeom prst="rect">
+                <a:avLst/>
+              </a:prstGeom>
+            </p:spPr>
+          </p:pic>
+          <p:sp>
+            <p:nvSpPr>
+              <p:cNvPr id="59" name="TextBox 58"/>
+              <p:cNvSpPr txBox="1"/>
+              <p:nvPr/>
+            </p:nvSpPr>
+            <p:spPr>
+              <a:xfrm>
+                <a:off x="4067400" y="3533001"/>
+                <a:ext cx="1038000" cy="276999"/>
+              </a:xfrm>
+              <a:prstGeom prst="rect">
+                <a:avLst/>
+              </a:prstGeom>
+              <a:noFill/>
+            </p:spPr>
+            <p:txBody>
+              <a:bodyPr wrap="square" rtlCol="0">
+                <a:spAutoFit/>
+              </a:bodyPr>
+              <a:lstStyle/>
+              <a:p>
+                <a:r>
+                  <a:rPr lang="en-US" sz="1200" dirty="0" smtClean="0"/>
+                  <a:t>Salesman</a:t>
+                </a:r>
+                <a:endParaRPr lang="en-US" sz="1200" dirty="0"/>
+              </a:p>
+            </p:txBody>
+          </p:sp>
+        </p:grpSp>
+      </p:grpSp>
+      <p:grpSp>
+        <p:nvGrpSpPr>
+          <p:cNvPr id="47" name="Group 46"/>
+          <p:cNvGrpSpPr/>
+          <p:nvPr/>
+        </p:nvGrpSpPr>
+        <p:grpSpPr>
+          <a:xfrm>
+            <a:off x="1495482" y="104001"/>
+            <a:ext cx="1704918" cy="1357183"/>
+            <a:chOff x="880829" y="104001"/>
+            <a:chExt cx="1704918" cy="1357183"/>
+          </a:xfrm>
+        </p:grpSpPr>
+        <p:pic>
+          <p:nvPicPr>
+            <p:cNvPr id="30" name="Picture 29"/>
+            <p:cNvPicPr>
+              <a:picLocks noChangeAspect="1"/>
+            </p:cNvPicPr>
+            <p:nvPr/>
+          </p:nvPicPr>
+          <p:blipFill>
+            <a:blip r:embed="rId5" cstate="print">
+              <a:extLst>
+                <a:ext uri="{28A0092B-C50C-407E-A947-70E740481C1C}">
+                  <a14:useLocalDpi xmlns:a14="http://schemas.microsoft.com/office/drawing/2010/main" val="0"/>
+                </a:ext>
+              </a:extLst>
+            </a:blip>
+            <a:stretch>
+              <a:fillRect/>
+            </a:stretch>
+          </p:blipFill>
+          <p:spPr>
+            <a:xfrm>
+              <a:off x="880829" y="233590"/>
+              <a:ext cx="1227594" cy="1227594"/>
+            </a:xfrm>
+            <a:prstGeom prst="rect">
+              <a:avLst/>
+            </a:prstGeom>
+          </p:spPr>
+        </p:pic>
+        <p:sp>
+          <p:nvSpPr>
+            <p:cNvPr id="41" name="TextBox 40"/>
+            <p:cNvSpPr txBox="1"/>
+            <p:nvPr/>
+          </p:nvSpPr>
+          <p:spPr>
+            <a:xfrm>
+              <a:off x="914400" y="104001"/>
+              <a:ext cx="1671347" cy="276999"/>
+            </a:xfrm>
+            <a:prstGeom prst="rect">
+              <a:avLst/>
+            </a:prstGeom>
+            <a:noFill/>
+          </p:spPr>
+          <p:txBody>
+            <a:bodyPr wrap="square" rtlCol="0">
+              <a:spAutoFit/>
+            </a:bodyPr>
+            <a:lstStyle/>
+            <a:p>
+              <a:r>
+                <a:rPr lang="en-US" sz="1200" dirty="0" smtClean="0"/>
+                <a:t>XYZ Company</a:t>
+              </a:r>
+              <a:endParaRPr lang="en-US" sz="1200" dirty="0"/>
+            </a:p>
+          </p:txBody>
+        </p:sp>
+      </p:grpSp>
+      <p:grpSp>
+        <p:nvGrpSpPr>
+          <p:cNvPr id="81" name="Group 80"/>
+          <p:cNvGrpSpPr/>
+          <p:nvPr/>
+        </p:nvGrpSpPr>
+        <p:grpSpPr>
+          <a:xfrm>
+            <a:off x="632458" y="2200890"/>
+            <a:ext cx="1196342" cy="1075710"/>
+            <a:chOff x="-205742" y="2097024"/>
+            <a:chExt cx="1196342" cy="1075710"/>
+          </a:xfrm>
+        </p:grpSpPr>
+        <p:sp>
+          <p:nvSpPr>
+            <p:cNvPr id="33" name="TextBox 32"/>
+            <p:cNvSpPr txBox="1"/>
+            <p:nvPr/>
+          </p:nvSpPr>
+          <p:spPr>
+            <a:xfrm>
+              <a:off x="-205742" y="2466201"/>
+              <a:ext cx="1120142" cy="276999"/>
+            </a:xfrm>
+            <a:prstGeom prst="rect">
+              <a:avLst/>
+            </a:prstGeom>
+            <a:noFill/>
+          </p:spPr>
+          <p:txBody>
+            <a:bodyPr wrap="square" rtlCol="0">
+              <a:spAutoFit/>
+            </a:bodyPr>
+            <a:lstStyle/>
+            <a:p>
+              <a:r>
+                <a:rPr lang="en-US" sz="1200" b="1" dirty="0"/>
+                <a:t>O</a:t>
+              </a:r>
+              <a:r>
+                <a:rPr lang="en-US" sz="1200" b="1" dirty="0" smtClean="0"/>
+                <a:t>pportunity</a:t>
+              </a:r>
+              <a:endParaRPr lang="en-US" sz="1200" b="1" dirty="0"/>
+            </a:p>
+          </p:txBody>
+        </p:sp>
+        <p:sp>
+          <p:nvSpPr>
+            <p:cNvPr id="80" name="Left Brace 79"/>
+            <p:cNvSpPr/>
+            <p:nvPr/>
+          </p:nvSpPr>
+          <p:spPr>
+            <a:xfrm>
+              <a:off x="685800" y="2097024"/>
+              <a:ext cx="304800" cy="1075710"/>
+            </a:xfrm>
+            <a:prstGeom prst="leftBrace">
+              <a:avLst/>
+            </a:prstGeom>
+          </p:spPr>
+          <p:style>
+            <a:lnRef idx="2">
+              <a:schemeClr val="accent2"/>
+            </a:lnRef>
+            <a:fillRef idx="0">
+              <a:schemeClr val="accent2"/>
+            </a:fillRef>
+            <a:effectRef idx="1">
+              <a:schemeClr val="accent2"/>
+            </a:effectRef>
+            <a:fontRef idx="minor">
+              <a:schemeClr val="tx1"/>
+            </a:fontRef>
+          </p:style>
+          <p:txBody>
+            <a:bodyPr rtlCol="0" anchor="ctr"/>
+            <a:lstStyle/>
+            <a:p>
+              <a:pPr algn="ctr"/>
+              <a:endParaRPr lang="en-US"/>
+            </a:p>
+          </p:txBody>
+        </p:sp>
+      </p:grpSp>
+      <p:grpSp>
+        <p:nvGrpSpPr>
+          <p:cNvPr id="85" name="Group 84"/>
+          <p:cNvGrpSpPr/>
+          <p:nvPr/>
+        </p:nvGrpSpPr>
+        <p:grpSpPr>
+          <a:xfrm>
+            <a:off x="5970921" y="1776687"/>
+            <a:ext cx="2334879" cy="1042713"/>
+            <a:chOff x="4904121" y="1527222"/>
+            <a:chExt cx="2334879" cy="1042713"/>
+          </a:xfrm>
+        </p:grpSpPr>
+        <p:grpSp>
+          <p:nvGrpSpPr>
+            <p:cNvPr id="76" name="Group 75"/>
+            <p:cNvGrpSpPr/>
+            <p:nvPr/>
+          </p:nvGrpSpPr>
+          <p:grpSpPr>
+            <a:xfrm>
+              <a:off x="4904121" y="1527222"/>
+              <a:ext cx="2334879" cy="1042713"/>
+              <a:chOff x="4164893" y="1527222"/>
+              <a:chExt cx="2334879" cy="1042713"/>
+            </a:xfrm>
+          </p:grpSpPr>
+          <p:pic>
+            <p:nvPicPr>
+              <p:cNvPr id="48" name="Picture 47"/>
+              <p:cNvPicPr>
+                <a:picLocks noChangeAspect="1"/>
+              </p:cNvPicPr>
+              <p:nvPr/>
+            </p:nvPicPr>
+            <p:blipFill>
+              <a:blip r:embed="rId6" cstate="print">
+                <a:extLst>
+                  <a:ext uri="{28A0092B-C50C-407E-A947-70E740481C1C}">
+                    <a14:useLocalDpi xmlns:a14="http://schemas.microsoft.com/office/drawing/2010/main" val="0"/>
+                  </a:ext>
+                </a:extLst>
+              </a:blip>
+              <a:stretch>
+                <a:fillRect/>
+              </a:stretch>
+            </p:blipFill>
+            <p:spPr>
+              <a:xfrm>
+                <a:off x="5674336" y="1527222"/>
+                <a:ext cx="825436" cy="825436"/>
+              </a:xfrm>
+              <a:prstGeom prst="ellipse">
+                <a:avLst/>
+              </a:prstGeom>
+              <a:ln w="63500" cap="rnd">
+                <a:solidFill>
+                  <a:srgbClr val="333333"/>
+                </a:solidFill>
+              </a:ln>
+              <a:effectLst>
+                <a:outerShdw blurRad="381000" dist="292100" dir="5400000" sx="-80000" sy="-18000" rotWithShape="0">
+                  <a:srgbClr val="000000">
+                    <a:alpha val="22000"/>
+                  </a:srgbClr>
+                </a:outerShdw>
+              </a:effectLst>
+              <a:scene3d>
+                <a:camera prst="orthographicFront"/>
+                <a:lightRig rig="contrasting" dir="t">
+                  <a:rot lat="0" lon="0" rev="3000000"/>
+                </a:lightRig>
+              </a:scene3d>
+              <a:sp3d contourW="7620">
+                <a:bevelT w="95250" h="31750"/>
+                <a:contourClr>
+                  <a:srgbClr val="333333"/>
+                </a:contourClr>
+              </a:sp3d>
+            </p:spPr>
+          </p:pic>
+          <p:cxnSp>
+            <p:nvCxnSpPr>
+              <p:cNvPr id="66" name="Straight Connector 65"/>
+              <p:cNvCxnSpPr/>
+              <p:nvPr/>
+            </p:nvCxnSpPr>
+            <p:spPr>
+              <a:xfrm flipV="1">
+                <a:off x="4164893" y="2080262"/>
+                <a:ext cx="1473907" cy="489673"/>
+              </a:xfrm>
+              <a:prstGeom prst="line">
+                <a:avLst/>
+              </a:prstGeom>
+            </p:spPr>
+            <p:style>
+              <a:lnRef idx="1">
+                <a:schemeClr val="accent1"/>
+              </a:lnRef>
+              <a:fillRef idx="0">
+                <a:schemeClr val="accent1"/>
+              </a:fillRef>
+              <a:effectRef idx="0">
+                <a:schemeClr val="accent1"/>
+              </a:effectRef>
+              <a:fontRef idx="minor">
+                <a:schemeClr val="tx1"/>
+              </a:fontRef>
+            </p:style>
+          </p:cxnSp>
+        </p:grpSp>
+        <p:sp>
+          <p:nvSpPr>
+            <p:cNvPr id="82" name="TextBox 81"/>
+            <p:cNvSpPr txBox="1"/>
+            <p:nvPr/>
+          </p:nvSpPr>
+          <p:spPr>
+            <a:xfrm rot="20524517">
+              <a:off x="4956908" y="2114217"/>
+              <a:ext cx="1400225" cy="246221"/>
+            </a:xfrm>
+            <a:prstGeom prst="rect">
+              <a:avLst/>
+            </a:prstGeom>
+            <a:noFill/>
+          </p:spPr>
+          <p:txBody>
+            <a:bodyPr wrap="square" rtlCol="0">
+              <a:spAutoFit/>
+            </a:bodyPr>
+            <a:lstStyle/>
+            <a:p>
+              <a:r>
+                <a:rPr lang="en-US" sz="1000" dirty="0" smtClean="0"/>
+                <a:t>Newspaper Reference</a:t>
+              </a:r>
+              <a:endParaRPr lang="en-US" sz="1000" dirty="0"/>
+            </a:p>
+          </p:txBody>
+        </p:sp>
+      </p:grpSp>
+      <p:grpSp>
+        <p:nvGrpSpPr>
+          <p:cNvPr id="86" name="Group 85"/>
+          <p:cNvGrpSpPr/>
+          <p:nvPr/>
+        </p:nvGrpSpPr>
+        <p:grpSpPr>
+          <a:xfrm>
+            <a:off x="5887937" y="2820611"/>
+            <a:ext cx="2265463" cy="836989"/>
+            <a:chOff x="5039954" y="2352658"/>
+            <a:chExt cx="2265463" cy="836989"/>
+          </a:xfrm>
+        </p:grpSpPr>
+        <p:grpSp>
+          <p:nvGrpSpPr>
+            <p:cNvPr id="77" name="Group 76"/>
+            <p:cNvGrpSpPr/>
+            <p:nvPr/>
+          </p:nvGrpSpPr>
+          <p:grpSpPr>
+            <a:xfrm>
+              <a:off x="5039954" y="2352658"/>
+              <a:ext cx="2265463" cy="836989"/>
+              <a:chOff x="4176261" y="2352658"/>
+              <a:chExt cx="2265463" cy="836989"/>
+            </a:xfrm>
+          </p:grpSpPr>
+          <p:pic>
+            <p:nvPicPr>
+              <p:cNvPr id="49" name="Picture 48"/>
+              <p:cNvPicPr>
+                <a:picLocks noChangeAspect="1"/>
+              </p:cNvPicPr>
+              <p:nvPr/>
+            </p:nvPicPr>
+            <p:blipFill rotWithShape="1">
+              <a:blip r:embed="rId7" cstate="print">
+                <a:extLst>
+                  <a:ext uri="{28A0092B-C50C-407E-A947-70E740481C1C}">
+                    <a14:useLocalDpi xmlns:a14="http://schemas.microsoft.com/office/drawing/2010/main" val="0"/>
+                  </a:ext>
+                </a:extLst>
+              </a:blip>
+              <a:srcRect b="16210"/>
+              <a:stretch/>
+            </p:blipFill>
+            <p:spPr>
+              <a:xfrm>
+                <a:off x="5613307" y="2352658"/>
+                <a:ext cx="828417" cy="836989"/>
+              </a:xfrm>
+              <a:prstGeom prst="ellipse">
+                <a:avLst/>
+              </a:prstGeom>
+              <a:ln w="63500" cap="rnd">
+                <a:solidFill>
+                  <a:srgbClr val="333333"/>
+                </a:solidFill>
+              </a:ln>
+              <a:effectLst>
+                <a:outerShdw blurRad="381000" dist="292100" dir="5400000" sx="-80000" sy="-18000" rotWithShape="0">
+                  <a:srgbClr val="000000">
+                    <a:alpha val="22000"/>
+                  </a:srgbClr>
+                </a:outerShdw>
+              </a:effectLst>
+              <a:scene3d>
+                <a:camera prst="orthographicFront"/>
+                <a:lightRig rig="contrasting" dir="t">
+                  <a:rot lat="0" lon="0" rev="3000000"/>
+                </a:lightRig>
+              </a:scene3d>
+              <a:sp3d contourW="7620">
+                <a:bevelT w="95250" h="31750"/>
+                <a:contourClr>
+                  <a:srgbClr val="333333"/>
+                </a:contourClr>
+              </a:sp3d>
+            </p:spPr>
+          </p:pic>
+          <p:cxnSp>
+            <p:nvCxnSpPr>
+              <p:cNvPr id="67" name="Straight Connector 66"/>
+              <p:cNvCxnSpPr/>
+              <p:nvPr/>
+            </p:nvCxnSpPr>
+            <p:spPr>
+              <a:xfrm>
+                <a:off x="4176261" y="2656247"/>
+                <a:ext cx="1373610" cy="211199"/>
+              </a:xfrm>
+              <a:prstGeom prst="line">
+                <a:avLst/>
+              </a:prstGeom>
+            </p:spPr>
+            <p:style>
+              <a:lnRef idx="1">
+                <a:schemeClr val="accent1"/>
+              </a:lnRef>
+              <a:fillRef idx="0">
+                <a:schemeClr val="accent1"/>
+              </a:fillRef>
+              <a:effectRef idx="0">
+                <a:schemeClr val="accent1"/>
+              </a:effectRef>
+              <a:fontRef idx="minor">
+                <a:schemeClr val="tx1"/>
+              </a:fontRef>
+            </p:style>
+          </p:cxnSp>
+        </p:grpSp>
+        <p:sp>
+          <p:nvSpPr>
+            <p:cNvPr id="83" name="TextBox 82"/>
+            <p:cNvSpPr txBox="1"/>
+            <p:nvPr/>
+          </p:nvSpPr>
+          <p:spPr>
+            <a:xfrm rot="521742">
+              <a:off x="5072792" y="2583974"/>
+              <a:ext cx="1606090" cy="246221"/>
+            </a:xfrm>
+            <a:prstGeom prst="rect">
+              <a:avLst/>
+            </a:prstGeom>
+            <a:noFill/>
+          </p:spPr>
+          <p:txBody>
+            <a:bodyPr wrap="square" rtlCol="0">
+              <a:spAutoFit/>
+            </a:bodyPr>
+            <a:lstStyle/>
+            <a:p>
+              <a:r>
+                <a:rPr lang="en-US" sz="1000" dirty="0" smtClean="0"/>
+                <a:t>Social Media Reference</a:t>
+              </a:r>
+              <a:endParaRPr lang="en-US" sz="1000" dirty="0"/>
+            </a:p>
+          </p:txBody>
+        </p:sp>
+      </p:grpSp>
+      <p:grpSp>
+        <p:nvGrpSpPr>
+          <p:cNvPr id="87" name="Group 86"/>
+          <p:cNvGrpSpPr/>
+          <p:nvPr/>
+        </p:nvGrpSpPr>
+        <p:grpSpPr>
+          <a:xfrm>
+            <a:off x="5805117" y="3505200"/>
+            <a:ext cx="2195883" cy="1219200"/>
+            <a:chOff x="5094922" y="2812397"/>
+            <a:chExt cx="2195883" cy="1219200"/>
+          </a:xfrm>
+        </p:grpSpPr>
+        <p:grpSp>
+          <p:nvGrpSpPr>
+            <p:cNvPr id="78" name="Group 77"/>
+            <p:cNvGrpSpPr/>
+            <p:nvPr/>
+          </p:nvGrpSpPr>
+          <p:grpSpPr>
+            <a:xfrm>
+              <a:off x="5157205" y="2812397"/>
+              <a:ext cx="2133600" cy="1219200"/>
+              <a:chOff x="4424172" y="2812397"/>
+              <a:chExt cx="2133600" cy="1219200"/>
+            </a:xfrm>
+          </p:grpSpPr>
+          <p:pic>
+            <p:nvPicPr>
+              <p:cNvPr id="50" name="Picture 49"/>
+              <p:cNvPicPr>
+                <a:picLocks noChangeAspect="1"/>
+              </p:cNvPicPr>
+              <p:nvPr/>
+            </p:nvPicPr>
+            <p:blipFill rotWithShape="1">
+              <a:blip r:embed="rId8" cstate="print">
+                <a:extLst>
+                  <a:ext uri="{28A0092B-C50C-407E-A947-70E740481C1C}">
+                    <a14:useLocalDpi xmlns:a14="http://schemas.microsoft.com/office/drawing/2010/main" val="0"/>
+                  </a:ext>
+                </a:extLst>
+              </a:blip>
+              <a:srcRect r="30638"/>
+              <a:stretch/>
+            </p:blipFill>
+            <p:spPr>
+              <a:xfrm>
+                <a:off x="5731321" y="3183917"/>
+                <a:ext cx="826451" cy="847680"/>
+              </a:xfrm>
+              <a:prstGeom prst="ellipse">
+                <a:avLst/>
+              </a:prstGeom>
+              <a:ln w="63500" cap="rnd">
+                <a:solidFill>
+                  <a:srgbClr val="333333"/>
+                </a:solidFill>
+              </a:ln>
+              <a:effectLst>
+                <a:outerShdw blurRad="381000" dist="292100" dir="5400000" sx="-80000" sy="-18000" rotWithShape="0">
+                  <a:srgbClr val="000000">
+                    <a:alpha val="22000"/>
+                  </a:srgbClr>
+                </a:outerShdw>
+              </a:effectLst>
+              <a:scene3d>
+                <a:camera prst="orthographicFront"/>
+                <a:lightRig rig="contrasting" dir="t">
+                  <a:rot lat="0" lon="0" rev="3000000"/>
+                </a:lightRig>
+              </a:scene3d>
+              <a:sp3d contourW="7620">
+                <a:bevelT w="95250" h="31750"/>
+                <a:contourClr>
+                  <a:srgbClr val="333333"/>
+                </a:contourClr>
+              </a:sp3d>
+            </p:spPr>
+          </p:pic>
+          <p:cxnSp>
+            <p:nvCxnSpPr>
+              <p:cNvPr id="68" name="Straight Connector 67"/>
+              <p:cNvCxnSpPr/>
+              <p:nvPr/>
+            </p:nvCxnSpPr>
+            <p:spPr>
+              <a:xfrm>
+                <a:off x="4424172" y="2812397"/>
+                <a:ext cx="1250164" cy="795360"/>
+              </a:xfrm>
+              <a:prstGeom prst="line">
+                <a:avLst/>
+              </a:prstGeom>
+            </p:spPr>
+            <p:style>
+              <a:lnRef idx="1">
+                <a:schemeClr val="accent1"/>
+              </a:lnRef>
+              <a:fillRef idx="0">
+                <a:schemeClr val="accent1"/>
+              </a:fillRef>
+              <a:effectRef idx="0">
+                <a:schemeClr val="accent1"/>
+              </a:effectRef>
+              <a:fontRef idx="minor">
+                <a:schemeClr val="tx1"/>
+              </a:fontRef>
+            </p:style>
+          </p:cxnSp>
+        </p:grpSp>
+        <p:sp>
+          <p:nvSpPr>
+            <p:cNvPr id="84" name="TextBox 83"/>
+            <p:cNvSpPr txBox="1"/>
+            <p:nvPr/>
+          </p:nvSpPr>
+          <p:spPr>
+            <a:xfrm rot="1972739">
+              <a:off x="5094922" y="3090554"/>
+              <a:ext cx="1561701" cy="230832"/>
+            </a:xfrm>
+            <a:prstGeom prst="rect">
+              <a:avLst/>
+            </a:prstGeom>
+            <a:noFill/>
+          </p:spPr>
+          <p:txBody>
+            <a:bodyPr wrap="square" rtlCol="0">
+              <a:spAutoFit/>
+            </a:bodyPr>
+            <a:lstStyle/>
+            <a:p>
+              <a:r>
+                <a:rPr lang="en-US" sz="900" dirty="0" smtClean="0"/>
+                <a:t>Person to </a:t>
+              </a:r>
+              <a:r>
+                <a:rPr lang="en-US" sz="900" dirty="0" smtClean="0"/>
+                <a:t>Person </a:t>
+              </a:r>
+              <a:r>
+                <a:rPr lang="en-US" sz="900" dirty="0" smtClean="0"/>
+                <a:t>Reference</a:t>
+              </a:r>
+              <a:endParaRPr lang="en-US" sz="900" dirty="0"/>
+            </a:p>
+          </p:txBody>
+        </p:sp>
+      </p:grpSp>
+      <p:grpSp>
+        <p:nvGrpSpPr>
+          <p:cNvPr id="91" name="Group 90"/>
+          <p:cNvGrpSpPr/>
+          <p:nvPr/>
+        </p:nvGrpSpPr>
+        <p:grpSpPr>
+          <a:xfrm>
+            <a:off x="609600" y="3015861"/>
+            <a:ext cx="1021080" cy="946539"/>
+            <a:chOff x="655320" y="2808851"/>
+            <a:chExt cx="1021080" cy="946539"/>
+          </a:xfrm>
+        </p:grpSpPr>
+        <p:sp>
+          <p:nvSpPr>
+            <p:cNvPr id="89" name="Left Brace 88"/>
+            <p:cNvSpPr/>
+            <p:nvPr/>
+          </p:nvSpPr>
+          <p:spPr>
+            <a:xfrm>
+              <a:off x="1371600" y="2808851"/>
+              <a:ext cx="304800" cy="946539"/>
+            </a:xfrm>
+            <a:prstGeom prst="leftBrace">
+              <a:avLst/>
+            </a:prstGeom>
+          </p:spPr>
+          <p:style>
+            <a:lnRef idx="2">
+              <a:schemeClr val="accent4"/>
+            </a:lnRef>
+            <a:fillRef idx="0">
+              <a:schemeClr val="accent4"/>
+            </a:fillRef>
+            <a:effectRef idx="1">
+              <a:schemeClr val="accent4"/>
+            </a:effectRef>
+            <a:fontRef idx="minor">
+              <a:schemeClr val="tx1"/>
+            </a:fontRef>
+          </p:style>
+          <p:txBody>
+            <a:bodyPr rtlCol="0" anchor="ctr"/>
+            <a:lstStyle/>
+            <a:p>
+              <a:pPr algn="ctr"/>
+              <a:endParaRPr lang="en-US"/>
+            </a:p>
+          </p:txBody>
+        </p:sp>
+        <p:sp>
+          <p:nvSpPr>
+            <p:cNvPr id="90" name="TextBox 89"/>
+            <p:cNvSpPr txBox="1"/>
+            <p:nvPr/>
+          </p:nvSpPr>
+          <p:spPr>
+            <a:xfrm>
+              <a:off x="655320" y="3137357"/>
+              <a:ext cx="792480" cy="276999"/>
+            </a:xfrm>
+            <a:prstGeom prst="rect">
+              <a:avLst/>
+            </a:prstGeom>
+            <a:noFill/>
+          </p:spPr>
+          <p:txBody>
+            <a:bodyPr wrap="square" rtlCol="0">
+              <a:spAutoFit/>
+            </a:bodyPr>
+            <a:lstStyle/>
+            <a:p>
+              <a:r>
+                <a:rPr lang="en-US" sz="1200" b="1" dirty="0" smtClean="0"/>
+                <a:t>Prospect</a:t>
+              </a:r>
+              <a:endParaRPr lang="en-US" sz="1200" b="1" dirty="0"/>
+            </a:p>
+          </p:txBody>
+        </p:sp>
+      </p:grpSp>
+      <p:grpSp>
+        <p:nvGrpSpPr>
+          <p:cNvPr id="97" name="Group 96"/>
+          <p:cNvGrpSpPr/>
+          <p:nvPr/>
+        </p:nvGrpSpPr>
+        <p:grpSpPr>
+          <a:xfrm>
+            <a:off x="3124200" y="4724400"/>
+            <a:ext cx="1671516" cy="1775862"/>
+            <a:chOff x="1051560" y="4853538"/>
+            <a:chExt cx="1844040" cy="1852062"/>
+          </a:xfrm>
+        </p:grpSpPr>
+        <p:pic>
+          <p:nvPicPr>
+            <p:cNvPr id="93" name="Picture 92"/>
+            <p:cNvPicPr>
+              <a:picLocks noChangeAspect="1"/>
+            </p:cNvPicPr>
+            <p:nvPr/>
+          </p:nvPicPr>
+          <p:blipFill rotWithShape="1">
+            <a:blip r:embed="rId9" cstate="print">
+              <a:extLst>
+                <a:ext uri="{28A0092B-C50C-407E-A947-70E740481C1C}">
+                  <a14:useLocalDpi xmlns:a14="http://schemas.microsoft.com/office/drawing/2010/main" val="0"/>
+                </a:ext>
+              </a:extLst>
+            </a:blip>
+            <a:srcRect l="16389" t="4751" r="18052" b="2941"/>
+            <a:stretch/>
+          </p:blipFill>
+          <p:spPr>
+            <a:xfrm>
+              <a:off x="1051560" y="4853538"/>
+              <a:ext cx="1634949" cy="1625388"/>
+            </a:xfrm>
+            <a:prstGeom prst="rect">
+              <a:avLst/>
+            </a:prstGeom>
+          </p:spPr>
+        </p:pic>
+        <p:sp>
+          <p:nvSpPr>
+            <p:cNvPr id="96" name="TextBox 95"/>
+            <p:cNvSpPr txBox="1"/>
+            <p:nvPr/>
+          </p:nvSpPr>
+          <p:spPr>
+            <a:xfrm>
+              <a:off x="1491906" y="6397823"/>
+              <a:ext cx="1403694" cy="307777"/>
+            </a:xfrm>
+            <a:prstGeom prst="rect">
+              <a:avLst/>
+            </a:prstGeom>
+            <a:noFill/>
+          </p:spPr>
+          <p:txBody>
+            <a:bodyPr wrap="square" rtlCol="0">
+              <a:spAutoFit/>
+            </a:bodyPr>
+            <a:lstStyle/>
+            <a:p>
+              <a:r>
+                <a:rPr lang="en-US" sz="1400" dirty="0"/>
+                <a:t>S</a:t>
+              </a:r>
+              <a:r>
+                <a:rPr lang="en-US" sz="1400" dirty="0" smtClean="0"/>
+                <a:t>upplier</a:t>
+              </a:r>
+              <a:endParaRPr lang="en-US" sz="1400" dirty="0"/>
+            </a:p>
+          </p:txBody>
+        </p:sp>
+      </p:grpSp>
+      <p:grpSp>
+        <p:nvGrpSpPr>
+          <p:cNvPr id="2" name="Group 1"/>
+          <p:cNvGrpSpPr/>
+          <p:nvPr/>
+        </p:nvGrpSpPr>
+        <p:grpSpPr>
+          <a:xfrm>
+            <a:off x="4572000" y="5257800"/>
+            <a:ext cx="1066800" cy="468016"/>
+            <a:chOff x="4572000" y="5384884"/>
+            <a:chExt cx="1066800" cy="468016"/>
+          </a:xfrm>
+        </p:grpSpPr>
+        <p:sp>
+          <p:nvSpPr>
+            <p:cNvPr id="23" name="TextBox 22"/>
+            <p:cNvSpPr txBox="1"/>
+            <p:nvPr/>
+          </p:nvSpPr>
+          <p:spPr>
+            <a:xfrm>
+              <a:off x="4572000" y="5384884"/>
+              <a:ext cx="1066800" cy="253916"/>
+            </a:xfrm>
+            <a:prstGeom prst="rect">
+              <a:avLst/>
+            </a:prstGeom>
+            <a:noFill/>
+          </p:spPr>
+          <p:txBody>
+            <a:bodyPr wrap="square" rtlCol="0">
+              <a:spAutoFit/>
+            </a:bodyPr>
+            <a:lstStyle/>
+            <a:p>
+              <a:r>
+                <a:rPr lang="en-US" sz="1050" dirty="0" smtClean="0"/>
+                <a:t>Supplies</a:t>
+              </a:r>
+              <a:endParaRPr lang="en-US" sz="1050" dirty="0"/>
+            </a:p>
+          </p:txBody>
+        </p:sp>
+        <p:sp>
+          <p:nvSpPr>
+            <p:cNvPr id="98" name="Down Arrow 97"/>
+            <p:cNvSpPr/>
+            <p:nvPr/>
+          </p:nvSpPr>
+          <p:spPr>
+            <a:xfrm rot="16200000">
+              <a:off x="4874665" y="5357730"/>
+              <a:ext cx="344905" cy="645435"/>
+            </a:xfrm>
+            <a:prstGeom prst="downArrow">
+              <a:avLst/>
+            </a:prstGeom>
+          </p:spPr>
+          <p:style>
+            <a:lnRef idx="2">
+              <a:schemeClr val="accent1">
+                <a:shade val="50000"/>
+              </a:schemeClr>
+            </a:lnRef>
+            <a:fillRef idx="1">
+              <a:schemeClr val="accent1"/>
+            </a:fillRef>
+            <a:effectRef idx="0">
+              <a:schemeClr val="accent1"/>
+            </a:effectRef>
+            <a:fontRef idx="minor">
+              <a:schemeClr val="lt1"/>
+            </a:fontRef>
+          </p:style>
+          <p:txBody>
+            <a:bodyPr rtlCol="0" anchor="ctr"/>
+            <a:lstStyle/>
+            <a:p>
+              <a:pPr algn="ctr"/>
+              <a:endParaRPr lang="en-US"/>
+            </a:p>
+          </p:txBody>
+        </p:sp>
+      </p:grpSp>
+      <p:grpSp>
+        <p:nvGrpSpPr>
+          <p:cNvPr id="100" name="Group 99"/>
+          <p:cNvGrpSpPr/>
+          <p:nvPr/>
+        </p:nvGrpSpPr>
+        <p:grpSpPr>
+          <a:xfrm>
+            <a:off x="37338" y="4648200"/>
+            <a:ext cx="800100" cy="1828800"/>
+            <a:chOff x="5825298" y="4800600"/>
+            <a:chExt cx="800100" cy="1828800"/>
+          </a:xfrm>
+        </p:grpSpPr>
+        <p:sp>
+          <p:nvSpPr>
+            <p:cNvPr id="37" name="TextBox 36"/>
+            <p:cNvSpPr txBox="1"/>
+            <p:nvPr/>
+          </p:nvSpPr>
+          <p:spPr>
+            <a:xfrm>
+              <a:off x="5825298" y="5582409"/>
+              <a:ext cx="800100" cy="276999"/>
+            </a:xfrm>
+            <a:prstGeom prst="rect">
+              <a:avLst/>
+            </a:prstGeom>
+            <a:noFill/>
+          </p:spPr>
+          <p:txBody>
+            <a:bodyPr wrap="square" rtlCol="0">
+              <a:spAutoFit/>
+            </a:bodyPr>
+            <a:lstStyle/>
+            <a:p>
+              <a:r>
+                <a:rPr lang="en-US" sz="1200" b="1" dirty="0" smtClean="0"/>
+                <a:t>Dea</a:t>
+              </a:r>
+              <a:r>
+                <a:rPr lang="en-US" sz="1200" b="1" dirty="0"/>
+                <a:t>l</a:t>
+              </a:r>
+            </a:p>
+          </p:txBody>
+        </p:sp>
+        <p:sp>
+          <p:nvSpPr>
+            <p:cNvPr id="99" name="Right Brace 98"/>
+            <p:cNvSpPr/>
+            <p:nvPr/>
+          </p:nvSpPr>
+          <p:spPr>
+            <a:xfrm rot="10800000">
+              <a:off x="6248400" y="4800600"/>
+              <a:ext cx="304800" cy="1828800"/>
+            </a:xfrm>
+            <a:prstGeom prst="rightBrace">
+              <a:avLst/>
+            </a:prstGeom>
+          </p:spPr>
+          <p:style>
+            <a:lnRef idx="2">
+              <a:schemeClr val="accent1"/>
+            </a:lnRef>
+            <a:fillRef idx="0">
+              <a:schemeClr val="accent1"/>
+            </a:fillRef>
+            <a:effectRef idx="1">
+              <a:schemeClr val="accent1"/>
+            </a:effectRef>
+            <a:fontRef idx="minor">
+              <a:schemeClr val="tx1"/>
+            </a:fontRef>
+          </p:style>
+          <p:txBody>
+            <a:bodyPr rtlCol="0" anchor="ctr"/>
+            <a:lstStyle/>
+            <a:p>
+              <a:pPr algn="ctr"/>
+              <a:endParaRPr lang="en-US"/>
+            </a:p>
+          </p:txBody>
+        </p:sp>
+      </p:grpSp>
+      <p:grpSp>
+        <p:nvGrpSpPr>
+          <p:cNvPr id="109" name="Group 108"/>
+          <p:cNvGrpSpPr/>
+          <p:nvPr/>
+        </p:nvGrpSpPr>
+        <p:grpSpPr>
+          <a:xfrm>
+            <a:off x="2336220" y="5086290"/>
+            <a:ext cx="864180" cy="625625"/>
+            <a:chOff x="2564820" y="5205680"/>
+            <a:chExt cx="864180" cy="625625"/>
+          </a:xfrm>
+        </p:grpSpPr>
+        <p:sp>
+          <p:nvSpPr>
+            <p:cNvPr id="95" name="Down Arrow 94"/>
+            <p:cNvSpPr/>
+            <p:nvPr/>
+          </p:nvSpPr>
+          <p:spPr>
+            <a:xfrm rot="16200000">
+              <a:off x="2800329" y="5273478"/>
+              <a:ext cx="344905" cy="770750"/>
+            </a:xfrm>
+            <a:prstGeom prst="downArrow">
               <a:avLst/>
             </a:prstGeom>
           </p:spPr>
@@ -3910,14 +4790,14 @@
         </p:sp>
         <p:sp>
           <p:nvSpPr>
-            <p:cNvPr id="27" name="TextBox 26"/>
+            <p:cNvPr id="102" name="TextBox 101"/>
             <p:cNvSpPr txBox="1"/>
             <p:nvPr/>
           </p:nvSpPr>
           <p:spPr>
             <a:xfrm>
-              <a:off x="1658112" y="2918932"/>
-              <a:ext cx="2179320" cy="430887"/>
+              <a:off x="2564820" y="5205680"/>
+              <a:ext cx="864180" cy="400110"/>
             </a:xfrm>
             <a:prstGeom prst="rect">
               <a:avLst/>
@@ -3931,52 +4811,126 @@
             <a:lstStyle/>
             <a:p>
               <a:r>
-                <a:rPr lang="en-US" sz="1100" dirty="0" smtClean="0"/>
-                <a:t>Finalize the product price and accepts the quotation and give PO</a:t>
+                <a:rPr lang="en-US" sz="1000" dirty="0" smtClean="0"/>
+                <a:t>Sends the invoice to</a:t>
               </a:r>
-              <a:endParaRPr lang="en-US" sz="1100" dirty="0"/>
+              <a:endParaRPr lang="en-US" sz="1000" dirty="0"/>
             </a:p>
           </p:txBody>
         </p:sp>
       </p:grpSp>
       <p:grpSp>
         <p:nvGrpSpPr>
-          <p:cNvPr id="52" name="Group 51"/>
+          <p:cNvPr id="104" name="Group 103"/>
           <p:cNvGrpSpPr/>
           <p:nvPr/>
         </p:nvGrpSpPr>
         <p:grpSpPr>
           <a:xfrm>
-            <a:off x="342901" y="1981199"/>
-            <a:ext cx="800099" cy="1724719"/>
-            <a:chOff x="342901" y="1981199"/>
-            <a:chExt cx="800099" cy="1724719"/>
+            <a:off x="7966577" y="4997875"/>
+            <a:ext cx="872623" cy="1666861"/>
+            <a:chOff x="3352800" y="5038739"/>
+            <a:chExt cx="872623" cy="1666861"/>
+          </a:xfrm>
+        </p:grpSpPr>
+        <p:pic>
+          <p:nvPicPr>
+            <p:cNvPr id="94" name="Picture 93"/>
+            <p:cNvPicPr>
+              <a:picLocks noChangeAspect="1"/>
+            </p:cNvPicPr>
+            <p:nvPr/>
+          </p:nvPicPr>
+          <p:blipFill rotWithShape="1">
+            <a:blip r:embed="rId4" cstate="print">
+              <a:extLst>
+                <a:ext uri="{28A0092B-C50C-407E-A947-70E740481C1C}">
+                  <a14:useLocalDpi xmlns:a14="http://schemas.microsoft.com/office/drawing/2010/main" val="0"/>
+                </a:ext>
+              </a:extLst>
+            </a:blip>
+            <a:srcRect l="4946" t="5281" r="67612" b="4952"/>
+            <a:stretch/>
+          </p:blipFill>
+          <p:spPr>
+            <a:xfrm>
+              <a:off x="3362802" y="5038739"/>
+              <a:ext cx="669141" cy="1540404"/>
+            </a:xfrm>
+            <a:prstGeom prst="rect">
+              <a:avLst/>
+            </a:prstGeom>
+          </p:spPr>
+        </p:pic>
+        <p:sp>
+          <p:nvSpPr>
+            <p:cNvPr id="103" name="TextBox 102"/>
+            <p:cNvSpPr txBox="1"/>
+            <p:nvPr/>
+          </p:nvSpPr>
+          <p:spPr>
+            <a:xfrm>
+              <a:off x="3352800" y="6428601"/>
+              <a:ext cx="872623" cy="276999"/>
+            </a:xfrm>
+            <a:prstGeom prst="rect">
+              <a:avLst/>
+            </a:prstGeom>
+            <a:noFill/>
+          </p:spPr>
+          <p:txBody>
+            <a:bodyPr wrap="square" rtlCol="0">
+              <a:spAutoFit/>
+            </a:bodyPr>
+            <a:lstStyle/>
+            <a:p>
+              <a:r>
+                <a:rPr lang="en-US" sz="1200" dirty="0" smtClean="0"/>
+                <a:t>Customer</a:t>
+              </a:r>
+              <a:endParaRPr lang="en-US" sz="1200" dirty="0"/>
+            </a:p>
+          </p:txBody>
+        </p:sp>
+      </p:grpSp>
+      <p:grpSp>
+        <p:nvGrpSpPr>
+          <p:cNvPr id="107" name="Group 106"/>
+          <p:cNvGrpSpPr/>
+          <p:nvPr/>
+        </p:nvGrpSpPr>
+        <p:grpSpPr>
+          <a:xfrm>
+            <a:off x="1483808" y="6349893"/>
+            <a:ext cx="1030792" cy="529932"/>
+            <a:chOff x="2949421" y="6385251"/>
+            <a:chExt cx="1546379" cy="456117"/>
           </a:xfrm>
         </p:grpSpPr>
         <p:sp>
           <p:nvSpPr>
-            <p:cNvPr id="32" name="Left Brace 31"/>
+            <p:cNvPr id="105" name="Right Brace 104"/>
             <p:cNvSpPr/>
             <p:nvPr/>
           </p:nvSpPr>
           <p:spPr>
-            <a:xfrm>
-              <a:off x="762000" y="1981199"/>
-              <a:ext cx="381000" cy="1724719"/>
+            <a:xfrm rot="5400000">
+              <a:off x="3478484" y="5856188"/>
+              <a:ext cx="254532" cy="1312658"/>
             </a:xfrm>
-            <a:prstGeom prst="leftBrace">
+            <a:prstGeom prst="rightBrace">
               <a:avLst/>
             </a:prstGeom>
           </p:spPr>
           <p:style>
-            <a:lnRef idx="1">
-              <a:schemeClr val="accent1"/>
+            <a:lnRef idx="2">
+              <a:schemeClr val="accent3"/>
             </a:lnRef>
             <a:fillRef idx="0">
-              <a:schemeClr val="accent1"/>
+              <a:schemeClr val="accent3"/>
             </a:fillRef>
-            <a:effectRef idx="0">
-              <a:schemeClr val="accent1"/>
+            <a:effectRef idx="1">
+              <a:schemeClr val="accent3"/>
             </a:effectRef>
             <a:fontRef idx="minor">
               <a:schemeClr val="tx1"/>
@@ -3993,14 +4947,14 @@
         </p:sp>
         <p:sp>
           <p:nvSpPr>
-            <p:cNvPr id="34" name="TextBox 33"/>
+            <p:cNvPr id="106" name="TextBox 105"/>
             <p:cNvSpPr txBox="1"/>
             <p:nvPr/>
           </p:nvSpPr>
           <p:spPr>
             <a:xfrm>
-              <a:off x="342901" y="2694801"/>
-              <a:ext cx="495299" cy="276999"/>
+              <a:off x="3055442" y="6576462"/>
+              <a:ext cx="1440358" cy="264906"/>
             </a:xfrm>
             <a:prstGeom prst="rect">
               <a:avLst/>
@@ -4014,42 +4968,68 @@
             <a:lstStyle/>
             <a:p>
               <a:r>
-                <a:rPr lang="en-US" sz="1200" b="1" dirty="0"/>
-                <a:t>L</a:t>
+                <a:rPr lang="en-US" sz="1400" b="1" dirty="0" smtClean="0"/>
+                <a:t>Account</a:t>
               </a:r>
-              <a:r>
-                <a:rPr lang="en-US" sz="1200" b="1" dirty="0" smtClean="0"/>
-                <a:t>ead</a:t>
-              </a:r>
-              <a:endParaRPr lang="en-US" sz="1200" b="1" dirty="0"/>
+              <a:endParaRPr lang="en-US" sz="1400" b="1" dirty="0"/>
             </a:p>
           </p:txBody>
         </p:sp>
       </p:grpSp>
       <p:grpSp>
         <p:nvGrpSpPr>
-          <p:cNvPr id="51" name="Group 50"/>
+          <p:cNvPr id="120" name="Group 119"/>
           <p:cNvGrpSpPr/>
           <p:nvPr/>
         </p:nvGrpSpPr>
         <p:grpSpPr>
           <a:xfrm>
-            <a:off x="5156107" y="2097025"/>
-            <a:ext cx="1526635" cy="1103376"/>
-            <a:chOff x="5156107" y="2097025"/>
-            <a:chExt cx="1526635" cy="1103376"/>
+            <a:off x="5729966" y="847387"/>
+            <a:ext cx="1632112" cy="1377094"/>
+            <a:chOff x="5729966" y="847387"/>
+            <a:chExt cx="1632112" cy="1377094"/>
           </a:xfrm>
         </p:grpSpPr>
+        <p:pic>
+          <p:nvPicPr>
+            <p:cNvPr id="113" name="Picture 112"/>
+            <p:cNvPicPr>
+              <a:picLocks noChangeAspect="1"/>
+            </p:cNvPicPr>
+            <p:nvPr/>
+          </p:nvPicPr>
+          <p:blipFill>
+            <a:blip r:embed="rId10" cstate="print">
+              <a:extLst>
+                <a:ext uri="{28A0092B-C50C-407E-A947-70E740481C1C}">
+                  <a14:useLocalDpi xmlns:a14="http://schemas.microsoft.com/office/drawing/2010/main" val="0"/>
+                </a:ext>
+              </a:extLst>
+            </a:blip>
+            <a:stretch>
+              <a:fillRect/>
+            </a:stretch>
+          </p:blipFill>
+          <p:spPr>
+            <a:xfrm>
+              <a:off x="5729966" y="847387"/>
+              <a:ext cx="1632112" cy="1377094"/>
+            </a:xfrm>
+            <a:prstGeom prst="rect">
+              <a:avLst/>
+            </a:prstGeom>
+          </p:spPr>
+        </p:pic>
         <p:sp>
           <p:nvSpPr>
-            <p:cNvPr id="33" name="TextBox 32"/>
+            <p:cNvPr id="114" name="TextBox 113"/>
             <p:cNvSpPr txBox="1"/>
             <p:nvPr/>
           </p:nvSpPr>
           <p:spPr>
             <a:xfrm>
-              <a:off x="5562600" y="2514600"/>
-              <a:ext cx="1120142" cy="276999"/>
+              <a:off x="5970921" y="1127317"/>
+              <a:ext cx="1344279" cy="784830"/>
             </a:xfrm>
             <a:prstGeom prst="rect">
               <a:avLst/>
@@ -4063,335 +5043,74 @@
             <a:lstStyle/>
             <a:p>
               <a:r>
-                <a:rPr lang="en-US" sz="1200" b="1" dirty="0"/>
-                <a:t>O</a:t>
+                <a:rPr lang="en-US" sz="900" dirty="0" smtClean="0"/>
+                <a:t>Want product like  hardware, Server.</a:t>
               </a:r>
+            </a:p>
+            <a:p>
               <a:r>
-                <a:rPr lang="en-US" sz="1200" b="1" dirty="0" smtClean="0"/>
-                <a:t>pportunity</a:t>
+                <a:rPr lang="en-US" sz="900" dirty="0" smtClean="0"/>
+                <a:t>But where I go to buy all these in company’s budget?</a:t>
               </a:r>
-              <a:endParaRPr lang="en-US" sz="1200" b="1" dirty="0"/>
-            </a:p>
-          </p:txBody>
-        </p:sp>
-        <p:sp>
-          <p:nvSpPr>
-            <p:cNvPr id="35" name="Right Brace 34"/>
-            <p:cNvSpPr/>
-            <p:nvPr/>
-          </p:nvSpPr>
-          <p:spPr>
-            <a:xfrm>
-              <a:off x="5156107" y="2097025"/>
-              <a:ext cx="458724" cy="1103376"/>
-            </a:xfrm>
-            <a:prstGeom prst="rightBrace">
-              <a:avLst/>
-            </a:prstGeom>
-          </p:spPr>
-          <p:style>
-            <a:lnRef idx="1">
-              <a:schemeClr val="accent1"/>
-            </a:lnRef>
-            <a:fillRef idx="0">
-              <a:schemeClr val="accent1"/>
-            </a:fillRef>
-            <a:effectRef idx="0">
-              <a:schemeClr val="accent1"/>
-            </a:effectRef>
-            <a:fontRef idx="minor">
-              <a:schemeClr val="tx1"/>
-            </a:fontRef>
-          </p:style>
-          <p:txBody>
-            <a:bodyPr rtlCol="0" anchor="ctr"/>
-            <a:lstStyle/>
-            <a:p>
-              <a:pPr algn="ctr"/>
-              <a:endParaRPr lang="en-US"/>
+              <a:endParaRPr lang="en-US" sz="900" dirty="0"/>
             </a:p>
           </p:txBody>
         </p:sp>
       </p:grpSp>
+      <p:sp>
+        <p:nvSpPr>
+          <p:cNvPr id="121" name="TextBox 120"/>
+          <p:cNvSpPr txBox="1"/>
+          <p:nvPr/>
+        </p:nvSpPr>
+        <p:spPr>
+          <a:xfrm>
+            <a:off x="5105400" y="3810000"/>
+            <a:ext cx="921222" cy="276999"/>
+          </a:xfrm>
+          <a:prstGeom prst="rect">
+            <a:avLst/>
+          </a:prstGeom>
+          <a:noFill/>
+        </p:spPr>
+        <p:txBody>
+          <a:bodyPr wrap="square" rtlCol="0">
+            <a:spAutoFit/>
+          </a:bodyPr>
+          <a:lstStyle/>
+          <a:p>
+            <a:r>
+              <a:rPr lang="en-US" sz="1200" dirty="0" smtClean="0"/>
+              <a:t>Customer</a:t>
+            </a:r>
+            <a:endParaRPr lang="en-US" sz="1200" dirty="0"/>
+          </a:p>
+        </p:txBody>
+      </p:sp>
       <p:grpSp>
         <p:nvGrpSpPr>
-          <p:cNvPr id="53" name="Group 52"/>
+          <p:cNvPr id="129" name="Group 128"/>
           <p:cNvGrpSpPr/>
           <p:nvPr/>
         </p:nvGrpSpPr>
         <p:grpSpPr>
           <a:xfrm>
-            <a:off x="1485900" y="4800600"/>
-            <a:ext cx="876300" cy="1905000"/>
-            <a:chOff x="1485900" y="4800600"/>
-            <a:chExt cx="876300" cy="1905000"/>
-          </a:xfrm>
-        </p:grpSpPr>
-        <p:sp>
-          <p:nvSpPr>
-            <p:cNvPr id="36" name="Left Brace 35"/>
-            <p:cNvSpPr/>
-            <p:nvPr/>
-          </p:nvSpPr>
-          <p:spPr>
-            <a:xfrm>
-              <a:off x="1905000" y="4800600"/>
-              <a:ext cx="457200" cy="1905000"/>
-            </a:xfrm>
-            <a:prstGeom prst="leftBrace">
-              <a:avLst/>
-            </a:prstGeom>
-          </p:spPr>
-          <p:style>
-            <a:lnRef idx="1">
-              <a:schemeClr val="accent1"/>
-            </a:lnRef>
-            <a:fillRef idx="0">
-              <a:schemeClr val="accent1"/>
-            </a:fillRef>
-            <a:effectRef idx="0">
-              <a:schemeClr val="accent1"/>
-            </a:effectRef>
-            <a:fontRef idx="minor">
-              <a:schemeClr val="tx1"/>
-            </a:fontRef>
-          </p:style>
-          <p:txBody>
-            <a:bodyPr rtlCol="0" anchor="ctr"/>
-            <a:lstStyle/>
-            <a:p>
-              <a:pPr algn="ctr"/>
-              <a:endParaRPr lang="en-US"/>
-            </a:p>
-          </p:txBody>
-        </p:sp>
-        <p:sp>
-          <p:nvSpPr>
-            <p:cNvPr id="37" name="TextBox 36"/>
-            <p:cNvSpPr txBox="1"/>
-            <p:nvPr/>
-          </p:nvSpPr>
-          <p:spPr>
-            <a:xfrm>
-              <a:off x="1485900" y="5617833"/>
-              <a:ext cx="800100" cy="276999"/>
-            </a:xfrm>
-            <a:prstGeom prst="rect">
-              <a:avLst/>
-            </a:prstGeom>
-            <a:noFill/>
-          </p:spPr>
-          <p:txBody>
-            <a:bodyPr wrap="square" rtlCol="0">
-              <a:spAutoFit/>
-            </a:bodyPr>
-            <a:lstStyle/>
-            <a:p>
-              <a:r>
-                <a:rPr lang="en-US" sz="1200" b="1" dirty="0" smtClean="0"/>
-                <a:t>Dea</a:t>
-              </a:r>
-              <a:r>
-                <a:rPr lang="en-US" sz="1200" b="1" dirty="0"/>
-                <a:t>l</a:t>
-              </a:r>
-            </a:p>
-          </p:txBody>
-        </p:sp>
-      </p:grpSp>
-      <p:grpSp>
-        <p:nvGrpSpPr>
-          <p:cNvPr id="54" name="Group 53"/>
-          <p:cNvGrpSpPr/>
-          <p:nvPr/>
-        </p:nvGrpSpPr>
-        <p:grpSpPr>
-          <a:xfrm>
-            <a:off x="7315200" y="429399"/>
-            <a:ext cx="1028700" cy="1475601"/>
-            <a:chOff x="7315200" y="429399"/>
-            <a:chExt cx="1028700" cy="1475601"/>
-          </a:xfrm>
-        </p:grpSpPr>
-        <p:sp>
-          <p:nvSpPr>
-            <p:cNvPr id="38" name="Right Brace 37"/>
-            <p:cNvSpPr/>
-            <p:nvPr/>
-          </p:nvSpPr>
-          <p:spPr>
-            <a:xfrm>
-              <a:off x="7315200" y="429399"/>
-              <a:ext cx="342900" cy="1475601"/>
-            </a:xfrm>
-            <a:prstGeom prst="rightBrace">
-              <a:avLst/>
-            </a:prstGeom>
-          </p:spPr>
-          <p:style>
-            <a:lnRef idx="1">
-              <a:schemeClr val="accent1"/>
-            </a:lnRef>
-            <a:fillRef idx="0">
-              <a:schemeClr val="accent1"/>
-            </a:fillRef>
-            <a:effectRef idx="0">
-              <a:schemeClr val="accent1"/>
-            </a:effectRef>
-            <a:fontRef idx="minor">
-              <a:schemeClr val="tx1"/>
-            </a:fontRef>
-          </p:style>
-          <p:txBody>
-            <a:bodyPr rtlCol="0" anchor="ctr"/>
-            <a:lstStyle/>
-            <a:p>
-              <a:pPr algn="ctr"/>
-              <a:endParaRPr lang="en-US"/>
-            </a:p>
-          </p:txBody>
-        </p:sp>
-        <p:sp>
-          <p:nvSpPr>
-            <p:cNvPr id="39" name="TextBox 38"/>
-            <p:cNvSpPr txBox="1"/>
-            <p:nvPr/>
-          </p:nvSpPr>
-          <p:spPr>
-            <a:xfrm>
-              <a:off x="7620000" y="1018401"/>
-              <a:ext cx="723900" cy="276999"/>
-            </a:xfrm>
-            <a:prstGeom prst="rect">
-              <a:avLst/>
-            </a:prstGeom>
-            <a:noFill/>
-          </p:spPr>
-          <p:txBody>
-            <a:bodyPr wrap="square" rtlCol="0">
-              <a:spAutoFit/>
-            </a:bodyPr>
-            <a:lstStyle/>
-            <a:p>
-              <a:r>
-                <a:rPr lang="en-US" sz="1200" b="1" dirty="0" smtClean="0"/>
-                <a:t>Account</a:t>
-              </a:r>
-              <a:endParaRPr lang="en-US" sz="1200" b="1" dirty="0"/>
-            </a:p>
-          </p:txBody>
-        </p:sp>
-      </p:grpSp>
-      <p:grpSp>
-        <p:nvGrpSpPr>
-          <p:cNvPr id="63" name="Group 62"/>
-          <p:cNvGrpSpPr/>
-          <p:nvPr/>
-        </p:nvGrpSpPr>
-        <p:grpSpPr>
-          <a:xfrm>
-            <a:off x="8313041" y="5197797"/>
-            <a:ext cx="886968" cy="1501139"/>
-            <a:chOff x="8313041" y="5197797"/>
-            <a:chExt cx="886968" cy="1501139"/>
-          </a:xfrm>
-        </p:grpSpPr>
-        <p:sp>
-          <p:nvSpPr>
-            <p:cNvPr id="42" name="Right Brace 41"/>
-            <p:cNvSpPr/>
-            <p:nvPr/>
-          </p:nvSpPr>
-          <p:spPr>
-            <a:xfrm>
-              <a:off x="8313041" y="5197797"/>
-              <a:ext cx="229362" cy="1501139"/>
-            </a:xfrm>
-            <a:prstGeom prst="rightBrace">
-              <a:avLst>
-                <a:gd name="adj1" fmla="val 8333"/>
-                <a:gd name="adj2" fmla="val 49171"/>
-              </a:avLst>
-            </a:prstGeom>
-          </p:spPr>
-          <p:style>
-            <a:lnRef idx="1">
-              <a:schemeClr val="accent1"/>
-            </a:lnRef>
-            <a:fillRef idx="0">
-              <a:schemeClr val="accent1"/>
-            </a:fillRef>
-            <a:effectRef idx="0">
-              <a:schemeClr val="accent1"/>
-            </a:effectRef>
-            <a:fontRef idx="minor">
-              <a:schemeClr val="tx1"/>
-            </a:fontRef>
-          </p:style>
-          <p:txBody>
-            <a:bodyPr rtlCol="0" anchor="ctr"/>
-            <a:lstStyle/>
-            <a:p>
-              <a:pPr algn="ctr"/>
-              <a:endParaRPr lang="en-US"/>
-            </a:p>
-          </p:txBody>
-        </p:sp>
-        <p:sp>
-          <p:nvSpPr>
-            <p:cNvPr id="43" name="TextBox 42"/>
-            <p:cNvSpPr txBox="1"/>
-            <p:nvPr/>
-          </p:nvSpPr>
-          <p:spPr>
-            <a:xfrm>
-              <a:off x="8494776" y="5782056"/>
-              <a:ext cx="705233" cy="276999"/>
-            </a:xfrm>
-            <a:prstGeom prst="rect">
-              <a:avLst/>
-            </a:prstGeom>
-            <a:noFill/>
-          </p:spPr>
-          <p:txBody>
-            <a:bodyPr wrap="square" rtlCol="0">
-              <a:spAutoFit/>
-            </a:bodyPr>
-            <a:lstStyle/>
-            <a:p>
-              <a:r>
-                <a:rPr lang="en-US" sz="1200" b="1" dirty="0" smtClean="0"/>
-                <a:t>Contact</a:t>
-              </a:r>
-              <a:endParaRPr lang="en-US" sz="1200" b="1" dirty="0"/>
-            </a:p>
-          </p:txBody>
-        </p:sp>
-      </p:grpSp>
-      <p:grpSp>
-        <p:nvGrpSpPr>
-          <p:cNvPr id="55" name="Group 54"/>
-          <p:cNvGrpSpPr/>
-          <p:nvPr/>
-        </p:nvGrpSpPr>
-        <p:grpSpPr>
-          <a:xfrm>
-            <a:off x="6537961" y="5486400"/>
-            <a:ext cx="1330072" cy="276999"/>
-            <a:chOff x="6537961" y="5486400"/>
-            <a:chExt cx="1330072" cy="276999"/>
+            <a:off x="2895601" y="990600"/>
+            <a:ext cx="2984789" cy="1481368"/>
+            <a:chOff x="2895601" y="990600"/>
+            <a:chExt cx="2984789" cy="1481368"/>
           </a:xfrm>
         </p:grpSpPr>
         <p:cxnSp>
           <p:nvCxnSpPr>
-            <p:cNvPr id="17" name="Straight Arrow Connector 16"/>
+            <p:cNvPr id="123" name="Straight Arrow Connector 122"/>
             <p:cNvCxnSpPr/>
             <p:nvPr/>
           </p:nvCxnSpPr>
           <p:spPr>
-            <a:xfrm flipH="1">
-              <a:off x="6537961" y="5695950"/>
-              <a:ext cx="1330072" cy="19050"/>
+            <a:xfrm flipH="1" flipV="1">
+              <a:off x="2895601" y="990600"/>
+              <a:ext cx="2202977" cy="1481368"/>
             </a:xfrm>
             <a:prstGeom prst="straightConnector1">
               <a:avLst/>
@@ -4417,14 +5136,89 @@
         </p:cxnSp>
         <p:sp>
           <p:nvSpPr>
-            <p:cNvPr id="44" name="TextBox 43"/>
+            <p:cNvPr id="128" name="TextBox 127"/>
+            <p:cNvSpPr txBox="1"/>
+            <p:nvPr/>
+          </p:nvSpPr>
+          <p:spPr>
+            <a:xfrm rot="1995425">
+              <a:off x="2984790" y="1785244"/>
+              <a:ext cx="2895600" cy="261610"/>
+            </a:xfrm>
+            <a:prstGeom prst="rect">
+              <a:avLst/>
+            </a:prstGeom>
+            <a:noFill/>
+          </p:spPr>
+          <p:txBody>
+            <a:bodyPr wrap="square" rtlCol="0">
+              <a:spAutoFit/>
+            </a:bodyPr>
+            <a:lstStyle/>
+            <a:p>
+              <a:r>
+                <a:rPr lang="en-US" sz="1100" dirty="0" smtClean="0"/>
+                <a:t>Refers to and asked for their services</a:t>
+              </a:r>
+              <a:endParaRPr lang="en-US" sz="1100" dirty="0"/>
+            </a:p>
+          </p:txBody>
+        </p:sp>
+      </p:grpSp>
+      <p:grpSp>
+        <p:nvGrpSpPr>
+          <p:cNvPr id="71" name="Group 70"/>
+          <p:cNvGrpSpPr/>
+          <p:nvPr/>
+        </p:nvGrpSpPr>
+        <p:grpSpPr>
+          <a:xfrm>
+            <a:off x="5410200" y="4724400"/>
+            <a:ext cx="1600200" cy="1773354"/>
+            <a:chOff x="880829" y="104001"/>
+            <a:chExt cx="1227594" cy="1357183"/>
+          </a:xfrm>
+        </p:grpSpPr>
+        <p:pic>
+          <p:nvPicPr>
+            <p:cNvPr id="72" name="Picture 71"/>
+            <p:cNvPicPr>
+              <a:picLocks noChangeAspect="1"/>
+            </p:cNvPicPr>
+            <p:nvPr/>
+          </p:nvPicPr>
+          <p:blipFill>
+            <a:blip r:embed="rId5" cstate="print">
+              <a:extLst>
+                <a:ext uri="{28A0092B-C50C-407E-A947-70E740481C1C}">
+                  <a14:useLocalDpi xmlns:a14="http://schemas.microsoft.com/office/drawing/2010/main" val="0"/>
+                </a:ext>
+              </a:extLst>
+            </a:blip>
+            <a:stretch>
+              <a:fillRect/>
+            </a:stretch>
+          </p:blipFill>
+          <p:spPr>
+            <a:xfrm>
+              <a:off x="880829" y="233590"/>
+              <a:ext cx="1227594" cy="1227594"/>
+            </a:xfrm>
+            <a:prstGeom prst="rect">
+              <a:avLst/>
+            </a:prstGeom>
+          </p:spPr>
+        </p:pic>
+        <p:sp>
+          <p:nvSpPr>
+            <p:cNvPr id="73" name="TextBox 72"/>
             <p:cNvSpPr txBox="1"/>
             <p:nvPr/>
           </p:nvSpPr>
           <p:spPr>
             <a:xfrm>
-              <a:off x="6907529" y="5486400"/>
-              <a:ext cx="560071" cy="276999"/>
+              <a:off x="914400" y="104001"/>
+              <a:ext cx="1194023" cy="276999"/>
             </a:xfrm>
             <a:prstGeom prst="rect">
               <a:avLst/>
@@ -4439,7 +5233,7 @@
             <a:p>
               <a:r>
                 <a:rPr lang="en-US" sz="1200" dirty="0" smtClean="0"/>
-                <a:t>query</a:t>
+                <a:t>XYZ Company</a:t>
               </a:r>
               <a:endParaRPr lang="en-US" sz="1200" dirty="0"/>
             </a:p>
@@ -4448,137 +5242,30 @@
       </p:grpSp>
       <p:grpSp>
         <p:nvGrpSpPr>
-          <p:cNvPr id="56" name="Group 55"/>
+          <p:cNvPr id="5" name="Group 4"/>
           <p:cNvGrpSpPr/>
           <p:nvPr/>
         </p:nvGrpSpPr>
         <p:grpSpPr>
           <a:xfrm>
-            <a:off x="6477000" y="6172200"/>
-            <a:ext cx="1594104" cy="276999"/>
-            <a:chOff x="6477000" y="6172200"/>
-            <a:chExt cx="1594104" cy="276999"/>
-          </a:xfrm>
-        </p:grpSpPr>
-        <p:cxnSp>
-          <p:nvCxnSpPr>
-            <p:cNvPr id="31" name="Straight Arrow Connector 30"/>
-            <p:cNvCxnSpPr/>
-            <p:nvPr/>
-          </p:nvCxnSpPr>
-          <p:spPr>
-            <a:xfrm>
-              <a:off x="6537960" y="6428233"/>
-              <a:ext cx="1443990" cy="8806"/>
-            </a:xfrm>
-            <a:prstGeom prst="straightConnector1">
-              <a:avLst/>
-            </a:prstGeom>
-            <a:ln>
-              <a:tailEnd type="arrow"/>
-            </a:ln>
-          </p:spPr>
-          <p:style>
-            <a:lnRef idx="1">
-              <a:schemeClr val="accent1"/>
-            </a:lnRef>
-            <a:fillRef idx="0">
-              <a:schemeClr val="accent1"/>
-            </a:fillRef>
-            <a:effectRef idx="0">
-              <a:schemeClr val="accent1"/>
-            </a:effectRef>
-            <a:fontRef idx="minor">
-              <a:schemeClr val="tx1"/>
-            </a:fontRef>
-          </p:style>
-        </p:cxnSp>
-        <p:sp>
-          <p:nvSpPr>
-            <p:cNvPr id="45" name="TextBox 44"/>
-            <p:cNvSpPr txBox="1"/>
-            <p:nvPr/>
-          </p:nvSpPr>
-          <p:spPr>
-            <a:xfrm flipH="1">
-              <a:off x="6477000" y="6172200"/>
-              <a:ext cx="1594104" cy="276999"/>
-            </a:xfrm>
-            <a:prstGeom prst="rect">
-              <a:avLst/>
-            </a:prstGeom>
-            <a:noFill/>
-          </p:spPr>
-          <p:txBody>
-            <a:bodyPr wrap="square" rtlCol="0">
-              <a:spAutoFit/>
-            </a:bodyPr>
-            <a:lstStyle/>
-            <a:p>
-              <a:r>
-                <a:rPr lang="en-US" sz="1200" dirty="0" smtClean="0"/>
-                <a:t>Refers(XYZ Company)</a:t>
-              </a:r>
-              <a:endParaRPr lang="en-US" sz="1200" dirty="0"/>
-            </a:p>
-          </p:txBody>
-        </p:sp>
-      </p:grpSp>
-      <p:pic>
-        <p:nvPicPr>
-          <p:cNvPr id="46" name="Picture 45"/>
-          <p:cNvPicPr>
-            <a:picLocks noChangeAspect="1"/>
-          </p:cNvPicPr>
-          <p:nvPr/>
-        </p:nvPicPr>
-        <p:blipFill rotWithShape="1">
-          <a:blip r:embed="rId3" cstate="print">
-            <a:extLst>
-              <a:ext uri="{28A0092B-C50C-407E-A947-70E740481C1C}">
-                <a14:useLocalDpi xmlns:a14="http://schemas.microsoft.com/office/drawing/2010/main" val="0"/>
-              </a:ext>
-            </a:extLst>
-          </a:blip>
-          <a:srcRect l="6250" r="68375"/>
-          <a:stretch/>
-        </p:blipFill>
-        <p:spPr>
-          <a:xfrm>
-            <a:off x="5939028" y="5179510"/>
-            <a:ext cx="618744" cy="1716024"/>
-          </a:xfrm>
-          <a:prstGeom prst="rect">
-            <a:avLst/>
-          </a:prstGeom>
-        </p:spPr>
-      </p:pic>
-      <p:grpSp>
-        <p:nvGrpSpPr>
-          <p:cNvPr id="62" name="Group 61"/>
-          <p:cNvGrpSpPr/>
-          <p:nvPr/>
-        </p:nvGrpSpPr>
-        <p:grpSpPr>
-          <a:xfrm>
-            <a:off x="5006113" y="4585761"/>
-            <a:ext cx="3283841" cy="612036"/>
-            <a:chOff x="5142738" y="4457699"/>
-            <a:chExt cx="3170303" cy="763873"/>
+            <a:off x="7086600" y="5334000"/>
+            <a:ext cx="756533" cy="445418"/>
+            <a:chOff x="7210044" y="5355595"/>
+            <a:chExt cx="756533" cy="445418"/>
           </a:xfrm>
         </p:grpSpPr>
         <p:sp>
           <p:nvSpPr>
-            <p:cNvPr id="60" name="U-Turn Arrow 59"/>
+            <p:cNvPr id="75" name="Down Arrow 74"/>
             <p:cNvSpPr/>
             <p:nvPr/>
           </p:nvSpPr>
           <p:spPr>
-            <a:xfrm>
-              <a:off x="5142738" y="4457699"/>
-              <a:ext cx="3170303" cy="763873"/>
+            <a:xfrm rot="16200000">
+              <a:off x="7483584" y="5318019"/>
+              <a:ext cx="314612" cy="651375"/>
             </a:xfrm>
-            <a:prstGeom prst="uturnArrow">
+            <a:prstGeom prst="downArrow">
               <a:avLst/>
             </a:prstGeom>
           </p:spPr>
@@ -4603,24 +5290,20 @@
             <a:lstStyle/>
             <a:p>
               <a:pPr algn="ctr"/>
-              <a:endParaRPr lang="en-US">
-                <a:solidFill>
-                  <a:schemeClr val="tx1"/>
-                </a:solidFill>
-              </a:endParaRPr>
+              <a:endParaRPr lang="en-US"/>
             </a:p>
           </p:txBody>
         </p:sp>
         <p:sp>
           <p:nvSpPr>
-            <p:cNvPr id="61" name="TextBox 60"/>
+            <p:cNvPr id="4" name="TextBox 3"/>
             <p:cNvSpPr txBox="1"/>
             <p:nvPr/>
           </p:nvSpPr>
           <p:spPr>
             <a:xfrm>
-              <a:off x="5410201" y="4643735"/>
-              <a:ext cx="2590800" cy="461665"/>
+              <a:off x="7210044" y="5355595"/>
+              <a:ext cx="714756" cy="261610"/>
             </a:xfrm>
             <a:prstGeom prst="rect">
               <a:avLst/>
@@ -4634,10 +5317,10 @@
             <a:lstStyle/>
             <a:p>
               <a:r>
-                <a:rPr lang="en-US" sz="1200" dirty="0"/>
-                <a:t>Introduce the company and gathers the query</a:t>
+                <a:rPr lang="en-US" sz="1100" dirty="0" smtClean="0"/>
+                <a:t>Supplies</a:t>
               </a:r>
-              <a:endParaRPr lang="en-US" sz="1200" dirty="0"/>
+              <a:endParaRPr lang="en-US" sz="1100" dirty="0"/>
             </a:p>
           </p:txBody>
         </p:sp>
@@ -4675,7 +5358,7 @@
                               <p:par>
                                 <p:cTn id="5" presetID="6" presetClass="entr" presetSubtype="16" fill="hold" nodeType="clickEffect">
                                   <p:stCondLst>
-                                    <p:cond delay="750"/>
+                                    <p:cond delay="0"/>
                                   </p:stCondLst>
                                   <p:childTnLst>
                                     <p:set>
@@ -4686,7 +5369,7 @@
                                           </p:stCondLst>
                                         </p:cTn>
                                         <p:tgtEl>
-                                          <p:spTgt spid="18"/>
+                                          <p:spTgt spid="64"/>
                                         </p:tgtEl>
                                         <p:attrNameLst>
                                           <p:attrName>style.visibility</p:attrName>
@@ -4700,7 +5383,7 @@
                                       <p:cBhvr>
                                         <p:cTn id="7" dur="2000"/>
                                         <p:tgtEl>
-                                          <p:spTgt spid="18"/>
+                                          <p:spTgt spid="64"/>
                                         </p:tgtEl>
                                       </p:cBhvr>
                                     </p:animEffect>
@@ -4726,7 +5409,7 @@
                             </p:stCondLst>
                             <p:childTnLst>
                               <p:par>
-                                <p:cTn id="10" presetID="6" presetClass="entr" presetSubtype="16" fill="hold" nodeType="clickEffect">
+                                <p:cTn id="10" presetID="42" presetClass="entr" presetSubtype="0" fill="hold" grpId="0" nodeType="clickEffect">
                                   <p:stCondLst>
                                     <p:cond delay="750"/>
                                   </p:stCondLst>
@@ -4734,59 +5417,6 @@
                                     <p:set>
                                       <p:cBhvr>
                                         <p:cTn id="11" dur="1" fill="hold">
-                                          <p:stCondLst>
-                                            <p:cond delay="0"/>
-                                          </p:stCondLst>
-                                        </p:cTn>
-                                        <p:tgtEl>
-                                          <p:spTgt spid="64"/>
-                                        </p:tgtEl>
-                                        <p:attrNameLst>
-                                          <p:attrName>style.visibility</p:attrName>
-                                        </p:attrNameLst>
-                                      </p:cBhvr>
-                                      <p:to>
-                                        <p:strVal val="visible"/>
-                                      </p:to>
-                                    </p:set>
-                                    <p:animEffect transition="in" filter="circle(in)">
-                                      <p:cBhvr>
-                                        <p:cTn id="12" dur="2000"/>
-                                        <p:tgtEl>
-                                          <p:spTgt spid="64"/>
-                                        </p:tgtEl>
-                                      </p:cBhvr>
-                                    </p:animEffect>
-                                  </p:childTnLst>
-                                </p:cTn>
-                              </p:par>
-                            </p:childTnLst>
-                          </p:cTn>
-                        </p:par>
-                      </p:childTnLst>
-                    </p:cTn>
-                  </p:par>
-                  <p:par>
-                    <p:cTn id="13" fill="hold">
-                      <p:stCondLst>
-                        <p:cond delay="indefinite"/>
-                      </p:stCondLst>
-                      <p:childTnLst>
-                        <p:par>
-                          <p:cTn id="14" fill="hold">
-                            <p:stCondLst>
-                              <p:cond delay="0"/>
-                            </p:stCondLst>
-                            <p:childTnLst>
-                              <p:par>
-                                <p:cTn id="15" presetID="42" presetClass="entr" presetSubtype="0" fill="hold" grpId="0" nodeType="clickEffect">
-                                  <p:stCondLst>
-                                    <p:cond delay="750"/>
-                                  </p:stCondLst>
-                                  <p:childTnLst>
-                                    <p:set>
-                                      <p:cBhvr>
-                                        <p:cTn id="16" dur="1" fill="hold">
                                           <p:stCondLst>
                                             <p:cond delay="0"/>
                                           </p:stCondLst>
@@ -4804,7 +5434,7 @@
                                     </p:set>
                                     <p:animEffect transition="in" filter="fade">
                                       <p:cBhvr>
-                                        <p:cTn id="17" dur="2000"/>
+                                        <p:cTn id="12" dur="2000"/>
                                         <p:tgtEl>
                                           <p:spTgt spid="20"/>
                                         </p:tgtEl>
@@ -4812,7 +5442,7 @@
                                     </p:animEffect>
                                     <p:anim calcmode="lin" valueType="num">
                                       <p:cBhvr>
-                                        <p:cTn id="18" dur="2000" fill="hold"/>
+                                        <p:cTn id="13" dur="2000" fill="hold"/>
                                         <p:tgtEl>
                                           <p:spTgt spid="20"/>
                                         </p:tgtEl>
@@ -4835,7 +5465,7 @@
                                     </p:anim>
                                     <p:anim calcmode="lin" valueType="num">
                                       <p:cBhvr>
-                                        <p:cTn id="19" dur="2000" fill="hold"/>
+                                        <p:cTn id="14" dur="2000" fill="hold"/>
                                         <p:tgtEl>
                                           <p:spTgt spid="20"/>
                                         </p:tgtEl>
@@ -4866,32 +5496,129 @@
                     </p:cTn>
                   </p:par>
                   <p:par>
-                    <p:cTn id="20" fill="hold">
+                    <p:cTn id="15" fill="hold">
                       <p:stCondLst>
                         <p:cond delay="indefinite"/>
                       </p:stCondLst>
                       <p:childTnLst>
                         <p:par>
-                          <p:cTn id="21" fill="hold">
+                          <p:cTn id="16" fill="hold">
                             <p:stCondLst>
                               <p:cond delay="0"/>
                             </p:stCondLst>
                             <p:childTnLst>
                               <p:par>
-                                <p:cTn id="22" presetID="42" presetClass="entr" presetSubtype="0" fill="hold" grpId="0" nodeType="clickEffect">
+                                <p:cTn id="17" presetID="6" presetClass="entr" presetSubtype="16" fill="hold" nodeType="clickEffect">
                                   <p:stCondLst>
                                     <p:cond delay="750"/>
                                   </p:stCondLst>
                                   <p:childTnLst>
                                     <p:set>
                                       <p:cBhvr>
-                                        <p:cTn id="23" dur="1" fill="hold">
+                                        <p:cTn id="18" dur="1" fill="hold">
                                           <p:stCondLst>
                                             <p:cond delay="0"/>
                                           </p:stCondLst>
                                         </p:cTn>
                                         <p:tgtEl>
-                                          <p:spTgt spid="19"/>
+                                          <p:spTgt spid="6"/>
+                                        </p:tgtEl>
+                                        <p:attrNameLst>
+                                          <p:attrName>style.visibility</p:attrName>
+                                        </p:attrNameLst>
+                                      </p:cBhvr>
+                                      <p:to>
+                                        <p:strVal val="visible"/>
+                                      </p:to>
+                                    </p:set>
+                                    <p:animEffect transition="in" filter="circle(in)">
+                                      <p:cBhvr>
+                                        <p:cTn id="19" dur="2000"/>
+                                        <p:tgtEl>
+                                          <p:spTgt spid="6"/>
+                                        </p:tgtEl>
+                                      </p:cBhvr>
+                                    </p:animEffect>
+                                  </p:childTnLst>
+                                </p:cTn>
+                              </p:par>
+                            </p:childTnLst>
+                          </p:cTn>
+                        </p:par>
+                        <p:par>
+                          <p:cTn id="20" fill="hold">
+                            <p:stCondLst>
+                              <p:cond delay="2750"/>
+                            </p:stCondLst>
+                            <p:childTnLst>
+                              <p:par>
+                                <p:cTn id="21" presetID="6" presetClass="entr" presetSubtype="16" fill="hold" nodeType="afterEffect">
+                                  <p:stCondLst>
+                                    <p:cond delay="0"/>
+                                  </p:stCondLst>
+                                  <p:childTnLst>
+                                    <p:set>
+                                      <p:cBhvr>
+                                        <p:cTn id="22" dur="1" fill="hold">
+                                          <p:stCondLst>
+                                            <p:cond delay="0"/>
+                                          </p:stCondLst>
+                                        </p:cTn>
+                                        <p:tgtEl>
+                                          <p:spTgt spid="120"/>
+                                        </p:tgtEl>
+                                        <p:attrNameLst>
+                                          <p:attrName>style.visibility</p:attrName>
+                                        </p:attrNameLst>
+                                      </p:cBhvr>
+                                      <p:to>
+                                        <p:strVal val="visible"/>
+                                      </p:to>
+                                    </p:set>
+                                    <p:animEffect transition="in" filter="circle(in)">
+                                      <p:cBhvr>
+                                        <p:cTn id="23" dur="3000"/>
+                                        <p:tgtEl>
+                                          <p:spTgt spid="120"/>
+                                        </p:tgtEl>
+                                      </p:cBhvr>
+                                    </p:animEffect>
+                                  </p:childTnLst>
+                                </p:cTn>
+                              </p:par>
+                            </p:childTnLst>
+                          </p:cTn>
+                        </p:par>
+                      </p:childTnLst>
+                    </p:cTn>
+                  </p:par>
+                  <p:par>
+                    <p:cTn id="24" fill="hold">
+                      <p:stCondLst>
+                        <p:cond delay="indefinite"/>
+                      </p:stCondLst>
+                      <p:childTnLst>
+                        <p:par>
+                          <p:cTn id="25" fill="hold">
+                            <p:stCondLst>
+                              <p:cond delay="0"/>
+                            </p:stCondLst>
+                            <p:childTnLst>
+                              <p:par>
+                                <p:cTn id="26" presetID="10" presetClass="entr" presetSubtype="0" fill="hold" nodeType="clickEffect">
+                                  <p:stCondLst>
+                                    <p:cond delay="750"/>
+                                  </p:stCondLst>
+                                  <p:childTnLst>
+                                    <p:set>
+                                      <p:cBhvr>
+                                        <p:cTn id="27" dur="1" fill="hold">
+                                          <p:stCondLst>
+                                            <p:cond delay="0"/>
+                                          </p:stCondLst>
+                                        </p:cTn>
+                                        <p:tgtEl>
+                                          <p:spTgt spid="85"/>
                                         </p:tgtEl>
                                         <p:attrNameLst>
                                           <p:attrName>style.visibility</p:attrName>
@@ -4903,17 +5630,547 @@
                                     </p:set>
                                     <p:animEffect transition="in" filter="fade">
                                       <p:cBhvr>
-                                        <p:cTn id="24" dur="2000"/>
+                                        <p:cTn id="28" dur="2000"/>
                                         <p:tgtEl>
-                                          <p:spTgt spid="19"/>
+                                          <p:spTgt spid="85"/>
+                                        </p:tgtEl>
+                                      </p:cBhvr>
+                                    </p:animEffect>
+                                  </p:childTnLst>
+                                </p:cTn>
+                              </p:par>
+                            </p:childTnLst>
+                          </p:cTn>
+                        </p:par>
+                      </p:childTnLst>
+                    </p:cTn>
+                  </p:par>
+                  <p:par>
+                    <p:cTn id="29" fill="hold">
+                      <p:stCondLst>
+                        <p:cond delay="indefinite"/>
+                      </p:stCondLst>
+                      <p:childTnLst>
+                        <p:par>
+                          <p:cTn id="30" fill="hold">
+                            <p:stCondLst>
+                              <p:cond delay="0"/>
+                            </p:stCondLst>
+                            <p:childTnLst>
+                              <p:par>
+                                <p:cTn id="31" presetID="10" presetClass="entr" presetSubtype="0" fill="hold" nodeType="clickEffect">
+                                  <p:stCondLst>
+                                    <p:cond delay="750"/>
+                                  </p:stCondLst>
+                                  <p:childTnLst>
+                                    <p:set>
+                                      <p:cBhvr>
+                                        <p:cTn id="32" dur="1" fill="hold">
+                                          <p:stCondLst>
+                                            <p:cond delay="0"/>
+                                          </p:stCondLst>
+                                        </p:cTn>
+                                        <p:tgtEl>
+                                          <p:spTgt spid="86"/>
+                                        </p:tgtEl>
+                                        <p:attrNameLst>
+                                          <p:attrName>style.visibility</p:attrName>
+                                        </p:attrNameLst>
+                                      </p:cBhvr>
+                                      <p:to>
+                                        <p:strVal val="visible"/>
+                                      </p:to>
+                                    </p:set>
+                                    <p:animEffect transition="in" filter="fade">
+                                      <p:cBhvr>
+                                        <p:cTn id="33" dur="2000"/>
+                                        <p:tgtEl>
+                                          <p:spTgt spid="86"/>
+                                        </p:tgtEl>
+                                      </p:cBhvr>
+                                    </p:animEffect>
+                                  </p:childTnLst>
+                                </p:cTn>
+                              </p:par>
+                            </p:childTnLst>
+                          </p:cTn>
+                        </p:par>
+                      </p:childTnLst>
+                    </p:cTn>
+                  </p:par>
+                  <p:par>
+                    <p:cTn id="34" fill="hold">
+                      <p:stCondLst>
+                        <p:cond delay="indefinite"/>
+                      </p:stCondLst>
+                      <p:childTnLst>
+                        <p:par>
+                          <p:cTn id="35" fill="hold">
+                            <p:stCondLst>
+                              <p:cond delay="0"/>
+                            </p:stCondLst>
+                            <p:childTnLst>
+                              <p:par>
+                                <p:cTn id="36" presetID="10" presetClass="entr" presetSubtype="0" fill="hold" nodeType="clickEffect">
+                                  <p:stCondLst>
+                                    <p:cond delay="750"/>
+                                  </p:stCondLst>
+                                  <p:childTnLst>
+                                    <p:set>
+                                      <p:cBhvr>
+                                        <p:cTn id="37" dur="1" fill="hold">
+                                          <p:stCondLst>
+                                            <p:cond delay="0"/>
+                                          </p:stCondLst>
+                                        </p:cTn>
+                                        <p:tgtEl>
+                                          <p:spTgt spid="87"/>
+                                        </p:tgtEl>
+                                        <p:attrNameLst>
+                                          <p:attrName>style.visibility</p:attrName>
+                                        </p:attrNameLst>
+                                      </p:cBhvr>
+                                      <p:to>
+                                        <p:strVal val="visible"/>
+                                      </p:to>
+                                    </p:set>
+                                    <p:animEffect transition="in" filter="fade">
+                                      <p:cBhvr>
+                                        <p:cTn id="38" dur="2000"/>
+                                        <p:tgtEl>
+                                          <p:spTgt spid="87"/>
+                                        </p:tgtEl>
+                                      </p:cBhvr>
+                                    </p:animEffect>
+                                  </p:childTnLst>
+                                </p:cTn>
+                              </p:par>
+                            </p:childTnLst>
+                          </p:cTn>
+                        </p:par>
+                      </p:childTnLst>
+                    </p:cTn>
+                  </p:par>
+                  <p:par>
+                    <p:cTn id="39" fill="hold">
+                      <p:stCondLst>
+                        <p:cond delay="indefinite"/>
+                      </p:stCondLst>
+                      <p:childTnLst>
+                        <p:par>
+                          <p:cTn id="40" fill="hold">
+                            <p:stCondLst>
+                              <p:cond delay="0"/>
+                            </p:stCondLst>
+                            <p:childTnLst>
+                              <p:par>
+                                <p:cTn id="41" presetID="16" presetClass="entr" presetSubtype="21" fill="hold" nodeType="clickEffect">
+                                  <p:stCondLst>
+                                    <p:cond delay="0"/>
+                                  </p:stCondLst>
+                                  <p:childTnLst>
+                                    <p:set>
+                                      <p:cBhvr>
+                                        <p:cTn id="42" dur="1" fill="hold">
+                                          <p:stCondLst>
+                                            <p:cond delay="0"/>
+                                          </p:stCondLst>
+                                        </p:cTn>
+                                        <p:tgtEl>
+                                          <p:spTgt spid="47"/>
+                                        </p:tgtEl>
+                                        <p:attrNameLst>
+                                          <p:attrName>style.visibility</p:attrName>
+                                        </p:attrNameLst>
+                                      </p:cBhvr>
+                                      <p:to>
+                                        <p:strVal val="visible"/>
+                                      </p:to>
+                                    </p:set>
+                                    <p:animEffect transition="in" filter="barn(inVertical)">
+                                      <p:cBhvr>
+                                        <p:cTn id="43" dur="2000"/>
+                                        <p:tgtEl>
+                                          <p:spTgt spid="47"/>
+                                        </p:tgtEl>
+                                      </p:cBhvr>
+                                    </p:animEffect>
+                                  </p:childTnLst>
+                                </p:cTn>
+                              </p:par>
+                            </p:childTnLst>
+                          </p:cTn>
+                        </p:par>
+                      </p:childTnLst>
+                    </p:cTn>
+                  </p:par>
+                  <p:par>
+                    <p:cTn id="44" fill="hold">
+                      <p:stCondLst>
+                        <p:cond delay="indefinite"/>
+                      </p:stCondLst>
+                      <p:childTnLst>
+                        <p:par>
+                          <p:cTn id="45" fill="hold">
+                            <p:stCondLst>
+                              <p:cond delay="0"/>
+                            </p:stCondLst>
+                            <p:childTnLst>
+                              <p:par>
+                                <p:cTn id="46" presetID="10" presetClass="entr" presetSubtype="0" fill="hold" nodeType="clickEffect">
+                                  <p:stCondLst>
+                                    <p:cond delay="750"/>
+                                  </p:stCondLst>
+                                  <p:childTnLst>
+                                    <p:set>
+                                      <p:cBhvr>
+                                        <p:cTn id="47" dur="1" fill="hold">
+                                          <p:stCondLst>
+                                            <p:cond delay="0"/>
+                                          </p:stCondLst>
+                                        </p:cTn>
+                                        <p:tgtEl>
+                                          <p:spTgt spid="129"/>
+                                        </p:tgtEl>
+                                        <p:attrNameLst>
+                                          <p:attrName>style.visibility</p:attrName>
+                                        </p:attrNameLst>
+                                      </p:cBhvr>
+                                      <p:to>
+                                        <p:strVal val="visible"/>
+                                      </p:to>
+                                    </p:set>
+                                    <p:animEffect transition="in" filter="fade">
+                                      <p:cBhvr>
+                                        <p:cTn id="48" dur="2000"/>
+                                        <p:tgtEl>
+                                          <p:spTgt spid="129"/>
+                                        </p:tgtEl>
+                                      </p:cBhvr>
+                                    </p:animEffect>
+                                  </p:childTnLst>
+                                </p:cTn>
+                              </p:par>
+                            </p:childTnLst>
+                          </p:cTn>
+                        </p:par>
+                      </p:childTnLst>
+                    </p:cTn>
+                  </p:par>
+                  <p:par>
+                    <p:cTn id="49" fill="hold">
+                      <p:stCondLst>
+                        <p:cond delay="indefinite"/>
+                      </p:stCondLst>
+                      <p:childTnLst>
+                        <p:par>
+                          <p:cTn id="50" fill="hold">
+                            <p:stCondLst>
+                              <p:cond delay="0"/>
+                            </p:stCondLst>
+                            <p:childTnLst>
+                              <p:par>
+                                <p:cTn id="51" presetID="10" presetClass="entr" presetSubtype="0" fill="hold" grpId="0" nodeType="clickEffect">
+                                  <p:stCondLst>
+                                    <p:cond delay="750"/>
+                                  </p:stCondLst>
+                                  <p:childTnLst>
+                                    <p:set>
+                                      <p:cBhvr>
+                                        <p:cTn id="52" dur="1" fill="hold">
+                                          <p:stCondLst>
+                                            <p:cond delay="0"/>
+                                          </p:stCondLst>
+                                        </p:cTn>
+                                        <p:tgtEl>
+                                          <p:spTgt spid="121"/>
+                                        </p:tgtEl>
+                                        <p:attrNameLst>
+                                          <p:attrName>style.visibility</p:attrName>
+                                        </p:attrNameLst>
+                                      </p:cBhvr>
+                                      <p:to>
+                                        <p:strVal val="visible"/>
+                                      </p:to>
+                                    </p:set>
+                                    <p:animEffect transition="in" filter="fade">
+                                      <p:cBhvr>
+                                        <p:cTn id="53" dur="2000"/>
+                                        <p:tgtEl>
+                                          <p:spTgt spid="121"/>
+                                        </p:tgtEl>
+                                      </p:cBhvr>
+                                    </p:animEffect>
+                                  </p:childTnLst>
+                                </p:cTn>
+                              </p:par>
+                            </p:childTnLst>
+                          </p:cTn>
+                        </p:par>
+                      </p:childTnLst>
+                    </p:cTn>
+                  </p:par>
+                  <p:par>
+                    <p:cTn id="54" fill="hold">
+                      <p:stCondLst>
+                        <p:cond delay="indefinite"/>
+                      </p:stCondLst>
+                      <p:childTnLst>
+                        <p:par>
+                          <p:cTn id="55" fill="hold">
+                            <p:stCondLst>
+                              <p:cond delay="0"/>
+                            </p:stCondLst>
+                            <p:childTnLst>
+                              <p:par>
+                                <p:cTn id="56" presetID="14" presetClass="entr" presetSubtype="10" fill="hold" nodeType="clickEffect">
+                                  <p:stCondLst>
+                                    <p:cond delay="750"/>
+                                  </p:stCondLst>
+                                  <p:childTnLst>
+                                    <p:set>
+                                      <p:cBhvr>
+                                        <p:cTn id="57" dur="1" fill="hold">
+                                          <p:stCondLst>
+                                            <p:cond delay="0"/>
+                                          </p:stCondLst>
+                                        </p:cTn>
+                                        <p:tgtEl>
+                                          <p:spTgt spid="79"/>
+                                        </p:tgtEl>
+                                        <p:attrNameLst>
+                                          <p:attrName>style.visibility</p:attrName>
+                                        </p:attrNameLst>
+                                      </p:cBhvr>
+                                      <p:to>
+                                        <p:strVal val="visible"/>
+                                      </p:to>
+                                    </p:set>
+                                    <p:animEffect transition="in" filter="randombar(horizontal)">
+                                      <p:cBhvr>
+                                        <p:cTn id="58" dur="2000"/>
+                                        <p:tgtEl>
+                                          <p:spTgt spid="79"/>
+                                        </p:tgtEl>
+                                      </p:cBhvr>
+                                    </p:animEffect>
+                                  </p:childTnLst>
+                                </p:cTn>
+                              </p:par>
+                            </p:childTnLst>
+                          </p:cTn>
+                        </p:par>
+                      </p:childTnLst>
+                    </p:cTn>
+                  </p:par>
+                  <p:par>
+                    <p:cTn id="59" fill="hold">
+                      <p:stCondLst>
+                        <p:cond delay="indefinite"/>
+                      </p:stCondLst>
+                      <p:childTnLst>
+                        <p:par>
+                          <p:cTn id="60" fill="hold">
+                            <p:stCondLst>
+                              <p:cond delay="0"/>
+                            </p:stCondLst>
+                            <p:childTnLst>
+                              <p:par>
+                                <p:cTn id="61" presetID="16" presetClass="entr" presetSubtype="21" fill="hold" nodeType="clickEffect">
+                                  <p:stCondLst>
+                                    <p:cond delay="750"/>
+                                  </p:stCondLst>
+                                  <p:childTnLst>
+                                    <p:set>
+                                      <p:cBhvr>
+                                        <p:cTn id="62" dur="1" fill="hold">
+                                          <p:stCondLst>
+                                            <p:cond delay="0"/>
+                                          </p:stCondLst>
+                                        </p:cTn>
+                                        <p:tgtEl>
+                                          <p:spTgt spid="28"/>
+                                        </p:tgtEl>
+                                        <p:attrNameLst>
+                                          <p:attrName>style.visibility</p:attrName>
+                                        </p:attrNameLst>
+                                      </p:cBhvr>
+                                      <p:to>
+                                        <p:strVal val="visible"/>
+                                      </p:to>
+                                    </p:set>
+                                    <p:animEffect transition="in" filter="barn(inVertical)">
+                                      <p:cBhvr>
+                                        <p:cTn id="63" dur="2000"/>
+                                        <p:tgtEl>
+                                          <p:spTgt spid="28"/>
+                                        </p:tgtEl>
+                                      </p:cBhvr>
+                                    </p:animEffect>
+                                  </p:childTnLst>
+                                </p:cTn>
+                              </p:par>
+                            </p:childTnLst>
+                          </p:cTn>
+                        </p:par>
+                      </p:childTnLst>
+                    </p:cTn>
+                  </p:par>
+                  <p:par>
+                    <p:cTn id="64" fill="hold">
+                      <p:stCondLst>
+                        <p:cond delay="indefinite"/>
+                      </p:stCondLst>
+                      <p:childTnLst>
+                        <p:par>
+                          <p:cTn id="65" fill="hold">
+                            <p:stCondLst>
+                              <p:cond delay="0"/>
+                            </p:stCondLst>
+                            <p:childTnLst>
+                              <p:par>
+                                <p:cTn id="66" presetID="10" presetClass="entr" presetSubtype="0" fill="hold" nodeType="clickEffect">
+                                  <p:stCondLst>
+                                    <p:cond delay="0"/>
+                                  </p:stCondLst>
+                                  <p:childTnLst>
+                                    <p:set>
+                                      <p:cBhvr>
+                                        <p:cTn id="67" dur="1" fill="hold">
+                                          <p:stCondLst>
+                                            <p:cond delay="0"/>
+                                          </p:stCondLst>
+                                        </p:cTn>
+                                        <p:tgtEl>
+                                          <p:spTgt spid="81"/>
+                                        </p:tgtEl>
+                                        <p:attrNameLst>
+                                          <p:attrName>style.visibility</p:attrName>
+                                        </p:attrNameLst>
+                                      </p:cBhvr>
+                                      <p:to>
+                                        <p:strVal val="visible"/>
+                                      </p:to>
+                                    </p:set>
+                                    <p:animEffect transition="in" filter="fade">
+                                      <p:cBhvr>
+                                        <p:cTn id="68" dur="500"/>
+                                        <p:tgtEl>
+                                          <p:spTgt spid="81"/>
+                                        </p:tgtEl>
+                                      </p:cBhvr>
+                                    </p:animEffect>
+                                  </p:childTnLst>
+                                </p:cTn>
+                              </p:par>
+                            </p:childTnLst>
+                          </p:cTn>
+                        </p:par>
+                      </p:childTnLst>
+                    </p:cTn>
+                  </p:par>
+                  <p:par>
+                    <p:cTn id="69" fill="hold">
+                      <p:stCondLst>
+                        <p:cond delay="indefinite"/>
+                      </p:stCondLst>
+                      <p:childTnLst>
+                        <p:par>
+                          <p:cTn id="70" fill="hold">
+                            <p:stCondLst>
+                              <p:cond delay="0"/>
+                            </p:stCondLst>
+                            <p:childTnLst>
+                              <p:par>
+                                <p:cTn id="71" presetID="22" presetClass="entr" presetSubtype="4" fill="hold" nodeType="clickEffect">
+                                  <p:stCondLst>
+                                    <p:cond delay="750"/>
+                                  </p:stCondLst>
+                                  <p:childTnLst>
+                                    <p:set>
+                                      <p:cBhvr>
+                                        <p:cTn id="72" dur="1" fill="hold">
+                                          <p:stCondLst>
+                                            <p:cond delay="0"/>
+                                          </p:stCondLst>
+                                        </p:cTn>
+                                        <p:tgtEl>
+                                          <p:spTgt spid="29"/>
+                                        </p:tgtEl>
+                                        <p:attrNameLst>
+                                          <p:attrName>style.visibility</p:attrName>
+                                        </p:attrNameLst>
+                                      </p:cBhvr>
+                                      <p:to>
+                                        <p:strVal val="visible"/>
+                                      </p:to>
+                                    </p:set>
+                                    <p:animEffect transition="in" filter="wipe(down)">
+                                      <p:cBhvr>
+                                        <p:cTn id="73" dur="2000"/>
+                                        <p:tgtEl>
+                                          <p:spTgt spid="29"/>
+                                        </p:tgtEl>
+                                      </p:cBhvr>
+                                    </p:animEffect>
+                                  </p:childTnLst>
+                                </p:cTn>
+                              </p:par>
+                            </p:childTnLst>
+                          </p:cTn>
+                        </p:par>
+                      </p:childTnLst>
+                    </p:cTn>
+                  </p:par>
+                  <p:par>
+                    <p:cTn id="74" fill="hold">
+                      <p:stCondLst>
+                        <p:cond delay="indefinite"/>
+                      </p:stCondLst>
+                      <p:childTnLst>
+                        <p:par>
+                          <p:cTn id="75" fill="hold">
+                            <p:stCondLst>
+                              <p:cond delay="0"/>
+                            </p:stCondLst>
+                            <p:childTnLst>
+                              <p:par>
+                                <p:cTn id="76" presetID="42" presetClass="entr" presetSubtype="0" fill="hold" nodeType="clickEffect">
+                                  <p:stCondLst>
+                                    <p:cond delay="750"/>
+                                  </p:stCondLst>
+                                  <p:childTnLst>
+                                    <p:set>
+                                      <p:cBhvr>
+                                        <p:cTn id="77" dur="1" fill="hold">
+                                          <p:stCondLst>
+                                            <p:cond delay="0"/>
+                                          </p:stCondLst>
+                                        </p:cTn>
+                                        <p:tgtEl>
+                                          <p:spTgt spid="91"/>
+                                        </p:tgtEl>
+                                        <p:attrNameLst>
+                                          <p:attrName>style.visibility</p:attrName>
+                                        </p:attrNameLst>
+                                      </p:cBhvr>
+                                      <p:to>
+                                        <p:strVal val="visible"/>
+                                      </p:to>
+                                    </p:set>
+                                    <p:animEffect transition="in" filter="fade">
+                                      <p:cBhvr>
+                                        <p:cTn id="78" dur="2000"/>
+                                        <p:tgtEl>
+                                          <p:spTgt spid="91"/>
                                         </p:tgtEl>
                                       </p:cBhvr>
                                     </p:animEffect>
                                     <p:anim calcmode="lin" valueType="num">
                                       <p:cBhvr>
-                                        <p:cTn id="25" dur="2000" fill="hold"/>
+                                        <p:cTn id="79" dur="2000" fill="hold"/>
                                         <p:tgtEl>
-                                          <p:spTgt spid="19"/>
+                                          <p:spTgt spid="91"/>
                                         </p:tgtEl>
                                         <p:attrNameLst>
                                           <p:attrName>ppt_x</p:attrName>
@@ -4934,9 +6191,9 @@
                                     </p:anim>
                                     <p:anim calcmode="lin" valueType="num">
                                       <p:cBhvr>
-                                        <p:cTn id="26" dur="2000" fill="hold"/>
+                                        <p:cTn id="80" dur="2000" fill="hold"/>
                                         <p:tgtEl>
-                                          <p:spTgt spid="19"/>
+                                          <p:spTgt spid="91"/>
                                         </p:tgtEl>
                                         <p:attrNameLst>
                                           <p:attrName>ppt_y</p:attrName>
@@ -4965,32 +6222,32 @@
                     </p:cTn>
                   </p:par>
                   <p:par>
-                    <p:cTn id="27" fill="hold">
+                    <p:cTn id="81" fill="hold">
                       <p:stCondLst>
                         <p:cond delay="indefinite"/>
                       </p:stCondLst>
                       <p:childTnLst>
                         <p:par>
-                          <p:cTn id="28" fill="hold">
+                          <p:cTn id="82" fill="hold">
                             <p:stCondLst>
                               <p:cond delay="0"/>
                             </p:stCondLst>
                             <p:childTnLst>
                               <p:par>
-                                <p:cTn id="29" presetID="14" presetClass="entr" presetSubtype="10" fill="hold" nodeType="clickEffect">
+                                <p:cTn id="83" presetID="22" presetClass="entr" presetSubtype="4" fill="hold" nodeType="clickEffect">
                                   <p:stCondLst>
                                     <p:cond delay="500"/>
                                   </p:stCondLst>
                                   <p:childTnLst>
                                     <p:set>
                                       <p:cBhvr>
-                                        <p:cTn id="30" dur="1" fill="hold">
+                                        <p:cTn id="84" dur="1" fill="hold">
                                           <p:stCondLst>
                                             <p:cond delay="0"/>
                                           </p:stCondLst>
                                         </p:cTn>
                                         <p:tgtEl>
-                                          <p:spTgt spid="15"/>
+                                          <p:spTgt spid="52"/>
                                         </p:tgtEl>
                                         <p:attrNameLst>
                                           <p:attrName>style.visibility</p:attrName>
@@ -5000,11 +6257,11 @@
                                         <p:strVal val="visible"/>
                                       </p:to>
                                     </p:set>
-                                    <p:animEffect transition="in" filter="randombar(horizontal)">
+                                    <p:animEffect transition="in" filter="wipe(down)">
                                       <p:cBhvr>
-                                        <p:cTn id="31" dur="2000"/>
+                                        <p:cTn id="85" dur="2000"/>
                                         <p:tgtEl>
-                                          <p:spTgt spid="15"/>
+                                          <p:spTgt spid="52"/>
                                         </p:tgtEl>
                                       </p:cBhvr>
                                     </p:animEffect>
@@ -5018,32 +6275,32 @@
                     </p:cTn>
                   </p:par>
                   <p:par>
-                    <p:cTn id="32" fill="hold">
+                    <p:cTn id="86" fill="hold">
                       <p:stCondLst>
                         <p:cond delay="indefinite"/>
                       </p:stCondLst>
                       <p:childTnLst>
                         <p:par>
-                          <p:cTn id="33" fill="hold">
+                          <p:cTn id="87" fill="hold">
                             <p:stCondLst>
                               <p:cond delay="0"/>
                             </p:stCondLst>
                             <p:childTnLst>
                               <p:par>
-                                <p:cTn id="34" presetID="14" presetClass="entr" presetSubtype="10" fill="hold" nodeType="clickEffect">
+                                <p:cTn id="88" presetID="42" presetClass="entr" presetSubtype="0" fill="hold" grpId="0" nodeType="clickEffect">
                                   <p:stCondLst>
                                     <p:cond delay="750"/>
                                   </p:stCondLst>
                                   <p:childTnLst>
                                     <p:set>
                                       <p:cBhvr>
-                                        <p:cTn id="35" dur="1" fill="hold">
+                                        <p:cTn id="89" dur="1" fill="hold">
                                           <p:stCondLst>
                                             <p:cond delay="0"/>
                                           </p:stCondLst>
                                         </p:cTn>
                                         <p:tgtEl>
-                                          <p:spTgt spid="16"/>
+                                          <p:spTgt spid="21"/>
                                         </p:tgtEl>
                                         <p:attrNameLst>
                                           <p:attrName>style.visibility</p:attrName>
@@ -5053,117 +6310,19 @@
                                         <p:strVal val="visible"/>
                                       </p:to>
                                     </p:set>
-                                    <p:animEffect transition="in" filter="randombar(horizontal)">
+                                    <p:animEffect transition="in" filter="fade">
                                       <p:cBhvr>
-                                        <p:cTn id="36" dur="2000"/>
+                                        <p:cTn id="90" dur="2000"/>
                                         <p:tgtEl>
-                                          <p:spTgt spid="16"/>
+                                          <p:spTgt spid="21"/>
                                         </p:tgtEl>
                                       </p:cBhvr>
                                     </p:animEffect>
-                                  </p:childTnLst>
-                                </p:cTn>
-                              </p:par>
-                            </p:childTnLst>
-                          </p:cTn>
-                        </p:par>
-                      </p:childTnLst>
-                    </p:cTn>
-                  </p:par>
-                  <p:par>
-                    <p:cTn id="37" fill="hold">
-                      <p:stCondLst>
-                        <p:cond delay="indefinite"/>
-                      </p:stCondLst>
-                      <p:childTnLst>
-                        <p:par>
-                          <p:cTn id="38" fill="hold">
-                            <p:stCondLst>
-                              <p:cond delay="0"/>
-                            </p:stCondLst>
-                            <p:childTnLst>
-                              <p:par>
-                                <p:cTn id="39" presetID="16" presetClass="entr" presetSubtype="21" fill="hold" nodeType="clickEffect">
-                                  <p:stCondLst>
-                                    <p:cond delay="750"/>
-                                  </p:stCondLst>
-                                  <p:childTnLst>
-                                    <p:set>
+                                    <p:anim calcmode="lin" valueType="num">
                                       <p:cBhvr>
-                                        <p:cTn id="40" dur="1" fill="hold">
-                                          <p:stCondLst>
-                                            <p:cond delay="0"/>
-                                          </p:stCondLst>
-                                        </p:cTn>
+                                        <p:cTn id="91" dur="2000" fill="hold"/>
                                         <p:tgtEl>
-                                          <p:spTgt spid="28"/>
-                                        </p:tgtEl>
-                                        <p:attrNameLst>
-                                          <p:attrName>style.visibility</p:attrName>
-                                        </p:attrNameLst>
-                                      </p:cBhvr>
-                                      <p:to>
-                                        <p:strVal val="visible"/>
-                                      </p:to>
-                                    </p:set>
-                                    <p:animEffect transition="in" filter="barn(inVertical)">
-                                      <p:cBhvr>
-                                        <p:cTn id="41" dur="1750"/>
-                                        <p:tgtEl>
-                                          <p:spTgt spid="28"/>
-                                        </p:tgtEl>
-                                      </p:cBhvr>
-                                    </p:animEffect>
-                                  </p:childTnLst>
-                                </p:cTn>
-                              </p:par>
-                            </p:childTnLst>
-                          </p:cTn>
-                        </p:par>
-                      </p:childTnLst>
-                    </p:cTn>
-                  </p:par>
-                  <p:par>
-                    <p:cTn id="42" fill="hold">
-                      <p:stCondLst>
-                        <p:cond delay="indefinite"/>
-                      </p:stCondLst>
-                      <p:childTnLst>
-                        <p:par>
-                          <p:cTn id="43" fill="hold">
-                            <p:stCondLst>
-                              <p:cond delay="0"/>
-                            </p:stCondLst>
-                            <p:childTnLst>
-                              <p:par>
-                                <p:cTn id="44" presetID="2" presetClass="entr" presetSubtype="4" fill="hold" nodeType="clickEffect">
-                                  <p:stCondLst>
-                                    <p:cond delay="750"/>
-                                  </p:stCondLst>
-                                  <p:childTnLst>
-                                    <p:set>
-                                      <p:cBhvr>
-                                        <p:cTn id="45" dur="1" fill="hold">
-                                          <p:stCondLst>
-                                            <p:cond delay="0"/>
-                                          </p:stCondLst>
-                                        </p:cTn>
-                                        <p:tgtEl>
-                                          <p:spTgt spid="51"/>
-                                        </p:tgtEl>
-                                        <p:attrNameLst>
-                                          <p:attrName>style.visibility</p:attrName>
-                                        </p:attrNameLst>
-                                      </p:cBhvr>
-                                      <p:to>
-                                        <p:strVal val="visible"/>
-                                      </p:to>
-                                    </p:set>
-                                    <p:anim calcmode="lin" valueType="num">
-                                      <p:cBhvr additive="base">
-                                        <p:cTn id="46" dur="2000" fill="hold"/>
-                                        <p:tgtEl>
-                                          <p:spTgt spid="51"/>
+                                          <p:spTgt spid="21"/>
                                         </p:tgtEl>
                                         <p:attrNameLst>
                                           <p:attrName>ppt_x</p:attrName>
@@ -5183,10 +6342,10 @@
                                       </p:tavLst>
                                     </p:anim>
                                     <p:anim calcmode="lin" valueType="num">
-                                      <p:cBhvr additive="base">
-                                        <p:cTn id="47" dur="2000" fill="hold"/>
+                                      <p:cBhvr>
+                                        <p:cTn id="92" dur="2000" fill="hold"/>
                                         <p:tgtEl>
-                                          <p:spTgt spid="51"/>
+                                          <p:spTgt spid="21"/>
                                         </p:tgtEl>
                                         <p:attrNameLst>
                                           <p:attrName>ppt_y</p:attrName>
@@ -5195,7 +6354,7 @@
                                       <p:tavLst>
                                         <p:tav tm="0">
                                           <p:val>
-                                            <p:strVal val="1+#ppt_h/2"/>
+                                            <p:strVal val="#ppt_y+.1"/>
                                           </p:val>
                                         </p:tav>
                                         <p:tav tm="100000">
@@ -5205,483 +6364,6 @@
                                         </p:tav>
                                       </p:tavLst>
                                     </p:anim>
-                                  </p:childTnLst>
-                                </p:cTn>
-                              </p:par>
-                            </p:childTnLst>
-                          </p:cTn>
-                        </p:par>
-                      </p:childTnLst>
-                    </p:cTn>
-                  </p:par>
-                  <p:par>
-                    <p:cTn id="48" fill="hold">
-                      <p:stCondLst>
-                        <p:cond delay="indefinite"/>
-                      </p:stCondLst>
-                      <p:childTnLst>
-                        <p:par>
-                          <p:cTn id="49" fill="hold">
-                            <p:stCondLst>
-                              <p:cond delay="0"/>
-                            </p:stCondLst>
-                            <p:childTnLst>
-                              <p:par>
-                                <p:cTn id="50" presetID="22" presetClass="entr" presetSubtype="4" fill="hold" nodeType="clickEffect">
-                                  <p:stCondLst>
-                                    <p:cond delay="750"/>
-                                  </p:stCondLst>
-                                  <p:childTnLst>
-                                    <p:set>
-                                      <p:cBhvr>
-                                        <p:cTn id="51" dur="1" fill="hold">
-                                          <p:stCondLst>
-                                            <p:cond delay="0"/>
-                                          </p:stCondLst>
-                                        </p:cTn>
-                                        <p:tgtEl>
-                                          <p:spTgt spid="29"/>
-                                        </p:tgtEl>
-                                        <p:attrNameLst>
-                                          <p:attrName>style.visibility</p:attrName>
-                                        </p:attrNameLst>
-                                      </p:cBhvr>
-                                      <p:to>
-                                        <p:strVal val="visible"/>
-                                      </p:to>
-                                    </p:set>
-                                    <p:animEffect transition="in" filter="wipe(down)">
-                                      <p:cBhvr>
-                                        <p:cTn id="52" dur="2000"/>
-                                        <p:tgtEl>
-                                          <p:spTgt spid="29"/>
-                                        </p:tgtEl>
-                                      </p:cBhvr>
-                                    </p:animEffect>
-                                  </p:childTnLst>
-                                </p:cTn>
-                              </p:par>
-                            </p:childTnLst>
-                          </p:cTn>
-                        </p:par>
-                      </p:childTnLst>
-                    </p:cTn>
-                  </p:par>
-                  <p:par>
-                    <p:cTn id="53" fill="hold">
-                      <p:stCondLst>
-                        <p:cond delay="indefinite"/>
-                      </p:stCondLst>
-                      <p:childTnLst>
-                        <p:par>
-                          <p:cTn id="54" fill="hold">
-                            <p:stCondLst>
-                              <p:cond delay="0"/>
-                            </p:stCondLst>
-                            <p:childTnLst>
-                              <p:par>
-                                <p:cTn id="55" presetID="22" presetClass="entr" presetSubtype="4" fill="hold" nodeType="clickEffect">
-                                  <p:stCondLst>
-                                    <p:cond delay="500"/>
-                                  </p:stCondLst>
-                                  <p:childTnLst>
-                                    <p:set>
-                                      <p:cBhvr>
-                                        <p:cTn id="56" dur="1" fill="hold">
-                                          <p:stCondLst>
-                                            <p:cond delay="0"/>
-                                          </p:stCondLst>
-                                        </p:cTn>
-                                        <p:tgtEl>
-                                          <p:spTgt spid="52"/>
-                                        </p:tgtEl>
-                                        <p:attrNameLst>
-                                          <p:attrName>style.visibility</p:attrName>
-                                        </p:attrNameLst>
-                                      </p:cBhvr>
-                                      <p:to>
-                                        <p:strVal val="visible"/>
-                                      </p:to>
-                                    </p:set>
-                                    <p:animEffect transition="in" filter="wipe(down)">
-                                      <p:cBhvr>
-                                        <p:cTn id="57" dur="2000"/>
-                                        <p:tgtEl>
-                                          <p:spTgt spid="52"/>
-                                        </p:tgtEl>
-                                      </p:cBhvr>
-                                    </p:animEffect>
-                                  </p:childTnLst>
-                                </p:cTn>
-                              </p:par>
-                            </p:childTnLst>
-                          </p:cTn>
-                        </p:par>
-                      </p:childTnLst>
-                    </p:cTn>
-                  </p:par>
-                  <p:par>
-                    <p:cTn id="58" fill="hold">
-                      <p:stCondLst>
-                        <p:cond delay="indefinite"/>
-                      </p:stCondLst>
-                      <p:childTnLst>
-                        <p:par>
-                          <p:cTn id="59" fill="hold">
-                            <p:stCondLst>
-                              <p:cond delay="0"/>
-                            </p:stCondLst>
-                            <p:childTnLst>
-                              <p:par>
-                                <p:cTn id="60" presetID="16" presetClass="entr" presetSubtype="21" fill="hold" grpId="0" nodeType="clickEffect">
-                                  <p:stCondLst>
-                                    <p:cond delay="750"/>
-                                  </p:stCondLst>
-                                  <p:childTnLst>
-                                    <p:set>
-                                      <p:cBhvr>
-                                        <p:cTn id="61" dur="1" fill="hold">
-                                          <p:stCondLst>
-                                            <p:cond delay="0"/>
-                                          </p:stCondLst>
-                                        </p:cTn>
-                                        <p:tgtEl>
-                                          <p:spTgt spid="21"/>
-                                        </p:tgtEl>
-                                        <p:attrNameLst>
-                                          <p:attrName>style.visibility</p:attrName>
-                                        </p:attrNameLst>
-                                      </p:cBhvr>
-                                      <p:to>
-                                        <p:strVal val="visible"/>
-                                      </p:to>
-                                    </p:set>
-                                    <p:animEffect transition="in" filter="barn(inVertical)">
-                                      <p:cBhvr>
-                                        <p:cTn id="62" dur="2000"/>
-                                        <p:tgtEl>
-                                          <p:spTgt spid="21"/>
-                                        </p:tgtEl>
-                                      </p:cBhvr>
-                                    </p:animEffect>
-                                  </p:childTnLst>
-                                </p:cTn>
-                              </p:par>
-                            </p:childTnLst>
-                          </p:cTn>
-                        </p:par>
-                      </p:childTnLst>
-                    </p:cTn>
-                  </p:par>
-                  <p:par>
-                    <p:cTn id="63" fill="hold">
-                      <p:stCondLst>
-                        <p:cond delay="indefinite"/>
-                      </p:stCondLst>
-                      <p:childTnLst>
-                        <p:par>
-                          <p:cTn id="64" fill="hold">
-                            <p:stCondLst>
-                              <p:cond delay="0"/>
-                            </p:stCondLst>
-                            <p:childTnLst>
-                              <p:par>
-                                <p:cTn id="65" presetID="14" presetClass="entr" presetSubtype="10" fill="hold" nodeType="clickEffect">
-                                  <p:stCondLst>
-                                    <p:cond delay="750"/>
-                                  </p:stCondLst>
-                                  <p:childTnLst>
-                                    <p:set>
-                                      <p:cBhvr>
-                                        <p:cTn id="66" dur="1" fill="hold">
-                                          <p:stCondLst>
-                                            <p:cond delay="0"/>
-                                          </p:stCondLst>
-                                        </p:cTn>
-                                        <p:tgtEl>
-                                          <p:spTgt spid="8"/>
-                                        </p:tgtEl>
-                                        <p:attrNameLst>
-                                          <p:attrName>style.visibility</p:attrName>
-                                        </p:attrNameLst>
-                                      </p:cBhvr>
-                                      <p:to>
-                                        <p:strVal val="visible"/>
-                                      </p:to>
-                                    </p:set>
-                                    <p:animEffect transition="in" filter="randombar(horizontal)">
-                                      <p:cBhvr>
-                                        <p:cTn id="67" dur="2000"/>
-                                        <p:tgtEl>
-                                          <p:spTgt spid="8"/>
-                                        </p:tgtEl>
-                                      </p:cBhvr>
-                                    </p:animEffect>
-                                  </p:childTnLst>
-                                </p:cTn>
-                              </p:par>
-                            </p:childTnLst>
-                          </p:cTn>
-                        </p:par>
-                      </p:childTnLst>
-                    </p:cTn>
-                  </p:par>
-                  <p:par>
-                    <p:cTn id="68" fill="hold">
-                      <p:stCondLst>
-                        <p:cond delay="indefinite"/>
-                      </p:stCondLst>
-                      <p:childTnLst>
-                        <p:par>
-                          <p:cTn id="69" fill="hold">
-                            <p:stCondLst>
-                              <p:cond delay="0"/>
-                            </p:stCondLst>
-                            <p:childTnLst>
-                              <p:par>
-                                <p:cTn id="70" presetID="22" presetClass="entr" presetSubtype="4" fill="hold" nodeType="clickEffect">
-                                  <p:stCondLst>
-                                    <p:cond delay="750"/>
-                                  </p:stCondLst>
-                                  <p:childTnLst>
-                                    <p:set>
-                                      <p:cBhvr>
-                                        <p:cTn id="71" dur="1" fill="hold">
-                                          <p:stCondLst>
-                                            <p:cond delay="0"/>
-                                          </p:stCondLst>
-                                        </p:cTn>
-                                        <p:tgtEl>
-                                          <p:spTgt spid="53"/>
-                                        </p:tgtEl>
-                                        <p:attrNameLst>
-                                          <p:attrName>style.visibility</p:attrName>
-                                        </p:attrNameLst>
-                                      </p:cBhvr>
-                                      <p:to>
-                                        <p:strVal val="visible"/>
-                                      </p:to>
-                                    </p:set>
-                                    <p:animEffect transition="in" filter="wipe(down)">
-                                      <p:cBhvr>
-                                        <p:cTn id="72" dur="2000"/>
-                                        <p:tgtEl>
-                                          <p:spTgt spid="53"/>
-                                        </p:tgtEl>
-                                      </p:cBhvr>
-                                    </p:animEffect>
-                                  </p:childTnLst>
-                                </p:cTn>
-                              </p:par>
-                            </p:childTnLst>
-                          </p:cTn>
-                        </p:par>
-                      </p:childTnLst>
-                    </p:cTn>
-                  </p:par>
-                  <p:par>
-                    <p:cTn id="73" fill="hold">
-                      <p:stCondLst>
-                        <p:cond delay="indefinite"/>
-                      </p:stCondLst>
-                      <p:childTnLst>
-                        <p:par>
-                          <p:cTn id="74" fill="hold">
-                            <p:stCondLst>
-                              <p:cond delay="0"/>
-                            </p:stCondLst>
-                            <p:childTnLst>
-                              <p:par>
-                                <p:cTn id="75" presetID="16" presetClass="entr" presetSubtype="21" fill="hold" grpId="0" nodeType="clickEffect">
-                                  <p:stCondLst>
-                                    <p:cond delay="750"/>
-                                  </p:stCondLst>
-                                  <p:childTnLst>
-                                    <p:set>
-                                      <p:cBhvr>
-                                        <p:cTn id="76" dur="1" fill="hold">
-                                          <p:stCondLst>
-                                            <p:cond delay="0"/>
-                                          </p:stCondLst>
-                                        </p:cTn>
-                                        <p:tgtEl>
-                                          <p:spTgt spid="22"/>
-                                        </p:tgtEl>
-                                        <p:attrNameLst>
-                                          <p:attrName>style.visibility</p:attrName>
-                                        </p:attrNameLst>
-                                      </p:cBhvr>
-                                      <p:to>
-                                        <p:strVal val="visible"/>
-                                      </p:to>
-                                    </p:set>
-                                    <p:animEffect transition="in" filter="barn(inVertical)">
-                                      <p:cBhvr>
-                                        <p:cTn id="77" dur="2000"/>
-                                        <p:tgtEl>
-                                          <p:spTgt spid="22"/>
-                                        </p:tgtEl>
-                                      </p:cBhvr>
-                                    </p:animEffect>
-                                  </p:childTnLst>
-                                </p:cTn>
-                              </p:par>
-                            </p:childTnLst>
-                          </p:cTn>
-                        </p:par>
-                      </p:childTnLst>
-                    </p:cTn>
-                  </p:par>
-                  <p:par>
-                    <p:cTn id="78" fill="hold">
-                      <p:stCondLst>
-                        <p:cond delay="indefinite"/>
-                      </p:stCondLst>
-                      <p:childTnLst>
-                        <p:par>
-                          <p:cTn id="79" fill="hold">
-                            <p:stCondLst>
-                              <p:cond delay="0"/>
-                            </p:stCondLst>
-                            <p:childTnLst>
-                              <p:par>
-                                <p:cTn id="80" presetID="14" presetClass="entr" presetSubtype="10" fill="hold" nodeType="clickEffect">
-                                  <p:stCondLst>
-                                    <p:cond delay="750"/>
-                                  </p:stCondLst>
-                                  <p:childTnLst>
-                                    <p:set>
-                                      <p:cBhvr>
-                                        <p:cTn id="81" dur="1" fill="hold">
-                                          <p:stCondLst>
-                                            <p:cond delay="0"/>
-                                          </p:stCondLst>
-                                        </p:cTn>
-                                        <p:tgtEl>
-                                          <p:spTgt spid="9"/>
-                                        </p:tgtEl>
-                                        <p:attrNameLst>
-                                          <p:attrName>style.visibility</p:attrName>
-                                        </p:attrNameLst>
-                                      </p:cBhvr>
-                                      <p:to>
-                                        <p:strVal val="visible"/>
-                                      </p:to>
-                                    </p:set>
-                                    <p:animEffect transition="in" filter="randombar(horizontal)">
-                                      <p:cBhvr>
-                                        <p:cTn id="82" dur="2000"/>
-                                        <p:tgtEl>
-                                          <p:spTgt spid="9"/>
-                                        </p:tgtEl>
-                                      </p:cBhvr>
-                                    </p:animEffect>
-                                  </p:childTnLst>
-                                </p:cTn>
-                              </p:par>
-                            </p:childTnLst>
-                          </p:cTn>
-                        </p:par>
-                      </p:childTnLst>
-                    </p:cTn>
-                  </p:par>
-                  <p:par>
-                    <p:cTn id="83" fill="hold">
-                      <p:stCondLst>
-                        <p:cond delay="indefinite"/>
-                      </p:stCondLst>
-                      <p:childTnLst>
-                        <p:par>
-                          <p:cTn id="84" fill="hold">
-                            <p:stCondLst>
-                              <p:cond delay="0"/>
-                            </p:stCondLst>
-                            <p:childTnLst>
-                              <p:par>
-                                <p:cTn id="85" presetID="22" presetClass="entr" presetSubtype="4" fill="hold" nodeType="clickEffect">
-                                  <p:stCondLst>
-                                    <p:cond delay="750"/>
-                                  </p:stCondLst>
-                                  <p:childTnLst>
-                                    <p:set>
-                                      <p:cBhvr>
-                                        <p:cTn id="86" dur="1" fill="hold">
-                                          <p:stCondLst>
-                                            <p:cond delay="0"/>
-                                          </p:stCondLst>
-                                        </p:cTn>
-                                        <p:tgtEl>
-                                          <p:spTgt spid="54"/>
-                                        </p:tgtEl>
-                                        <p:attrNameLst>
-                                          <p:attrName>style.visibility</p:attrName>
-                                        </p:attrNameLst>
-                                      </p:cBhvr>
-                                      <p:to>
-                                        <p:strVal val="visible"/>
-                                      </p:to>
-                                    </p:set>
-                                    <p:animEffect transition="in" filter="wipe(down)">
-                                      <p:cBhvr>
-                                        <p:cTn id="87" dur="2000"/>
-                                        <p:tgtEl>
-                                          <p:spTgt spid="54"/>
-                                        </p:tgtEl>
-                                      </p:cBhvr>
-                                    </p:animEffect>
-                                  </p:childTnLst>
-                                </p:cTn>
-                              </p:par>
-                            </p:childTnLst>
-                          </p:cTn>
-                        </p:par>
-                      </p:childTnLst>
-                    </p:cTn>
-                  </p:par>
-                  <p:par>
-                    <p:cTn id="88" fill="hold">
-                      <p:stCondLst>
-                        <p:cond delay="indefinite"/>
-                      </p:stCondLst>
-                      <p:childTnLst>
-                        <p:par>
-                          <p:cTn id="89" fill="hold">
-                            <p:stCondLst>
-                              <p:cond delay="0"/>
-                            </p:stCondLst>
-                            <p:childTnLst>
-                              <p:par>
-                                <p:cTn id="90" presetID="14" presetClass="entr" presetSubtype="10" fill="hold" nodeType="clickEffect">
-                                  <p:stCondLst>
-                                    <p:cond delay="750"/>
-                                  </p:stCondLst>
-                                  <p:childTnLst>
-                                    <p:set>
-                                      <p:cBhvr>
-                                        <p:cTn id="91" dur="1" fill="hold">
-                                          <p:stCondLst>
-                                            <p:cond delay="0"/>
-                                          </p:stCondLst>
-                                        </p:cTn>
-                                        <p:tgtEl>
-                                          <p:spTgt spid="10"/>
-                                        </p:tgtEl>
-                                        <p:attrNameLst>
-                                          <p:attrName>style.visibility</p:attrName>
-                                        </p:attrNameLst>
-                                      </p:cBhvr>
-                                      <p:to>
-                                        <p:strVal val="visible"/>
-                                      </p:to>
-                                    </p:set>
-                                    <p:animEffect transition="in" filter="randombar(horizontal)">
-                                      <p:cBhvr>
-                                        <p:cTn id="92" dur="2000"/>
-                                        <p:tgtEl>
-                                          <p:spTgt spid="10"/>
-                                        </p:tgtEl>
-                                      </p:cBhvr>
-                                    </p:animEffect>
                                   </p:childTnLst>
                                 </p:cTn>
                               </p:par>
@@ -5717,7 +6399,7 @@
                                           </p:stCondLst>
                                         </p:cTn>
                                         <p:tgtEl>
-                                          <p:spTgt spid="46"/>
+                                          <p:spTgt spid="8"/>
                                         </p:tgtEl>
                                         <p:attrNameLst>
                                           <p:attrName>style.visibility</p:attrName>
@@ -5731,7 +6413,7 @@
                                       <p:cBhvr>
                                         <p:cTn id="97" dur="2000"/>
                                         <p:tgtEl>
-                                          <p:spTgt spid="46"/>
+                                          <p:spTgt spid="8"/>
                                         </p:tgtEl>
                                       </p:cBhvr>
                                     </p:animEffect>
@@ -5757,7 +6439,7 @@
                             </p:stCondLst>
                             <p:childTnLst>
                               <p:par>
-                                <p:cTn id="100" presetID="22" presetClass="entr" presetSubtype="4" fill="hold" nodeType="clickEffect">
+                                <p:cTn id="100" presetID="42" presetClass="entr" presetSubtype="0" fill="hold" nodeType="clickEffect">
                                   <p:stCondLst>
                                     <p:cond delay="750"/>
                                   </p:stCondLst>
@@ -5770,7 +6452,7 @@
                                           </p:stCondLst>
                                         </p:cTn>
                                         <p:tgtEl>
-                                          <p:spTgt spid="55"/>
+                                          <p:spTgt spid="100"/>
                                         </p:tgtEl>
                                         <p:attrNameLst>
                                           <p:attrName>style.visibility</p:attrName>
@@ -5780,11 +6462,209 @@
                                         <p:strVal val="visible"/>
                                       </p:to>
                                     </p:set>
-                                    <p:animEffect transition="in" filter="wipe(down)">
+                                    <p:animEffect transition="in" filter="fade">
                                       <p:cBhvr>
                                         <p:cTn id="102" dur="2000"/>
                                         <p:tgtEl>
-                                          <p:spTgt spid="55"/>
+                                          <p:spTgt spid="100"/>
+                                        </p:tgtEl>
+                                      </p:cBhvr>
+                                    </p:animEffect>
+                                    <p:anim calcmode="lin" valueType="num">
+                                      <p:cBhvr>
+                                        <p:cTn id="103" dur="2000" fill="hold"/>
+                                        <p:tgtEl>
+                                          <p:spTgt spid="100"/>
+                                        </p:tgtEl>
+                                        <p:attrNameLst>
+                                          <p:attrName>ppt_x</p:attrName>
+                                        </p:attrNameLst>
+                                      </p:cBhvr>
+                                      <p:tavLst>
+                                        <p:tav tm="0">
+                                          <p:val>
+                                            <p:strVal val="#ppt_x"/>
+                                          </p:val>
+                                        </p:tav>
+                                        <p:tav tm="100000">
+                                          <p:val>
+                                            <p:strVal val="#ppt_x"/>
+                                          </p:val>
+                                        </p:tav>
+                                      </p:tavLst>
+                                    </p:anim>
+                                    <p:anim calcmode="lin" valueType="num">
+                                      <p:cBhvr>
+                                        <p:cTn id="104" dur="2000" fill="hold"/>
+                                        <p:tgtEl>
+                                          <p:spTgt spid="100"/>
+                                        </p:tgtEl>
+                                        <p:attrNameLst>
+                                          <p:attrName>ppt_y</p:attrName>
+                                        </p:attrNameLst>
+                                      </p:cBhvr>
+                                      <p:tavLst>
+                                        <p:tav tm="0">
+                                          <p:val>
+                                            <p:strVal val="#ppt_y+.1"/>
+                                          </p:val>
+                                        </p:tav>
+                                        <p:tav tm="100000">
+                                          <p:val>
+                                            <p:strVal val="#ppt_y"/>
+                                          </p:val>
+                                        </p:tav>
+                                      </p:tavLst>
+                                    </p:anim>
+                                  </p:childTnLst>
+                                </p:cTn>
+                              </p:par>
+                            </p:childTnLst>
+                          </p:cTn>
+                        </p:par>
+                      </p:childTnLst>
+                    </p:cTn>
+                  </p:par>
+                  <p:par>
+                    <p:cTn id="105" fill="hold">
+                      <p:stCondLst>
+                        <p:cond delay="indefinite"/>
+                      </p:stCondLst>
+                      <p:childTnLst>
+                        <p:par>
+                          <p:cTn id="106" fill="hold">
+                            <p:stCondLst>
+                              <p:cond delay="0"/>
+                            </p:stCondLst>
+                            <p:childTnLst>
+                              <p:par>
+                                <p:cTn id="107" presetID="42" presetClass="entr" presetSubtype="0" fill="hold" nodeType="clickEffect">
+                                  <p:stCondLst>
+                                    <p:cond delay="750"/>
+                                  </p:stCondLst>
+                                  <p:childTnLst>
+                                    <p:set>
+                                      <p:cBhvr>
+                                        <p:cTn id="108" dur="1" fill="hold">
+                                          <p:stCondLst>
+                                            <p:cond delay="0"/>
+                                          </p:stCondLst>
+                                        </p:cTn>
+                                        <p:tgtEl>
+                                          <p:spTgt spid="107"/>
+                                        </p:tgtEl>
+                                        <p:attrNameLst>
+                                          <p:attrName>style.visibility</p:attrName>
+                                        </p:attrNameLst>
+                                      </p:cBhvr>
+                                      <p:to>
+                                        <p:strVal val="visible"/>
+                                      </p:to>
+                                    </p:set>
+                                    <p:animEffect transition="in" filter="fade">
+                                      <p:cBhvr>
+                                        <p:cTn id="109" dur="2000"/>
+                                        <p:tgtEl>
+                                          <p:spTgt spid="107"/>
+                                        </p:tgtEl>
+                                      </p:cBhvr>
+                                    </p:animEffect>
+                                    <p:anim calcmode="lin" valueType="num">
+                                      <p:cBhvr>
+                                        <p:cTn id="110" dur="2000" fill="hold"/>
+                                        <p:tgtEl>
+                                          <p:spTgt spid="107"/>
+                                        </p:tgtEl>
+                                        <p:attrNameLst>
+                                          <p:attrName>ppt_x</p:attrName>
+                                        </p:attrNameLst>
+                                      </p:cBhvr>
+                                      <p:tavLst>
+                                        <p:tav tm="0">
+                                          <p:val>
+                                            <p:strVal val="#ppt_x"/>
+                                          </p:val>
+                                        </p:tav>
+                                        <p:tav tm="100000">
+                                          <p:val>
+                                            <p:strVal val="#ppt_x"/>
+                                          </p:val>
+                                        </p:tav>
+                                      </p:tavLst>
+                                    </p:anim>
+                                    <p:anim calcmode="lin" valueType="num">
+                                      <p:cBhvr>
+                                        <p:cTn id="111" dur="2000" fill="hold"/>
+                                        <p:tgtEl>
+                                          <p:spTgt spid="107"/>
+                                        </p:tgtEl>
+                                        <p:attrNameLst>
+                                          <p:attrName>ppt_y</p:attrName>
+                                        </p:attrNameLst>
+                                      </p:cBhvr>
+                                      <p:tavLst>
+                                        <p:tav tm="0">
+                                          <p:val>
+                                            <p:strVal val="#ppt_y+.1"/>
+                                          </p:val>
+                                        </p:tav>
+                                        <p:tav tm="100000">
+                                          <p:val>
+                                            <p:strVal val="#ppt_y"/>
+                                          </p:val>
+                                        </p:tav>
+                                      </p:tavLst>
+                                    </p:anim>
+                                  </p:childTnLst>
+                                </p:cTn>
+                              </p:par>
+                            </p:childTnLst>
+                          </p:cTn>
+                        </p:par>
+                      </p:childTnLst>
+                    </p:cTn>
+                  </p:par>
+                  <p:par>
+                    <p:cTn id="112" fill="hold">
+                      <p:stCondLst>
+                        <p:cond delay="indefinite"/>
+                      </p:stCondLst>
+                      <p:childTnLst>
+                        <p:par>
+                          <p:cTn id="113" fill="hold">
+                            <p:stCondLst>
+                              <p:cond delay="0"/>
+                            </p:stCondLst>
+                            <p:childTnLst>
+                              <p:par>
+                                <p:cTn id="114" presetID="10" presetClass="entr" presetSubtype="0" fill="hold" nodeType="clickEffect">
+                                  <p:stCondLst>
+                                    <p:cond delay="750"/>
+                                  </p:stCondLst>
+                                  <p:childTnLst>
+                                    <p:set>
+                                      <p:cBhvr>
+                                        <p:cTn id="115" dur="1" fill="hold">
+                                          <p:stCondLst>
+                                            <p:cond delay="0"/>
+                                          </p:stCondLst>
+                                        </p:cTn>
+                                        <p:tgtEl>
+                                          <p:spTgt spid="109"/>
+                                        </p:tgtEl>
+                                        <p:attrNameLst>
+                                          <p:attrName>style.visibility</p:attrName>
+                                        </p:attrNameLst>
+                                      </p:cBhvr>
+                                      <p:to>
+                                        <p:strVal val="visible"/>
+                                      </p:to>
+                                    </p:set>
+                                    <p:animEffect transition="in" filter="fade">
+                                      <p:cBhvr>
+                                        <p:cTn id="116" dur="2000"/>
+                                        <p:tgtEl>
+                                          <p:spTgt spid="109"/>
                                         </p:tgtEl>
                                       </p:cBhvr>
                                     </p:animEffect>
@@ -5798,32 +6678,32 @@
                     </p:cTn>
                   </p:par>
                   <p:par>
-                    <p:cTn id="103" fill="hold">
+                    <p:cTn id="117" fill="hold">
                       <p:stCondLst>
                         <p:cond delay="indefinite"/>
                       </p:stCondLst>
                       <p:childTnLst>
                         <p:par>
-                          <p:cTn id="104" fill="hold">
+                          <p:cTn id="118" fill="hold">
                             <p:stCondLst>
                               <p:cond delay="0"/>
                             </p:stCondLst>
                             <p:childTnLst>
                               <p:par>
-                                <p:cTn id="105" presetID="22" presetClass="entr" presetSubtype="4" fill="hold" nodeType="clickEffect">
+                                <p:cTn id="119" presetID="6" presetClass="entr" presetSubtype="16" fill="hold" nodeType="clickEffect">
                                   <p:stCondLst>
                                     <p:cond delay="750"/>
                                   </p:stCondLst>
                                   <p:childTnLst>
                                     <p:set>
                                       <p:cBhvr>
-                                        <p:cTn id="106" dur="1" fill="hold">
+                                        <p:cTn id="120" dur="1" fill="hold">
                                           <p:stCondLst>
                                             <p:cond delay="0"/>
                                           </p:stCondLst>
                                         </p:cTn>
                                         <p:tgtEl>
-                                          <p:spTgt spid="56"/>
+                                          <p:spTgt spid="97"/>
                                         </p:tgtEl>
                                         <p:attrNameLst>
                                           <p:attrName>style.visibility</p:attrName>
@@ -5833,11 +6713,11 @@
                                         <p:strVal val="visible"/>
                                       </p:to>
                                     </p:set>
-                                    <p:animEffect transition="in" filter="wipe(down)">
+                                    <p:animEffect transition="in" filter="circle(in)">
                                       <p:cBhvr>
-                                        <p:cTn id="107" dur="2000"/>
+                                        <p:cTn id="121" dur="2000"/>
                                         <p:tgtEl>
-                                          <p:spTgt spid="56"/>
+                                          <p:spTgt spid="97"/>
                                         </p:tgtEl>
                                       </p:cBhvr>
                                     </p:animEffect>
@@ -5851,32 +6731,32 @@
                     </p:cTn>
                   </p:par>
                   <p:par>
-                    <p:cTn id="108" fill="hold">
+                    <p:cTn id="122" fill="hold">
                       <p:stCondLst>
                         <p:cond delay="indefinite"/>
                       </p:stCondLst>
                       <p:childTnLst>
                         <p:par>
-                          <p:cTn id="109" fill="hold">
+                          <p:cTn id="123" fill="hold">
                             <p:stCondLst>
                               <p:cond delay="0"/>
                             </p:stCondLst>
                             <p:childTnLst>
                               <p:par>
-                                <p:cTn id="110" presetID="14" presetClass="entr" presetSubtype="10" fill="hold" nodeType="clickEffect">
+                                <p:cTn id="124" presetID="42" presetClass="entr" presetSubtype="0" fill="hold" nodeType="clickEffect">
                                   <p:stCondLst>
                                     <p:cond delay="750"/>
                                   </p:stCondLst>
                                   <p:childTnLst>
                                     <p:set>
                                       <p:cBhvr>
-                                        <p:cTn id="111" dur="1" fill="hold">
+                                        <p:cTn id="125" dur="1" fill="hold">
                                           <p:stCondLst>
                                             <p:cond delay="0"/>
                                           </p:stCondLst>
                                         </p:cTn>
                                         <p:tgtEl>
-                                          <p:spTgt spid="11"/>
+                                          <p:spTgt spid="2"/>
                                         </p:tgtEl>
                                         <p:attrNameLst>
                                           <p:attrName>style.visibility</p:attrName>
@@ -5886,11 +6766,110 @@
                                         <p:strVal val="visible"/>
                                       </p:to>
                                     </p:set>
-                                    <p:animEffect transition="in" filter="randombar(horizontal)">
+                                    <p:animEffect transition="in" filter="fade">
                                       <p:cBhvr>
-                                        <p:cTn id="112" dur="2000"/>
+                                        <p:cTn id="126" dur="2000"/>
                                         <p:tgtEl>
-                                          <p:spTgt spid="11"/>
+                                          <p:spTgt spid="2"/>
+                                        </p:tgtEl>
+                                      </p:cBhvr>
+                                    </p:animEffect>
+                                    <p:anim calcmode="lin" valueType="num">
+                                      <p:cBhvr>
+                                        <p:cTn id="127" dur="2000" fill="hold"/>
+                                        <p:tgtEl>
+                                          <p:spTgt spid="2"/>
+                                        </p:tgtEl>
+                                        <p:attrNameLst>
+                                          <p:attrName>ppt_x</p:attrName>
+                                        </p:attrNameLst>
+                                      </p:cBhvr>
+                                      <p:tavLst>
+                                        <p:tav tm="0">
+                                          <p:val>
+                                            <p:strVal val="#ppt_x"/>
+                                          </p:val>
+                                        </p:tav>
+                                        <p:tav tm="100000">
+                                          <p:val>
+                                            <p:strVal val="#ppt_x"/>
+                                          </p:val>
+                                        </p:tav>
+                                      </p:tavLst>
+                                    </p:anim>
+                                    <p:anim calcmode="lin" valueType="num">
+                                      <p:cBhvr>
+                                        <p:cTn id="128" dur="2000" fill="hold"/>
+                                        <p:tgtEl>
+                                          <p:spTgt spid="2"/>
+                                        </p:tgtEl>
+                                        <p:attrNameLst>
+                                          <p:attrName>ppt_y</p:attrName>
+                                        </p:attrNameLst>
+                                      </p:cBhvr>
+                                      <p:tavLst>
+                                        <p:tav tm="0">
+                                          <p:val>
+                                            <p:strVal val="#ppt_y+.1"/>
+                                          </p:val>
+                                        </p:tav>
+                                        <p:tav tm="100000">
+                                          <p:val>
+                                            <p:strVal val="#ppt_y"/>
+                                          </p:val>
+                                        </p:tav>
+                                      </p:tavLst>
+                                    </p:anim>
+                                  </p:childTnLst>
+                                </p:cTn>
+                              </p:par>
+                            </p:childTnLst>
+                          </p:cTn>
+                        </p:par>
+                      </p:childTnLst>
+                    </p:cTn>
+                  </p:par>
+                  <p:par>
+                    <p:cTn id="129" fill="hold">
+                      <p:stCondLst>
+                        <p:cond delay="indefinite"/>
+                      </p:stCondLst>
+                      <p:childTnLst>
+                        <p:par>
+                          <p:cTn id="130" fill="hold">
+                            <p:stCondLst>
+                              <p:cond delay="0"/>
+                            </p:stCondLst>
+                            <p:childTnLst>
+                              <p:par>
+                                <p:cTn id="131" presetID="16" presetClass="entr" presetSubtype="21" fill="hold" nodeType="clickEffect">
+                                  <p:stCondLst>
+                                    <p:cond delay="0"/>
+                                  </p:stCondLst>
+                                  <p:childTnLst>
+                                    <p:set>
+                                      <p:cBhvr>
+                                        <p:cTn id="132" dur="1" fill="hold">
+                                          <p:stCondLst>
+                                            <p:cond delay="0"/>
+                                          </p:stCondLst>
+                                        </p:cTn>
+                                        <p:tgtEl>
+                                          <p:spTgt spid="71"/>
+                                        </p:tgtEl>
+                                        <p:attrNameLst>
+                                          <p:attrName>style.visibility</p:attrName>
+                                        </p:attrNameLst>
+                                      </p:cBhvr>
+                                      <p:to>
+                                        <p:strVal val="visible"/>
+                                      </p:to>
+                                    </p:set>
+                                    <p:animEffect transition="in" filter="barn(inVertical)">
+                                      <p:cBhvr>
+                                        <p:cTn id="133" dur="2000"/>
+                                        <p:tgtEl>
+                                          <p:spTgt spid="71"/>
                                         </p:tgtEl>
                                       </p:cBhvr>
                                     </p:animEffect>
@@ -5904,32 +6883,32 @@
                     </p:cTn>
                   </p:par>
                   <p:par>
-                    <p:cTn id="113" fill="hold">
+                    <p:cTn id="134" fill="hold">
                       <p:stCondLst>
                         <p:cond delay="indefinite"/>
                       </p:stCondLst>
                       <p:childTnLst>
                         <p:par>
-                          <p:cTn id="114" fill="hold">
+                          <p:cTn id="135" fill="hold">
                             <p:stCondLst>
                               <p:cond delay="0"/>
                             </p:stCondLst>
                             <p:childTnLst>
                               <p:par>
-                                <p:cTn id="115" presetID="10" presetClass="entr" presetSubtype="0" fill="hold" nodeType="clickEffect">
+                                <p:cTn id="136" presetID="10" presetClass="entr" presetSubtype="0" fill="hold" nodeType="clickEffect">
                                   <p:stCondLst>
-                                    <p:cond delay="750"/>
+                                    <p:cond delay="0"/>
                                   </p:stCondLst>
                                   <p:childTnLst>
                                     <p:set>
                                       <p:cBhvr>
-                                        <p:cTn id="116" dur="1" fill="hold">
+                                        <p:cTn id="137" dur="1" fill="hold">
                                           <p:stCondLst>
                                             <p:cond delay="0"/>
                                           </p:stCondLst>
                                         </p:cTn>
                                         <p:tgtEl>
-                                          <p:spTgt spid="62"/>
+                                          <p:spTgt spid="5"/>
                                         </p:tgtEl>
                                         <p:attrNameLst>
                                           <p:attrName>style.visibility</p:attrName>
@@ -5941,9 +6920,9 @@
                                     </p:set>
                                     <p:animEffect transition="in" filter="fade">
                                       <p:cBhvr>
-                                        <p:cTn id="117" dur="2000"/>
+                                        <p:cTn id="138" dur="500"/>
                                         <p:tgtEl>
-                                          <p:spTgt spid="62"/>
+                                          <p:spTgt spid="5"/>
                                         </p:tgtEl>
                                       </p:cBhvr>
                                     </p:animEffect>
@@ -5957,32 +6936,32 @@
                     </p:cTn>
                   </p:par>
                   <p:par>
-                    <p:cTn id="118" fill="hold">
+                    <p:cTn id="139" fill="hold">
                       <p:stCondLst>
                         <p:cond delay="indefinite"/>
                       </p:stCondLst>
                       <p:childTnLst>
                         <p:par>
-                          <p:cTn id="119" fill="hold">
+                          <p:cTn id="140" fill="hold">
                             <p:stCondLst>
                               <p:cond delay="0"/>
                             </p:stCondLst>
                             <p:childTnLst>
                               <p:par>
-                                <p:cTn id="120" presetID="22" presetClass="entr" presetSubtype="4" fill="hold" nodeType="clickEffect">
+                                <p:cTn id="141" presetID="16" presetClass="entr" presetSubtype="21" fill="hold" nodeType="clickEffect">
                                   <p:stCondLst>
                                     <p:cond delay="750"/>
                                   </p:stCondLst>
                                   <p:childTnLst>
                                     <p:set>
                                       <p:cBhvr>
-                                        <p:cTn id="121" dur="1" fill="hold">
+                                        <p:cTn id="142" dur="1" fill="hold">
                                           <p:stCondLst>
                                             <p:cond delay="0"/>
                                           </p:stCondLst>
                                         </p:cTn>
                                         <p:tgtEl>
-                                          <p:spTgt spid="63"/>
+                                          <p:spTgt spid="104"/>
                                         </p:tgtEl>
                                         <p:attrNameLst>
                                           <p:attrName>style.visibility</p:attrName>
@@ -5992,11 +6971,11 @@
                                         <p:strVal val="visible"/>
                                       </p:to>
                                     </p:set>
-                                    <p:animEffect transition="in" filter="wipe(down)">
+                                    <p:animEffect transition="in" filter="barn(inVertical)">
                                       <p:cBhvr>
-                                        <p:cTn id="122" dur="2000"/>
+                                        <p:cTn id="143" dur="2000"/>
                                         <p:tgtEl>
-                                          <p:spTgt spid="63"/>
+                                          <p:spTgt spid="104"/>
                                         </p:tgtEl>
                                       </p:cBhvr>
                                     </p:animEffect>
@@ -6031,10 +7010,9 @@
       </p:par>
     </p:tnLst>
     <p:bldLst>
-      <p:bldP spid="19" grpId="0" animBg="1"/>
       <p:bldP spid="20" grpId="0" animBg="1"/>
       <p:bldP spid="21" grpId="0" animBg="1"/>
-      <p:bldP spid="22" grpId="0" animBg="1"/>
+      <p:bldP spid="121" grpId="0"/>
     </p:bldLst>
   </p:timing>
 </p:sld>

--- a/Presentation/Presentation2.pptx
+++ b/Presentation/Presentation2.pptx
@@ -3214,7 +3214,7 @@
         </p:blipFill>
         <p:spPr>
           <a:xfrm>
-            <a:off x="770251" y="4648200"/>
+            <a:off x="609600" y="4648200"/>
             <a:ext cx="1682496" cy="1905000"/>
           </a:xfrm>
           <a:prstGeom prst="rect">
@@ -4387,15 +4387,7 @@
             <a:p>
               <a:r>
                 <a:rPr lang="en-US" sz="900" dirty="0" smtClean="0"/>
-                <a:t>Person to </a:t>
-              </a:r>
-              <a:r>
-                <a:rPr lang="en-US" sz="900" dirty="0" smtClean="0"/>
-                <a:t>Person </a:t>
-              </a:r>
-              <a:r>
-                <a:rPr lang="en-US" sz="900" dirty="0" smtClean="0"/>
-                <a:t>Reference</a:t>
+                <a:t>Person to Person Reference</a:t>
               </a:r>
               <a:endParaRPr lang="en-US" sz="900" dirty="0"/>
             </a:p>
@@ -4493,7 +4485,7 @@
         </p:nvGrpSpPr>
         <p:grpSpPr>
           <a:xfrm>
-            <a:off x="3124200" y="4724400"/>
+            <a:off x="2971800" y="4853538"/>
             <a:ext cx="1671516" cy="1775862"/>
             <a:chOff x="1051560" y="4853538"/>
             <a:chExt cx="1844040" cy="1852062"/>
@@ -4571,7 +4563,7 @@
         </p:nvGrpSpPr>
         <p:grpSpPr>
           <a:xfrm>
-            <a:off x="4572000" y="5257800"/>
+            <a:off x="4419600" y="5257800"/>
             <a:ext cx="1066800" cy="468016"/>
             <a:chOff x="4572000" y="5384884"/>
             <a:chExt cx="1066800" cy="468016"/>
@@ -4656,7 +4648,7 @@
         </p:nvGrpSpPr>
         <p:grpSpPr>
           <a:xfrm>
-            <a:off x="37338" y="4648200"/>
+            <a:off x="0" y="4648200"/>
             <a:ext cx="800100" cy="1828800"/>
             <a:chOff x="5825298" y="4800600"/>
             <a:chExt cx="800100" cy="1828800"/>
@@ -4730,91 +4722,6 @@
             <a:p>
               <a:pPr algn="ctr"/>
               <a:endParaRPr lang="en-US"/>
-            </a:p>
-          </p:txBody>
-        </p:sp>
-      </p:grpSp>
-      <p:grpSp>
-        <p:nvGrpSpPr>
-          <p:cNvPr id="109" name="Group 108"/>
-          <p:cNvGrpSpPr/>
-          <p:nvPr/>
-        </p:nvGrpSpPr>
-        <p:grpSpPr>
-          <a:xfrm>
-            <a:off x="2336220" y="5086290"/>
-            <a:ext cx="864180" cy="625625"/>
-            <a:chOff x="2564820" y="5205680"/>
-            <a:chExt cx="864180" cy="625625"/>
-          </a:xfrm>
-        </p:grpSpPr>
-        <p:sp>
-          <p:nvSpPr>
-            <p:cNvPr id="95" name="Down Arrow 94"/>
-            <p:cNvSpPr/>
-            <p:nvPr/>
-          </p:nvSpPr>
-          <p:spPr>
-            <a:xfrm rot="16200000">
-              <a:off x="2800329" y="5273478"/>
-              <a:ext cx="344905" cy="770750"/>
-            </a:xfrm>
-            <a:prstGeom prst="downArrow">
-              <a:avLst/>
-            </a:prstGeom>
-          </p:spPr>
-          <p:style>
-            <a:lnRef idx="2">
-              <a:schemeClr val="accent1">
-                <a:shade val="50000"/>
-              </a:schemeClr>
-            </a:lnRef>
-            <a:fillRef idx="1">
-              <a:schemeClr val="accent1"/>
-            </a:fillRef>
-            <a:effectRef idx="0">
-              <a:schemeClr val="accent1"/>
-            </a:effectRef>
-            <a:fontRef idx="minor">
-              <a:schemeClr val="lt1"/>
-            </a:fontRef>
-          </p:style>
-          <p:txBody>
-            <a:bodyPr rtlCol="0" anchor="ctr"/>
-            <a:lstStyle/>
-            <a:p>
-              <a:pPr algn="ctr"/>
-              <a:endParaRPr lang="en-US"/>
-            </a:p>
-          </p:txBody>
-        </p:sp>
-        <p:sp>
-          <p:nvSpPr>
-            <p:cNvPr id="102" name="TextBox 101"/>
-            <p:cNvSpPr txBox="1"/>
-            <p:nvPr/>
-          </p:nvSpPr>
-          <p:spPr>
-            <a:xfrm>
-              <a:off x="2564820" y="5205680"/>
-              <a:ext cx="864180" cy="400110"/>
-            </a:xfrm>
-            <a:prstGeom prst="rect">
-              <a:avLst/>
-            </a:prstGeom>
-            <a:noFill/>
-          </p:spPr>
-          <p:txBody>
-            <a:bodyPr wrap="square" rtlCol="0">
-              <a:spAutoFit/>
-            </a:bodyPr>
-            <a:lstStyle/>
-            <a:p>
-              <a:r>
-                <a:rPr lang="en-US" sz="1000" dirty="0" smtClean="0"/>
-                <a:t>Sends the invoice to</a:t>
-              </a:r>
-              <a:endParaRPr lang="en-US" sz="1000" dirty="0"/>
             </a:p>
           </p:txBody>
         </p:sp>
@@ -4901,7 +4808,7 @@
         </p:nvGrpSpPr>
         <p:grpSpPr>
           <a:xfrm>
-            <a:off x="1483808" y="6349893"/>
+            <a:off x="1371600" y="6349893"/>
             <a:ext cx="1030792" cy="529932"/>
             <a:chOff x="2949421" y="6385251"/>
             <a:chExt cx="1546379" cy="456117"/>
@@ -5173,7 +5080,7 @@
         </p:nvGrpSpPr>
         <p:grpSpPr>
           <a:xfrm>
-            <a:off x="5410200" y="4724400"/>
+            <a:off x="5410200" y="4779846"/>
             <a:ext cx="1600200" cy="1773354"/>
             <a:chOff x="880829" y="104001"/>
             <a:chExt cx="1227594" cy="1357183"/>
@@ -5321,6 +5228,91 @@
                 <a:t>Supplies</a:t>
               </a:r>
               <a:endParaRPr lang="en-US" sz="1100" dirty="0"/>
+            </a:p>
+          </p:txBody>
+        </p:sp>
+      </p:grpSp>
+      <p:grpSp>
+        <p:nvGrpSpPr>
+          <p:cNvPr id="9" name="Group 8"/>
+          <p:cNvGrpSpPr/>
+          <p:nvPr/>
+        </p:nvGrpSpPr>
+        <p:grpSpPr>
+          <a:xfrm>
+            <a:off x="2286000" y="4130045"/>
+            <a:ext cx="681094" cy="1813555"/>
+            <a:chOff x="2351666" y="4053844"/>
+            <a:chExt cx="681094" cy="1813555"/>
+          </a:xfrm>
+        </p:grpSpPr>
+        <p:sp>
+          <p:nvSpPr>
+            <p:cNvPr id="102" name="TextBox 101"/>
+            <p:cNvSpPr txBox="1"/>
+            <p:nvPr/>
+          </p:nvSpPr>
+          <p:spPr>
+            <a:xfrm rot="5400000">
+              <a:off x="1704060" y="4809149"/>
+              <a:ext cx="1716391" cy="400110"/>
+            </a:xfrm>
+            <a:prstGeom prst="rect">
+              <a:avLst/>
+            </a:prstGeom>
+            <a:noFill/>
+          </p:spPr>
+          <p:txBody>
+            <a:bodyPr wrap="square" rtlCol="0">
+              <a:spAutoFit/>
+            </a:bodyPr>
+            <a:lstStyle/>
+            <a:p>
+              <a:r>
+                <a:rPr lang="en-US" sz="1000" dirty="0" smtClean="0"/>
+                <a:t>Sends the invoice to</a:t>
+              </a:r>
+              <a:endParaRPr lang="en-US" sz="1000" dirty="0"/>
+            </a:p>
+          </p:txBody>
+        </p:sp>
+        <p:sp>
+          <p:nvSpPr>
+            <p:cNvPr id="7" name="Bent-Up Arrow 6"/>
+            <p:cNvSpPr/>
+            <p:nvPr/>
+          </p:nvSpPr>
+          <p:spPr>
+            <a:xfrm rot="5400000">
+              <a:off x="1812101" y="4593409"/>
+              <a:ext cx="1760223" cy="681094"/>
+            </a:xfrm>
+            <a:prstGeom prst="bentUpArrow">
+              <a:avLst/>
+            </a:prstGeom>
+          </p:spPr>
+          <p:style>
+            <a:lnRef idx="2">
+              <a:schemeClr val="accent1">
+                <a:shade val="50000"/>
+              </a:schemeClr>
+            </a:lnRef>
+            <a:fillRef idx="1">
+              <a:schemeClr val="accent1"/>
+            </a:fillRef>
+            <a:effectRef idx="0">
+              <a:schemeClr val="accent1"/>
+            </a:effectRef>
+            <a:fontRef idx="minor">
+              <a:schemeClr val="lt1"/>
+            </a:fontRef>
+          </p:style>
+          <p:txBody>
+            <a:bodyPr rtlCol="0" anchor="ctr"/>
+            <a:lstStyle/>
+            <a:p>
+              <a:pPr algn="ctr"/>
+              <a:endParaRPr lang="en-US"/>
             </a:p>
           </p:txBody>
         </p:sp>
@@ -6637,7 +6629,7 @@
                             </p:stCondLst>
                             <p:childTnLst>
                               <p:par>
-                                <p:cTn id="114" presetID="10" presetClass="entr" presetSubtype="0" fill="hold" nodeType="clickEffect">
+                                <p:cTn id="114" presetID="42" presetClass="entr" presetSubtype="0" fill="hold" nodeType="clickEffect">
                                   <p:stCondLst>
                                     <p:cond delay="750"/>
                                   </p:stCondLst>
@@ -6650,7 +6642,7 @@
                                           </p:stCondLst>
                                         </p:cTn>
                                         <p:tgtEl>
-                                          <p:spTgt spid="109"/>
+                                          <p:spTgt spid="9"/>
                                         </p:tgtEl>
                                         <p:attrNameLst>
                                           <p:attrName>style.visibility</p:attrName>
@@ -6664,10 +6656,56 @@
                                       <p:cBhvr>
                                         <p:cTn id="116" dur="2000"/>
                                         <p:tgtEl>
-                                          <p:spTgt spid="109"/>
+                                          <p:spTgt spid="9"/>
                                         </p:tgtEl>
                                       </p:cBhvr>
                                     </p:animEffect>
+                                    <p:anim calcmode="lin" valueType="num">
+                                      <p:cBhvr>
+                                        <p:cTn id="117" dur="2000" fill="hold"/>
+                                        <p:tgtEl>
+                                          <p:spTgt spid="9"/>
+                                        </p:tgtEl>
+                                        <p:attrNameLst>
+                                          <p:attrName>ppt_x</p:attrName>
+                                        </p:attrNameLst>
+                                      </p:cBhvr>
+                                      <p:tavLst>
+                                        <p:tav tm="0">
+                                          <p:val>
+                                            <p:strVal val="#ppt_x"/>
+                                          </p:val>
+                                        </p:tav>
+                                        <p:tav tm="100000">
+                                          <p:val>
+                                            <p:strVal val="#ppt_x"/>
+                                          </p:val>
+                                        </p:tav>
+                                      </p:tavLst>
+                                    </p:anim>
+                                    <p:anim calcmode="lin" valueType="num">
+                                      <p:cBhvr>
+                                        <p:cTn id="118" dur="2000" fill="hold"/>
+                                        <p:tgtEl>
+                                          <p:spTgt spid="9"/>
+                                        </p:tgtEl>
+                                        <p:attrNameLst>
+                                          <p:attrName>ppt_y</p:attrName>
+                                        </p:attrNameLst>
+                                      </p:cBhvr>
+                                      <p:tavLst>
+                                        <p:tav tm="0">
+                                          <p:val>
+                                            <p:strVal val="#ppt_y+.1"/>
+                                          </p:val>
+                                        </p:tav>
+                                        <p:tav tm="100000">
+                                          <p:val>
+                                            <p:strVal val="#ppt_y"/>
+                                          </p:val>
+                                        </p:tav>
+                                      </p:tavLst>
+                                    </p:anim>
                                   </p:childTnLst>
                                 </p:cTn>
                               </p:par>
@@ -6678,26 +6716,26 @@
                     </p:cTn>
                   </p:par>
                   <p:par>
-                    <p:cTn id="117" fill="hold">
+                    <p:cTn id="119" fill="hold">
                       <p:stCondLst>
                         <p:cond delay="indefinite"/>
                       </p:stCondLst>
                       <p:childTnLst>
                         <p:par>
-                          <p:cTn id="118" fill="hold">
+                          <p:cTn id="120" fill="hold">
                             <p:stCondLst>
                               <p:cond delay="0"/>
                             </p:stCondLst>
                             <p:childTnLst>
                               <p:par>
-                                <p:cTn id="119" presetID="6" presetClass="entr" presetSubtype="16" fill="hold" nodeType="clickEffect">
+                                <p:cTn id="121" presetID="6" presetClass="entr" presetSubtype="16" fill="hold" nodeType="clickEffect">
                                   <p:stCondLst>
                                     <p:cond delay="750"/>
                                   </p:stCondLst>
                                   <p:childTnLst>
                                     <p:set>
                                       <p:cBhvr>
-                                        <p:cTn id="120" dur="1" fill="hold">
+                                        <p:cTn id="122" dur="1" fill="hold">
                                           <p:stCondLst>
                                             <p:cond delay="0"/>
                                           </p:stCondLst>
@@ -6715,7 +6753,7 @@
                                     </p:set>
                                     <p:animEffect transition="in" filter="circle(in)">
                                       <p:cBhvr>
-                                        <p:cTn id="121" dur="2000"/>
+                                        <p:cTn id="123" dur="2000"/>
                                         <p:tgtEl>
                                           <p:spTgt spid="97"/>
                                         </p:tgtEl>
@@ -6731,26 +6769,26 @@
                     </p:cTn>
                   </p:par>
                   <p:par>
-                    <p:cTn id="122" fill="hold">
+                    <p:cTn id="124" fill="hold">
                       <p:stCondLst>
                         <p:cond delay="indefinite"/>
                       </p:stCondLst>
                       <p:childTnLst>
                         <p:par>
-                          <p:cTn id="123" fill="hold">
+                          <p:cTn id="125" fill="hold">
                             <p:stCondLst>
                               <p:cond delay="0"/>
                             </p:stCondLst>
                             <p:childTnLst>
                               <p:par>
-                                <p:cTn id="124" presetID="42" presetClass="entr" presetSubtype="0" fill="hold" nodeType="clickEffect">
+                                <p:cTn id="126" presetID="42" presetClass="entr" presetSubtype="0" fill="hold" nodeType="clickEffect">
                                   <p:stCondLst>
                                     <p:cond delay="750"/>
                                   </p:stCondLst>
                                   <p:childTnLst>
                                     <p:set>
                                       <p:cBhvr>
-                                        <p:cTn id="125" dur="1" fill="hold">
+                                        <p:cTn id="127" dur="1" fill="hold">
                                           <p:stCondLst>
                                             <p:cond delay="0"/>
                                           </p:stCondLst>
@@ -6768,7 +6806,7 @@
                                     </p:set>
                                     <p:animEffect transition="in" filter="fade">
                                       <p:cBhvr>
-                                        <p:cTn id="126" dur="2000"/>
+                                        <p:cTn id="128" dur="2000"/>
                                         <p:tgtEl>
                                           <p:spTgt spid="2"/>
                                         </p:tgtEl>
@@ -6776,7 +6814,7 @@
                                     </p:animEffect>
                                     <p:anim calcmode="lin" valueType="num">
                                       <p:cBhvr>
-                                        <p:cTn id="127" dur="2000" fill="hold"/>
+                                        <p:cTn id="129" dur="2000" fill="hold"/>
                                         <p:tgtEl>
                                           <p:spTgt spid="2"/>
                                         </p:tgtEl>
@@ -6799,7 +6837,7 @@
                                     </p:anim>
                                     <p:anim calcmode="lin" valueType="num">
                                       <p:cBhvr>
-                                        <p:cTn id="128" dur="2000" fill="hold"/>
+                                        <p:cTn id="130" dur="2000" fill="hold"/>
                                         <p:tgtEl>
                                           <p:spTgt spid="2"/>
                                         </p:tgtEl>
@@ -6830,26 +6868,26 @@
                     </p:cTn>
                   </p:par>
                   <p:par>
-                    <p:cTn id="129" fill="hold">
+                    <p:cTn id="131" fill="hold">
                       <p:stCondLst>
                         <p:cond delay="indefinite"/>
                       </p:stCondLst>
                       <p:childTnLst>
                         <p:par>
-                          <p:cTn id="130" fill="hold">
+                          <p:cTn id="132" fill="hold">
                             <p:stCondLst>
                               <p:cond delay="0"/>
                             </p:stCondLst>
                             <p:childTnLst>
                               <p:par>
-                                <p:cTn id="131" presetID="16" presetClass="entr" presetSubtype="21" fill="hold" nodeType="clickEffect">
+                                <p:cTn id="133" presetID="16" presetClass="entr" presetSubtype="21" fill="hold" nodeType="clickEffect">
                                   <p:stCondLst>
                                     <p:cond delay="0"/>
                                   </p:stCondLst>
                                   <p:childTnLst>
                                     <p:set>
                                       <p:cBhvr>
-                                        <p:cTn id="132" dur="1" fill="hold">
+                                        <p:cTn id="134" dur="1" fill="hold">
                                           <p:stCondLst>
                                             <p:cond delay="0"/>
                                           </p:stCondLst>
@@ -6867,7 +6905,7 @@
                                     </p:set>
                                     <p:animEffect transition="in" filter="barn(inVertical)">
                                       <p:cBhvr>
-                                        <p:cTn id="133" dur="2000"/>
+                                        <p:cTn id="135" dur="2000"/>
                                         <p:tgtEl>
                                           <p:spTgt spid="71"/>
                                         </p:tgtEl>
@@ -6883,26 +6921,26 @@
                     </p:cTn>
                   </p:par>
                   <p:par>
-                    <p:cTn id="134" fill="hold">
+                    <p:cTn id="136" fill="hold">
                       <p:stCondLst>
                         <p:cond delay="indefinite"/>
                       </p:stCondLst>
                       <p:childTnLst>
                         <p:par>
-                          <p:cTn id="135" fill="hold">
+                          <p:cTn id="137" fill="hold">
                             <p:stCondLst>
                               <p:cond delay="0"/>
                             </p:stCondLst>
                             <p:childTnLst>
                               <p:par>
-                                <p:cTn id="136" presetID="10" presetClass="entr" presetSubtype="0" fill="hold" nodeType="clickEffect">
+                                <p:cTn id="138" presetID="10" presetClass="entr" presetSubtype="0" fill="hold" nodeType="clickEffect">
                                   <p:stCondLst>
                                     <p:cond delay="0"/>
                                   </p:stCondLst>
                                   <p:childTnLst>
                                     <p:set>
                                       <p:cBhvr>
-                                        <p:cTn id="137" dur="1" fill="hold">
+                                        <p:cTn id="139" dur="1" fill="hold">
                                           <p:stCondLst>
                                             <p:cond delay="0"/>
                                           </p:stCondLst>
@@ -6920,7 +6958,7 @@
                                     </p:set>
                                     <p:animEffect transition="in" filter="fade">
                                       <p:cBhvr>
-                                        <p:cTn id="138" dur="500"/>
+                                        <p:cTn id="140" dur="500"/>
                                         <p:tgtEl>
                                           <p:spTgt spid="5"/>
                                         </p:tgtEl>
@@ -6936,26 +6974,26 @@
                     </p:cTn>
                   </p:par>
                   <p:par>
-                    <p:cTn id="139" fill="hold">
+                    <p:cTn id="141" fill="hold">
                       <p:stCondLst>
                         <p:cond delay="indefinite"/>
                       </p:stCondLst>
                       <p:childTnLst>
                         <p:par>
-                          <p:cTn id="140" fill="hold">
+                          <p:cTn id="142" fill="hold">
                             <p:stCondLst>
                               <p:cond delay="0"/>
                             </p:stCondLst>
                             <p:childTnLst>
                               <p:par>
-                                <p:cTn id="141" presetID="16" presetClass="entr" presetSubtype="21" fill="hold" nodeType="clickEffect">
+                                <p:cTn id="143" presetID="16" presetClass="entr" presetSubtype="21" fill="hold" nodeType="clickEffect">
                                   <p:stCondLst>
                                     <p:cond delay="750"/>
                                   </p:stCondLst>
                                   <p:childTnLst>
                                     <p:set>
                                       <p:cBhvr>
-                                        <p:cTn id="142" dur="1" fill="hold">
+                                        <p:cTn id="144" dur="1" fill="hold">
                                           <p:stCondLst>
                                             <p:cond delay="0"/>
                                           </p:stCondLst>
@@ -6973,7 +7011,7 @@
                                     </p:set>
                                     <p:animEffect transition="in" filter="barn(inVertical)">
                                       <p:cBhvr>
-                                        <p:cTn id="143" dur="2000"/>
+                                        <p:cTn id="145" dur="2000"/>
                                         <p:tgtEl>
                                           <p:spTgt spid="104"/>
                                         </p:tgtEl>
